--- a/modifiaibility.pptx
+++ b/modifiaibility.pptx
@@ -5,27 +5,41 @@
     <p:sldMasterId id="2147483680" r:id="rId1"/>
   </p:sldMasterIdLst>
   <p:notesMasterIdLst>
-    <p:notesMasterId r:id="rId17"/>
+    <p:notesMasterId r:id="rId31"/>
   </p:notesMasterIdLst>
   <p:handoutMasterIdLst>
-    <p:handoutMasterId r:id="rId18"/>
+    <p:handoutMasterId r:id="rId32"/>
   </p:handoutMasterIdLst>
   <p:sldIdLst>
     <p:sldId id="256" r:id="rId2"/>
-    <p:sldId id="265" r:id="rId3"/>
-    <p:sldId id="257" r:id="rId4"/>
-    <p:sldId id="266" r:id="rId5"/>
-    <p:sldId id="258" r:id="rId6"/>
-    <p:sldId id="260" r:id="rId7"/>
-    <p:sldId id="259" r:id="rId8"/>
-    <p:sldId id="267" r:id="rId9"/>
-    <p:sldId id="261" r:id="rId10"/>
-    <p:sldId id="268" r:id="rId11"/>
-    <p:sldId id="263" r:id="rId12"/>
-    <p:sldId id="264" r:id="rId13"/>
-    <p:sldId id="269" r:id="rId14"/>
-    <p:sldId id="262" r:id="rId15"/>
-    <p:sldId id="270" r:id="rId16"/>
+    <p:sldId id="286" r:id="rId3"/>
+    <p:sldId id="265" r:id="rId4"/>
+    <p:sldId id="257" r:id="rId5"/>
+    <p:sldId id="278" r:id="rId6"/>
+    <p:sldId id="258" r:id="rId7"/>
+    <p:sldId id="260" r:id="rId8"/>
+    <p:sldId id="273" r:id="rId9"/>
+    <p:sldId id="289" r:id="rId10"/>
+    <p:sldId id="287" r:id="rId11"/>
+    <p:sldId id="290" r:id="rId12"/>
+    <p:sldId id="288" r:id="rId13"/>
+    <p:sldId id="291" r:id="rId14"/>
+    <p:sldId id="272" r:id="rId15"/>
+    <p:sldId id="259" r:id="rId16"/>
+    <p:sldId id="271" r:id="rId17"/>
+    <p:sldId id="277" r:id="rId18"/>
+    <p:sldId id="274" r:id="rId19"/>
+    <p:sldId id="261" r:id="rId20"/>
+    <p:sldId id="276" r:id="rId21"/>
+    <p:sldId id="263" r:id="rId22"/>
+    <p:sldId id="264" r:id="rId23"/>
+    <p:sldId id="281" r:id="rId24"/>
+    <p:sldId id="283" r:id="rId25"/>
+    <p:sldId id="282" r:id="rId26"/>
+    <p:sldId id="279" r:id="rId27"/>
+    <p:sldId id="284" r:id="rId28"/>
+    <p:sldId id="285" r:id="rId29"/>
+    <p:sldId id="270" r:id="rId30"/>
   </p:sldIdLst>
   <p:sldSz cx="9144000" cy="6858000" type="screen4x3"/>
   <p:notesSz cx="7315200" cy="9601200"/>
@@ -852,6 +866,91 @@
 </p:notesMaster>
 </file>
 
+<file path=ppt/notesSlides/notesSlide1.xml><?xml version="1.0" encoding="utf-8"?>
+<p:notes xmlns:a="http://schemas.openxmlformats.org/drawingml/2006/main" xmlns:r="http://schemas.openxmlformats.org/officeDocument/2006/relationships" xmlns:p="http://schemas.openxmlformats.org/presentationml/2006/main">
+  <p:cSld>
+    <p:spTree>
+      <p:nvGrpSpPr>
+        <p:cNvPr id="1" name=""/>
+        <p:cNvGrpSpPr/>
+        <p:nvPr/>
+      </p:nvGrpSpPr>
+      <p:grpSpPr>
+        <a:xfrm>
+          <a:off x="0" y="0"/>
+          <a:ext cx="0" cy="0"/>
+          <a:chOff x="0" y="0"/>
+          <a:chExt cx="0" cy="0"/>
+        </a:xfrm>
+      </p:grpSpPr>
+      <p:sp>
+        <p:nvSpPr>
+          <p:cNvPr id="2" name="Slide Image Placeholder 1"/>
+          <p:cNvSpPr>
+            <a:spLocks noGrp="1" noRot="1" noChangeAspect="1"/>
+          </p:cNvSpPr>
+          <p:nvPr>
+            <p:ph type="sldImg"/>
+          </p:nvPr>
+        </p:nvSpPr>
+        <p:spPr/>
+      </p:sp>
+      <p:sp>
+        <p:nvSpPr>
+          <p:cNvPr id="3" name="Notes Placeholder 2"/>
+          <p:cNvSpPr>
+            <a:spLocks noGrp="1"/>
+          </p:cNvSpPr>
+          <p:nvPr>
+            <p:ph type="body" idx="1"/>
+          </p:nvPr>
+        </p:nvSpPr>
+        <p:spPr/>
+        <p:txBody>
+          <a:bodyPr/>
+          <a:lstStyle/>
+          <a:p>
+            <a:endParaRPr lang="en-US" dirty="0"/>
+          </a:p>
+        </p:txBody>
+      </p:sp>
+      <p:sp>
+        <p:nvSpPr>
+          <p:cNvPr id="4" name="Slide Number Placeholder 3"/>
+          <p:cNvSpPr>
+            <a:spLocks noGrp="1"/>
+          </p:cNvSpPr>
+          <p:nvPr>
+            <p:ph type="sldNum" sz="quarter" idx="5"/>
+          </p:nvPr>
+        </p:nvSpPr>
+        <p:spPr/>
+        <p:txBody>
+          <a:bodyPr/>
+          <a:lstStyle/>
+          <a:p>
+            <a:fld id="{911B1B19-18A7-46BE-88D9-2164BF8B47A1}" type="slidenum">
+              <a:rPr lang="en-US" smtClean="0"/>
+              <a:pPr/>
+              <a:t>1</a:t>
+            </a:fld>
+            <a:endParaRPr lang="en-US"/>
+          </a:p>
+        </p:txBody>
+      </p:sp>
+    </p:spTree>
+    <p:extLst>
+      <p:ext uri="{BB962C8B-B14F-4D97-AF65-F5344CB8AC3E}">
+        <p14:creationId xmlns:p14="http://schemas.microsoft.com/office/powerpoint/2010/main" val="695542701"/>
+      </p:ext>
+    </p:extLst>
+  </p:cSld>
+  <p:clrMapOvr>
+    <a:masterClrMapping/>
+  </p:clrMapOvr>
+</p:notes>
+</file>
+
 <file path=ppt/slideLayouts/slideLayout1.xml><?xml version="1.0" encoding="utf-8"?>
 <p:sldLayout xmlns:a="http://schemas.openxmlformats.org/drawingml/2006/main" xmlns:r="http://schemas.openxmlformats.org/officeDocument/2006/relationships" xmlns:p="http://schemas.openxmlformats.org/presentationml/2006/main" showMasterSp="0" type="title" preserve="1">
   <p:cSld name="Title Slide">
@@ -1291,7 +1390,7 @@
         </p:nvCxnSpPr>
         <p:spPr bwMode="auto">
           <a:xfrm>
-            <a:off x="685800" y="1600200"/>
+            <a:off x="685800" y="1827212"/>
             <a:ext cx="7772400" cy="1588"/>
           </a:xfrm>
           <a:prstGeom prst="line">
@@ -3338,7 +3437,7 @@
           <p:cNvPr id="2" name="Title 1">
             <a:extLst>
               <a:ext uri="{FF2B5EF4-FFF2-40B4-BE49-F238E27FC236}">
-                <a16:creationId xmlns:a16="http://schemas.microsoft.com/office/drawing/2014/main" id="{95067248-D0C9-951C-5018-B9D02F1CB0B6}"/>
+                <a16:creationId xmlns:a16="http://schemas.microsoft.com/office/drawing/2014/main" id="{4BF5D2A3-23B1-7727-8B56-3763D57E82CE}"/>
               </a:ext>
             </a:extLst>
           </p:cNvPr>
@@ -3356,7 +3455,7 @@
           <a:p>
             <a:r>
               <a:rPr lang="en-US" dirty="0"/>
-              <a:t>Outline</a:t>
+              <a:t>Design Structure Matrix </a:t>
             </a:r>
           </a:p>
         </p:txBody>
@@ -3366,7 +3465,7 @@
           <p:cNvPr id="3" name="Content Placeholder 2">
             <a:extLst>
               <a:ext uri="{FF2B5EF4-FFF2-40B4-BE49-F238E27FC236}">
-                <a16:creationId xmlns:a16="http://schemas.microsoft.com/office/drawing/2014/main" id="{787A5C4D-5480-817C-854A-EF5172E1F91B}"/>
+                <a16:creationId xmlns:a16="http://schemas.microsoft.com/office/drawing/2014/main" id="{98009DD9-E374-3D17-FE8D-42F69D5D06F2}"/>
               </a:ext>
             </a:extLst>
           </p:cNvPr>
@@ -3384,39 +3483,45 @@
           <a:p>
             <a:r>
               <a:rPr lang="en-US" dirty="0"/>
-              <a:t>Introduction</a:t>
-            </a:r>
-          </a:p>
-          <a:p>
-            <a:r>
-              <a:rPr lang="en-US" dirty="0"/>
-              <a:t>Compile time changes</a:t>
-            </a:r>
-          </a:p>
-          <a:p>
-            <a:r>
-              <a:rPr lang="en-US" dirty="0"/>
-              <a:t>Build time changes</a:t>
-            </a:r>
-          </a:p>
-          <a:p>
-            <a:r>
-              <a:rPr lang="en-US" b="1" dirty="0"/>
-              <a:t>Installation time changes</a:t>
-            </a:r>
-          </a:p>
-          <a:p>
-            <a:r>
-              <a:rPr lang="en-US" dirty="0"/>
-              <a:t>Run time changes</a:t>
-            </a:r>
+              <a:t>A Design Structure Matrix (DSM) is a visual representation of dependencies among modules in an architecture</a:t>
+            </a:r>
+          </a:p>
+          <a:p>
+            <a:r>
+              <a:rPr lang="en-US" dirty="0"/>
+              <a:t>Square matrix with</a:t>
+            </a:r>
+            <a:r>
+              <a:rPr lang="en-US" baseline="0" dirty="0"/>
+              <a:t> modules along both axes</a:t>
+            </a:r>
+          </a:p>
+          <a:p>
+            <a:r>
+              <a:rPr lang="en-US" baseline="0" dirty="0"/>
+              <a:t>Place mark in matrix if there is a dependency between module in row and module in column</a:t>
+            </a:r>
+            <a:endParaRPr lang="en-US" dirty="0"/>
+          </a:p>
+          <a:p>
+            <a:r>
+              <a:rPr lang="en-US" dirty="0"/>
+              <a:t> </a:t>
+            </a:r>
+            <a:r>
+              <a:rPr lang="en-US" dirty="0">
+                <a:hlinkClick r:id="rId2"/>
+              </a:rPr>
+              <a:t>https://dsmsuite.github.io/dsm_overview</a:t>
+            </a:r>
+            <a:endParaRPr lang="en-US" dirty="0"/>
           </a:p>
         </p:txBody>
       </p:sp>
     </p:spTree>
     <p:extLst>
       <p:ext uri="{BB962C8B-B14F-4D97-AF65-F5344CB8AC3E}">
-        <p14:creationId xmlns:p14="http://schemas.microsoft.com/office/powerpoint/2010/main" val="2126544229"/>
+        <p14:creationId xmlns:p14="http://schemas.microsoft.com/office/powerpoint/2010/main" val="3891907961"/>
       </p:ext>
     </p:extLst>
   </p:cSld>
@@ -3448,7 +3553,7 @@
           <p:cNvPr id="2" name="Title 1">
             <a:extLst>
               <a:ext uri="{FF2B5EF4-FFF2-40B4-BE49-F238E27FC236}">
-                <a16:creationId xmlns:a16="http://schemas.microsoft.com/office/drawing/2014/main" id="{14E85942-3354-CB46-295C-E9C32E09EE07}"/>
+                <a16:creationId xmlns:a16="http://schemas.microsoft.com/office/drawing/2014/main" id="{24E553EF-53BD-5C89-5663-14649F1056D9}"/>
               </a:ext>
             </a:extLst>
           </p:cNvPr>
@@ -3464,94 +3569,52 @@
           <a:bodyPr/>
           <a:lstStyle/>
           <a:p>
-            <a:pPr marL="0" lvl="0" indent="0" rtl="0" eaLnBrk="1" fontAlgn="base" hangingPunct="1">
-              <a:buNone/>
-            </a:pPr>
-            <a:r>
-              <a:rPr lang="en-US" sz="4400" dirty="0">
-                <a:solidFill>
-                  <a:schemeClr val="tx2"/>
-                </a:solidFill>
-                <a:latin typeface="+mj-lt"/>
-                <a:ea typeface="+mj-ea"/>
-                <a:cs typeface="+mj-cs"/>
-              </a:rPr>
-              <a:t>Initialization time changes</a:t>
-            </a:r>
-          </a:p>
-        </p:txBody>
-      </p:sp>
-      <p:sp>
-        <p:nvSpPr>
-          <p:cNvPr id="3" name="Content Placeholder 2">
+            <a:r>
+              <a:rPr lang="en-US" dirty="0"/>
+              <a:t>Sample DSM</a:t>
+            </a:r>
+          </a:p>
+        </p:txBody>
+      </p:sp>
+      <p:pic>
+        <p:nvPicPr>
+          <p:cNvPr id="5" name="Content Placeholder 4" descr="A screenshot of a computer&#10;&#10;Description automatically generated with medium confidence">
             <a:extLst>
               <a:ext uri="{FF2B5EF4-FFF2-40B4-BE49-F238E27FC236}">
-                <a16:creationId xmlns:a16="http://schemas.microsoft.com/office/drawing/2014/main" id="{9F1C1373-16AE-B384-EFC9-AD7363BB6DE6}"/>
+                <a16:creationId xmlns:a16="http://schemas.microsoft.com/office/drawing/2014/main" id="{308255DB-D39F-1C9F-D6FC-B8AEFEF935DD}"/>
               </a:ext>
             </a:extLst>
           </p:cNvPr>
-          <p:cNvSpPr>
-            <a:spLocks noGrp="1"/>
-          </p:cNvSpPr>
+          <p:cNvPicPr>
+            <a:picLocks noGrp="1" noChangeAspect="1"/>
+          </p:cNvPicPr>
           <p:nvPr>
             <p:ph idx="1"/>
           </p:nvPr>
-        </p:nvSpPr>
-        <p:spPr/>
-        <p:txBody>
-          <a:bodyPr/>
-          <a:lstStyle/>
-          <a:p>
-            <a:r>
-              <a:rPr lang="en-US" dirty="0"/>
-              <a:t>When system is invoked it acquires configuration parameters</a:t>
-            </a:r>
-          </a:p>
-          <a:p>
-            <a:pPr lvl="1"/>
-            <a:r>
-              <a:rPr lang="en-US" dirty="0"/>
-              <a:t>From a special file in a known location</a:t>
-            </a:r>
-          </a:p>
-          <a:p>
-            <a:pPr lvl="1"/>
-            <a:r>
-              <a:rPr lang="en-US" dirty="0"/>
-              <a:t>From OS environment variables</a:t>
-            </a:r>
-          </a:p>
-          <a:p>
-            <a:pPr lvl="1"/>
-            <a:r>
-              <a:rPr lang="en-US" dirty="0"/>
-              <a:t>From configuration database</a:t>
-            </a:r>
-          </a:p>
-          <a:p>
-            <a:pPr lvl="1"/>
-            <a:r>
-              <a:rPr lang="en-US" dirty="0"/>
-              <a:t>From a special tool</a:t>
-            </a:r>
-          </a:p>
-          <a:p>
-            <a:r>
-              <a:rPr lang="en-US" dirty="0"/>
-              <a:t>Values of configuration parameters will affect the behavior of </a:t>
-            </a:r>
-            <a:r>
-              <a:rPr lang="en-US"/>
-              <a:t>a system.</a:t>
-            </a:r>
-            <a:endParaRPr lang="en-US" dirty="0"/>
-          </a:p>
-        </p:txBody>
-      </p:sp>
+        </p:nvPicPr>
+        <p:blipFill>
+          <a:blip r:embed="rId2">
+            <a:extLst>
+              <a:ext uri="{28A0092B-C50C-407E-A947-70E740481C1C}">
+                <a14:useLocalDpi xmlns:a14="http://schemas.microsoft.com/office/drawing/2010/main" val="0"/>
+              </a:ext>
+            </a:extLst>
+          </a:blip>
+          <a:stretch>
+            <a:fillRect/>
+          </a:stretch>
+        </p:blipFill>
+        <p:spPr>
+          <a:xfrm>
+            <a:off x="1371600" y="2212832"/>
+            <a:ext cx="5688745" cy="4021713"/>
+          </a:xfrm>
+        </p:spPr>
+      </p:pic>
     </p:spTree>
     <p:extLst>
       <p:ext uri="{BB962C8B-B14F-4D97-AF65-F5344CB8AC3E}">
-        <p14:creationId xmlns:p14="http://schemas.microsoft.com/office/powerpoint/2010/main" val="3890575921"/>
+        <p14:creationId xmlns:p14="http://schemas.microsoft.com/office/powerpoint/2010/main" val="2017448525"/>
       </p:ext>
     </p:extLst>
   </p:cSld>
@@ -3583,7 +3646,7 @@
           <p:cNvPr id="2" name="Title 1">
             <a:extLst>
               <a:ext uri="{FF2B5EF4-FFF2-40B4-BE49-F238E27FC236}">
-                <a16:creationId xmlns:a16="http://schemas.microsoft.com/office/drawing/2014/main" id="{70A43DF5-B4FF-6932-F3D9-E7A5AC6C90C4}"/>
+                <a16:creationId xmlns:a16="http://schemas.microsoft.com/office/drawing/2014/main" id="{35DBC9F4-3872-79A1-8E9A-A43ECD79BA0E}"/>
               </a:ext>
             </a:extLst>
           </p:cNvPr>
@@ -3594,23 +3657,18 @@
             <p:ph type="title"/>
           </p:nvPr>
         </p:nvSpPr>
-        <p:spPr>
-          <a:xfrm>
-            <a:off x="717468" y="457200"/>
-            <a:ext cx="7772400" cy="1143000"/>
-          </a:xfrm>
-        </p:spPr>
+        <p:spPr/>
         <p:txBody>
           <a:bodyPr/>
           <a:lstStyle/>
           <a:p>
             <a:r>
               <a:rPr lang="en-US" dirty="0"/>
-              <a:t>Uses</a:t>
+              <a:t>Uses of a</a:t>
             </a:r>
             <a:r>
               <a:rPr lang="en-US" baseline="0" dirty="0"/>
-              <a:t> of initialization time changes</a:t>
+              <a:t> DSM</a:t>
             </a:r>
             <a:endParaRPr lang="en-US" dirty="0"/>
           </a:p>
@@ -3621,7 +3679,7 @@
           <p:cNvPr id="3" name="Content Placeholder 2">
             <a:extLst>
               <a:ext uri="{FF2B5EF4-FFF2-40B4-BE49-F238E27FC236}">
-                <a16:creationId xmlns:a16="http://schemas.microsoft.com/office/drawing/2014/main" id="{A32E4D7E-D01B-AE32-BCA5-D22453E66CBC}"/>
+                <a16:creationId xmlns:a16="http://schemas.microsoft.com/office/drawing/2014/main" id="{C0249483-3A3B-6410-E5F3-D1367CADEBEC}"/>
               </a:ext>
             </a:extLst>
           </p:cNvPr>
@@ -3639,32 +3697,60 @@
           <a:p>
             <a:r>
               <a:rPr lang="en-US" dirty="0"/>
-              <a:t>Configuration </a:t>
-            </a:r>
-            <a:r>
-              <a:rPr lang="en-US" dirty="0" err="1"/>
-              <a:t>parametrs</a:t>
-            </a:r>
-            <a:r>
-              <a:rPr lang="en-US" dirty="0"/>
-              <a:t> allow a system to operate in different environments. </a:t>
-            </a:r>
-          </a:p>
-          <a:p>
-            <a:r>
-              <a:rPr lang="en-US" dirty="0"/>
-              <a:t>E.g. make database URL a configuration parameter. This allows a different database to be used during development than during production.</a:t>
-            </a:r>
-          </a:p>
-          <a:p>
-            <a:endParaRPr lang="en-US" dirty="0"/>
+              <a:t>Ideal DSM is lower</a:t>
+            </a:r>
+            <a:r>
+              <a:rPr lang="en-US" baseline="0" dirty="0"/>
+              <a:t> diagonal</a:t>
+            </a:r>
+          </a:p>
+          <a:p>
+            <a:r>
+              <a:rPr lang="en-US" baseline="0" dirty="0"/>
+              <a:t>DSMs can be used to determine</a:t>
+            </a:r>
+          </a:p>
+          <a:p>
+            <a:pPr lvl="1"/>
+            <a:r>
+              <a:rPr lang="en-US" dirty="0"/>
+              <a:t>A cyclic relation between two modules</a:t>
+            </a:r>
+          </a:p>
+          <a:p>
+            <a:pPr lvl="1"/>
+            <a:r>
+              <a:rPr lang="en-US" dirty="0"/>
+              <a:t>A relation against the expected layering.</a:t>
+            </a:r>
+          </a:p>
+          <a:p>
+            <a:pPr lvl="1"/>
+            <a:r>
+              <a:rPr lang="en-US" dirty="0"/>
+              <a:t>A relationship that skips a layer.</a:t>
+            </a:r>
+          </a:p>
+          <a:p>
+            <a:pPr lvl="1"/>
+            <a:r>
+              <a:rPr lang="en-US" dirty="0"/>
+              <a:t>An unused module without incoming relationships.</a:t>
+            </a:r>
+          </a:p>
+          <a:p>
+            <a:pPr lvl="1"/>
+            <a:r>
+              <a:rPr lang="en-US" dirty="0"/>
+              <a:t>A module with many in and outgoing relationships </a:t>
+            </a:r>
           </a:p>
         </p:txBody>
       </p:sp>
     </p:spTree>
     <p:extLst>
       <p:ext uri="{BB962C8B-B14F-4D97-AF65-F5344CB8AC3E}">
-        <p14:creationId xmlns:p14="http://schemas.microsoft.com/office/powerpoint/2010/main" val="1386119244"/>
+        <p14:creationId xmlns:p14="http://schemas.microsoft.com/office/powerpoint/2010/main" val="1288396573"/>
       </p:ext>
     </p:extLst>
   </p:cSld>
@@ -3696,7 +3782,7 @@
           <p:cNvPr id="2" name="Title 1">
             <a:extLst>
               <a:ext uri="{FF2B5EF4-FFF2-40B4-BE49-F238E27FC236}">
-                <a16:creationId xmlns:a16="http://schemas.microsoft.com/office/drawing/2014/main" id="{95067248-D0C9-951C-5018-B9D02F1CB0B6}"/>
+                <a16:creationId xmlns:a16="http://schemas.microsoft.com/office/drawing/2014/main" id="{00F1F559-A8A6-E17F-89C1-FE5D583CC7F8}"/>
               </a:ext>
             </a:extLst>
           </p:cNvPr>
@@ -3714,7 +3800,7 @@
           <a:p>
             <a:r>
               <a:rPr lang="en-US" dirty="0"/>
-              <a:t>Outline</a:t>
+              <a:t>Determining architecture debt hotspots</a:t>
             </a:r>
           </a:p>
         </p:txBody>
@@ -3724,7 +3810,7 @@
           <p:cNvPr id="3" name="Content Placeholder 2">
             <a:extLst>
               <a:ext uri="{FF2B5EF4-FFF2-40B4-BE49-F238E27FC236}">
-                <a16:creationId xmlns:a16="http://schemas.microsoft.com/office/drawing/2014/main" id="{787A5C4D-5480-817C-854A-EF5172E1F91B}"/>
+                <a16:creationId xmlns:a16="http://schemas.microsoft.com/office/drawing/2014/main" id="{21141C2B-8325-2F8B-4B5D-697A9392DEBB}"/>
               </a:ext>
             </a:extLst>
           </p:cNvPr>
@@ -3742,31 +3828,33 @@
           <a:p>
             <a:r>
               <a:rPr lang="en-US" dirty="0"/>
-              <a:t>Introduction</a:t>
-            </a:r>
-          </a:p>
-          <a:p>
-            <a:r>
-              <a:rPr lang="en-US" dirty="0"/>
-              <a:t>Compile time changes</a:t>
-            </a:r>
-          </a:p>
-          <a:p>
-            <a:r>
-              <a:rPr lang="en-US" dirty="0"/>
-              <a:t>Build time changes</a:t>
-            </a:r>
-          </a:p>
-          <a:p>
-            <a:r>
-              <a:rPr lang="en-US" dirty="0"/>
-              <a:t>Installation time changes</a:t>
-            </a:r>
-          </a:p>
-          <a:p>
-            <a:r>
-              <a:rPr lang="en-US" b="1" dirty="0"/>
-              <a:t>Run time changes</a:t>
+              <a:t>Begin with a DSM</a:t>
+            </a:r>
+          </a:p>
+          <a:p>
+            <a:r>
+              <a:rPr lang="en-US" dirty="0"/>
+              <a:t>Add marks to cells from modules that change simultaneously. </a:t>
+            </a:r>
+          </a:p>
+          <a:p>
+            <a:pPr lvl="1"/>
+            <a:r>
+              <a:rPr lang="en-US" dirty="0"/>
+              <a:t>This information is available from a version control system.</a:t>
+            </a:r>
+          </a:p>
+          <a:p>
+            <a:pPr lvl="1"/>
+            <a:r>
+              <a:rPr lang="en-US" dirty="0"/>
+              <a:t>Focus on bug fixes, not new functionality (available from issue control system)</a:t>
+            </a:r>
+          </a:p>
+          <a:p>
+            <a:r>
+              <a:rPr lang="en-US" dirty="0"/>
+              <a:t>Cells in upper diagonal with marks represent modules with architecture debt</a:t>
             </a:r>
           </a:p>
         </p:txBody>
@@ -3774,7 +3862,7 @@
     </p:spTree>
     <p:extLst>
       <p:ext uri="{BB962C8B-B14F-4D97-AF65-F5344CB8AC3E}">
-        <p14:creationId xmlns:p14="http://schemas.microsoft.com/office/powerpoint/2010/main" val="3013698380"/>
+        <p14:creationId xmlns:p14="http://schemas.microsoft.com/office/powerpoint/2010/main" val="2080100509"/>
       </p:ext>
     </p:extLst>
   </p:cSld>
@@ -3806,7 +3894,7 @@
           <p:cNvPr id="2" name="Title 1">
             <a:extLst>
               <a:ext uri="{FF2B5EF4-FFF2-40B4-BE49-F238E27FC236}">
-                <a16:creationId xmlns:a16="http://schemas.microsoft.com/office/drawing/2014/main" id="{68B2819D-16F5-B397-D459-49D91DA7CCC4}"/>
+                <a16:creationId xmlns:a16="http://schemas.microsoft.com/office/drawing/2014/main" id="{6B65BFDA-CBE7-E5FB-E2B9-EEE8BFA60770}"/>
               </a:ext>
             </a:extLst>
           </p:cNvPr>
@@ -3822,25 +3910,9 @@
           <a:bodyPr/>
           <a:lstStyle/>
           <a:p>
-            <a:pPr marL="0" lvl="0" indent="0" algn="ctr" rtl="0" eaLnBrk="1" fontAlgn="base" hangingPunct="1">
-              <a:spcBef>
-                <a:spcPct val="0"/>
-              </a:spcBef>
-              <a:spcAft>
-                <a:spcPct val="0"/>
-              </a:spcAft>
-              <a:buNone/>
-            </a:pPr>
-            <a:r>
-              <a:rPr lang="en-US" sz="4400" dirty="0">
-                <a:solidFill>
-                  <a:schemeClr val="tx2"/>
-                </a:solidFill>
-                <a:latin typeface="+mj-lt"/>
-                <a:ea typeface="+mj-ea"/>
-                <a:cs typeface="+mj-cs"/>
-              </a:rPr>
-              <a:t>Run time changes</a:t>
+            <a:r>
+              <a:rPr lang="en-US" dirty="0"/>
+              <a:t>Reducing coupling</a:t>
             </a:r>
           </a:p>
         </p:txBody>
@@ -3850,7 +3922,7 @@
           <p:cNvPr id="3" name="Content Placeholder 2">
             <a:extLst>
               <a:ext uri="{FF2B5EF4-FFF2-40B4-BE49-F238E27FC236}">
-                <a16:creationId xmlns:a16="http://schemas.microsoft.com/office/drawing/2014/main" id="{F506D850-E4C2-0D6E-C698-E1C249EC105E}"/>
+                <a16:creationId xmlns:a16="http://schemas.microsoft.com/office/drawing/2014/main" id="{FF46BC8E-A8C4-EF12-2FD5-FC5A3A29491C}"/>
               </a:ext>
             </a:extLst>
           </p:cNvPr>
@@ -3868,21 +3940,13 @@
           <a:p>
             <a:r>
               <a:rPr lang="en-US" dirty="0"/>
-              <a:t>Values read in during run tie will affect </a:t>
-            </a:r>
-            <a:r>
-              <a:rPr lang="en-US" dirty="0" err="1"/>
-              <a:t>behavrior</a:t>
-            </a:r>
-            <a:r>
-              <a:rPr lang="en-US" dirty="0"/>
-              <a:t>.</a:t>
-            </a:r>
-          </a:p>
-          <a:p>
-            <a:r>
-              <a:rPr lang="en-US" dirty="0"/>
-              <a:t>System is coded to depend on input values.</a:t>
+              <a:t>Refactor</a:t>
+            </a:r>
+          </a:p>
+          <a:p>
+            <a:r>
+              <a:rPr lang="en-US" dirty="0"/>
+              <a:t>Use an intermediary</a:t>
             </a:r>
           </a:p>
         </p:txBody>
@@ -3890,7 +3954,7 @@
     </p:spTree>
     <p:extLst>
       <p:ext uri="{BB962C8B-B14F-4D97-AF65-F5344CB8AC3E}">
-        <p14:creationId xmlns:p14="http://schemas.microsoft.com/office/powerpoint/2010/main" val="3798756843"/>
+        <p14:creationId xmlns:p14="http://schemas.microsoft.com/office/powerpoint/2010/main" val="2244509322"/>
       </p:ext>
     </p:extLst>
   </p:cSld>
@@ -3922,774 +3986,6 @@
           <p:cNvPr id="2" name="Title 1">
             <a:extLst>
               <a:ext uri="{FF2B5EF4-FFF2-40B4-BE49-F238E27FC236}">
-                <a16:creationId xmlns:a16="http://schemas.microsoft.com/office/drawing/2014/main" id="{755D9365-4993-8C9A-E74E-79EB68AD70EC}"/>
-              </a:ext>
-            </a:extLst>
-          </p:cNvPr>
-          <p:cNvSpPr>
-            <a:spLocks noGrp="1"/>
-          </p:cNvSpPr>
-          <p:nvPr>
-            <p:ph type="title"/>
-          </p:nvPr>
-        </p:nvSpPr>
-        <p:spPr/>
-        <p:txBody>
-          <a:bodyPr/>
-          <a:lstStyle/>
-          <a:p>
-            <a:r>
-              <a:rPr lang="en-US" dirty="0"/>
-              <a:t>Summary</a:t>
-            </a:r>
-          </a:p>
-        </p:txBody>
-      </p:sp>
-      <p:sp>
-        <p:nvSpPr>
-          <p:cNvPr id="3" name="Content Placeholder 2">
-            <a:extLst>
-              <a:ext uri="{FF2B5EF4-FFF2-40B4-BE49-F238E27FC236}">
-                <a16:creationId xmlns:a16="http://schemas.microsoft.com/office/drawing/2014/main" id="{2CC12C62-1819-6519-56BE-01F72D679B25}"/>
-              </a:ext>
-            </a:extLst>
-          </p:cNvPr>
-          <p:cNvSpPr>
-            <a:spLocks noGrp="1"/>
-          </p:cNvSpPr>
-          <p:nvPr>
-            <p:ph idx="1"/>
-          </p:nvPr>
-        </p:nvSpPr>
-        <p:spPr>
-          <a:xfrm>
-            <a:off x="685800" y="1752600"/>
-            <a:ext cx="7772400" cy="4038600"/>
-          </a:xfrm>
-        </p:spPr>
-        <p:txBody>
-          <a:bodyPr/>
-          <a:lstStyle/>
-          <a:p>
-            <a:pPr rtl="0" eaLnBrk="1" fontAlgn="base" hangingPunct="1"/>
-            <a:r>
-              <a:rPr lang="en-US" sz="2800" dirty="0">
-                <a:solidFill>
-                  <a:schemeClr val="tx1"/>
-                </a:solidFill>
-                <a:effectLst/>
-                <a:latin typeface="+mn-lt"/>
-                <a:ea typeface="+mn-ea"/>
-                <a:cs typeface="+mn-cs"/>
-              </a:rPr>
-              <a:t>Modifiability is the ability to make a change to the behavior of a system.</a:t>
-            </a:r>
-            <a:endParaRPr lang="en-US" sz="2800" dirty="0">
-              <a:effectLst/>
-            </a:endParaRPr>
-          </a:p>
-          <a:p>
-            <a:pPr rtl="0" eaLnBrk="1" fontAlgn="base" hangingPunct="1"/>
-            <a:r>
-              <a:rPr lang="en-US" sz="2800" dirty="0">
-                <a:solidFill>
-                  <a:schemeClr val="tx1"/>
-                </a:solidFill>
-                <a:effectLst/>
-                <a:latin typeface="+mn-lt"/>
-                <a:ea typeface="+mn-ea"/>
-                <a:cs typeface="+mn-cs"/>
-              </a:rPr>
-              <a:t>The changes can occur at</a:t>
-            </a:r>
-            <a:endParaRPr lang="en-US" dirty="0">
-              <a:effectLst/>
-            </a:endParaRPr>
-          </a:p>
-          <a:p>
-            <a:pPr rtl="0" eaLnBrk="1" fontAlgn="base" hangingPunct="1"/>
-            <a:r>
-              <a:rPr lang="en-US" sz="2800" dirty="0">
-                <a:solidFill>
-                  <a:schemeClr val="tx1"/>
-                </a:solidFill>
-                <a:effectLst/>
-                <a:latin typeface="+mn-lt"/>
-                <a:ea typeface="+mn-ea"/>
-                <a:cs typeface="+mn-cs"/>
-              </a:rPr>
-              <a:t>Compile time through code changes</a:t>
-            </a:r>
-            <a:endParaRPr lang="en-US" dirty="0">
-              <a:effectLst/>
-            </a:endParaRPr>
-          </a:p>
-          <a:p>
-            <a:pPr rtl="0" eaLnBrk="1" fontAlgn="base" hangingPunct="1"/>
-            <a:r>
-              <a:rPr lang="en-US" sz="2800" dirty="0">
-                <a:solidFill>
-                  <a:schemeClr val="tx1"/>
-                </a:solidFill>
-                <a:effectLst/>
-                <a:latin typeface="+mn-lt"/>
-                <a:ea typeface="+mn-ea"/>
-                <a:cs typeface="+mn-cs"/>
-              </a:rPr>
-              <a:t>Build time through incorporation of different dependencies</a:t>
-            </a:r>
-            <a:endParaRPr lang="en-US" dirty="0">
-              <a:effectLst/>
-            </a:endParaRPr>
-          </a:p>
-          <a:p>
-            <a:pPr rtl="0" eaLnBrk="1" fontAlgn="base" hangingPunct="1"/>
-            <a:r>
-              <a:rPr lang="en-US" sz="2800" dirty="0">
-                <a:solidFill>
-                  <a:schemeClr val="tx1"/>
-                </a:solidFill>
-                <a:effectLst/>
-                <a:latin typeface="+mn-lt"/>
-                <a:ea typeface="+mn-ea"/>
-                <a:cs typeface="+mn-cs"/>
-              </a:rPr>
-              <a:t>Initialization time through configuration parameters or discovery</a:t>
-            </a:r>
-            <a:endParaRPr lang="en-US" dirty="0">
-              <a:effectLst/>
-            </a:endParaRPr>
-          </a:p>
-          <a:p>
-            <a:pPr rtl="0" eaLnBrk="1" fontAlgn="base" hangingPunct="1"/>
-            <a:r>
-              <a:rPr lang="en-US" sz="2800" dirty="0">
-                <a:solidFill>
-                  <a:schemeClr val="tx1"/>
-                </a:solidFill>
-                <a:effectLst/>
-                <a:latin typeface="+mn-lt"/>
-                <a:ea typeface="+mn-ea"/>
-                <a:cs typeface="+mn-cs"/>
-              </a:rPr>
-              <a:t>Run time through either configuration parameters or particular types of input.</a:t>
-            </a:r>
-            <a:endParaRPr lang="en-US" dirty="0">
-              <a:effectLst/>
-            </a:endParaRPr>
-          </a:p>
-          <a:p>
-            <a:endParaRPr lang="en-US" dirty="0"/>
-          </a:p>
-        </p:txBody>
-      </p:sp>
-    </p:spTree>
-    <p:extLst>
-      <p:ext uri="{BB962C8B-B14F-4D97-AF65-F5344CB8AC3E}">
-        <p14:creationId xmlns:p14="http://schemas.microsoft.com/office/powerpoint/2010/main" val="2282532488"/>
-      </p:ext>
-    </p:extLst>
-  </p:cSld>
-  <p:clrMapOvr>
-    <a:masterClrMapping/>
-  </p:clrMapOvr>
-</p:sld>
-</file>
-
-<file path=ppt/slides/slide2.xml><?xml version="1.0" encoding="utf-8"?>
-<p:sld xmlns:a="http://schemas.openxmlformats.org/drawingml/2006/main" xmlns:r="http://schemas.openxmlformats.org/officeDocument/2006/relationships" xmlns:p="http://schemas.openxmlformats.org/presentationml/2006/main">
-  <p:cSld>
-    <p:spTree>
-      <p:nvGrpSpPr>
-        <p:cNvPr id="1" name=""/>
-        <p:cNvGrpSpPr/>
-        <p:nvPr/>
-      </p:nvGrpSpPr>
-      <p:grpSpPr>
-        <a:xfrm>
-          <a:off x="0" y="0"/>
-          <a:ext cx="0" cy="0"/>
-          <a:chOff x="0" y="0"/>
-          <a:chExt cx="0" cy="0"/>
-        </a:xfrm>
-      </p:grpSpPr>
-      <p:sp>
-        <p:nvSpPr>
-          <p:cNvPr id="2" name="Title 1">
-            <a:extLst>
-              <a:ext uri="{FF2B5EF4-FFF2-40B4-BE49-F238E27FC236}">
-                <a16:creationId xmlns:a16="http://schemas.microsoft.com/office/drawing/2014/main" id="{95067248-D0C9-951C-5018-B9D02F1CB0B6}"/>
-              </a:ext>
-            </a:extLst>
-          </p:cNvPr>
-          <p:cNvSpPr>
-            <a:spLocks noGrp="1"/>
-          </p:cNvSpPr>
-          <p:nvPr>
-            <p:ph type="title"/>
-          </p:nvPr>
-        </p:nvSpPr>
-        <p:spPr/>
-        <p:txBody>
-          <a:bodyPr/>
-          <a:lstStyle/>
-          <a:p>
-            <a:r>
-              <a:rPr lang="en-US" dirty="0"/>
-              <a:t>Outline</a:t>
-            </a:r>
-          </a:p>
-        </p:txBody>
-      </p:sp>
-      <p:sp>
-        <p:nvSpPr>
-          <p:cNvPr id="3" name="Content Placeholder 2">
-            <a:extLst>
-              <a:ext uri="{FF2B5EF4-FFF2-40B4-BE49-F238E27FC236}">
-                <a16:creationId xmlns:a16="http://schemas.microsoft.com/office/drawing/2014/main" id="{787A5C4D-5480-817C-854A-EF5172E1F91B}"/>
-              </a:ext>
-            </a:extLst>
-          </p:cNvPr>
-          <p:cNvSpPr>
-            <a:spLocks noGrp="1"/>
-          </p:cNvSpPr>
-          <p:nvPr>
-            <p:ph idx="1"/>
-          </p:nvPr>
-        </p:nvSpPr>
-        <p:spPr/>
-        <p:txBody>
-          <a:bodyPr/>
-          <a:lstStyle/>
-          <a:p>
-            <a:r>
-              <a:rPr lang="en-US" b="1" dirty="0"/>
-              <a:t>Introduction</a:t>
-            </a:r>
-          </a:p>
-          <a:p>
-            <a:r>
-              <a:rPr lang="en-US" dirty="0"/>
-              <a:t>Compile time changes</a:t>
-            </a:r>
-          </a:p>
-          <a:p>
-            <a:r>
-              <a:rPr lang="en-US" dirty="0"/>
-              <a:t>Build time changes</a:t>
-            </a:r>
-          </a:p>
-          <a:p>
-            <a:r>
-              <a:rPr lang="en-US" dirty="0"/>
-              <a:t>Installation time changes</a:t>
-            </a:r>
-          </a:p>
-          <a:p>
-            <a:r>
-              <a:rPr lang="en-US" dirty="0"/>
-              <a:t>Run time changes</a:t>
-            </a:r>
-          </a:p>
-        </p:txBody>
-      </p:sp>
-    </p:spTree>
-    <p:extLst>
-      <p:ext uri="{BB962C8B-B14F-4D97-AF65-F5344CB8AC3E}">
-        <p14:creationId xmlns:p14="http://schemas.microsoft.com/office/powerpoint/2010/main" val="1306959949"/>
-      </p:ext>
-    </p:extLst>
-  </p:cSld>
-  <p:clrMapOvr>
-    <a:masterClrMapping/>
-  </p:clrMapOvr>
-</p:sld>
-</file>
-
-<file path=ppt/slides/slide3.xml><?xml version="1.0" encoding="utf-8"?>
-<p:sld xmlns:a="http://schemas.openxmlformats.org/drawingml/2006/main" xmlns:r="http://schemas.openxmlformats.org/officeDocument/2006/relationships" xmlns:p="http://schemas.openxmlformats.org/presentationml/2006/main">
-  <p:cSld>
-    <p:spTree>
-      <p:nvGrpSpPr>
-        <p:cNvPr id="1" name=""/>
-        <p:cNvGrpSpPr/>
-        <p:nvPr/>
-      </p:nvGrpSpPr>
-      <p:grpSpPr>
-        <a:xfrm>
-          <a:off x="0" y="0"/>
-          <a:ext cx="0" cy="0"/>
-          <a:chOff x="0" y="0"/>
-          <a:chExt cx="0" cy="0"/>
-        </a:xfrm>
-      </p:grpSpPr>
-      <p:sp>
-        <p:nvSpPr>
-          <p:cNvPr id="2" name="Title 1">
-            <a:extLst>
-              <a:ext uri="{FF2B5EF4-FFF2-40B4-BE49-F238E27FC236}">
-                <a16:creationId xmlns:a16="http://schemas.microsoft.com/office/drawing/2014/main" id="{CE32338D-457A-0149-76D0-43FE2DDCD603}"/>
-              </a:ext>
-            </a:extLst>
-          </p:cNvPr>
-          <p:cNvSpPr>
-            <a:spLocks noGrp="1"/>
-          </p:cNvSpPr>
-          <p:nvPr>
-            <p:ph type="title"/>
-          </p:nvPr>
-        </p:nvSpPr>
-        <p:spPr/>
-        <p:txBody>
-          <a:bodyPr/>
-          <a:lstStyle/>
-          <a:p>
-            <a:r>
-              <a:rPr lang="en-US" dirty="0"/>
-              <a:t>Modifiability</a:t>
-            </a:r>
-          </a:p>
-        </p:txBody>
-      </p:sp>
-      <p:sp>
-        <p:nvSpPr>
-          <p:cNvPr id="3" name="Content Placeholder 2">
-            <a:extLst>
-              <a:ext uri="{FF2B5EF4-FFF2-40B4-BE49-F238E27FC236}">
-                <a16:creationId xmlns:a16="http://schemas.microsoft.com/office/drawing/2014/main" id="{4809B053-74E8-5C5F-0856-34FCB62BE328}"/>
-              </a:ext>
-            </a:extLst>
-          </p:cNvPr>
-          <p:cNvSpPr>
-            <a:spLocks noGrp="1"/>
-          </p:cNvSpPr>
-          <p:nvPr>
-            <p:ph idx="1"/>
-          </p:nvPr>
-        </p:nvSpPr>
-        <p:spPr/>
-        <p:txBody>
-          <a:bodyPr/>
-          <a:lstStyle/>
-          <a:p>
-            <a:r>
-              <a:rPr lang="en-US" dirty="0"/>
-              <a:t>Modifiability is the ability to make a change to the behavior of a system.</a:t>
-            </a:r>
-            <a:endParaRPr lang="en-US" sz="2400" dirty="0">
-              <a:effectLst/>
-            </a:endParaRPr>
-          </a:p>
-          <a:p>
-            <a:pPr indent="-285750"/>
-            <a:r>
-              <a:rPr lang="en-US" dirty="0"/>
-              <a:t>The changes can occur at</a:t>
-            </a:r>
-          </a:p>
-          <a:p>
-            <a:pPr lvl="1"/>
-            <a:r>
-              <a:rPr lang="en-US" dirty="0">
-                <a:effectLst/>
-              </a:rPr>
-              <a:t>Compile time through code changes</a:t>
-            </a:r>
-          </a:p>
-          <a:p>
-            <a:pPr lvl="1"/>
-            <a:r>
-              <a:rPr lang="en-US" dirty="0"/>
-              <a:t>Build time through incorporation of different dependencies</a:t>
-            </a:r>
-          </a:p>
-          <a:p>
-            <a:pPr lvl="1"/>
-            <a:r>
-              <a:rPr lang="en-US" dirty="0"/>
-              <a:t>Initialization time through configuration parameters or discovery</a:t>
-            </a:r>
-          </a:p>
-          <a:p>
-            <a:pPr lvl="1"/>
-            <a:r>
-              <a:rPr lang="en-US" dirty="0"/>
-              <a:t>Run time through either configuration parameters or particular types of input.</a:t>
-            </a:r>
-          </a:p>
-          <a:p>
-            <a:pPr lvl="1"/>
-            <a:endParaRPr lang="en-US" dirty="0">
-              <a:effectLst/>
-            </a:endParaRPr>
-          </a:p>
-        </p:txBody>
-      </p:sp>
-    </p:spTree>
-    <p:extLst>
-      <p:ext uri="{BB962C8B-B14F-4D97-AF65-F5344CB8AC3E}">
-        <p14:creationId xmlns:p14="http://schemas.microsoft.com/office/powerpoint/2010/main" val="3497663658"/>
-      </p:ext>
-    </p:extLst>
-  </p:cSld>
-  <p:clrMapOvr>
-    <a:masterClrMapping/>
-  </p:clrMapOvr>
-</p:sld>
-</file>
-
-<file path=ppt/slides/slide4.xml><?xml version="1.0" encoding="utf-8"?>
-<p:sld xmlns:a="http://schemas.openxmlformats.org/drawingml/2006/main" xmlns:r="http://schemas.openxmlformats.org/officeDocument/2006/relationships" xmlns:p="http://schemas.openxmlformats.org/presentationml/2006/main">
-  <p:cSld>
-    <p:spTree>
-      <p:nvGrpSpPr>
-        <p:cNvPr id="1" name=""/>
-        <p:cNvGrpSpPr/>
-        <p:nvPr/>
-      </p:nvGrpSpPr>
-      <p:grpSpPr>
-        <a:xfrm>
-          <a:off x="0" y="0"/>
-          <a:ext cx="0" cy="0"/>
-          <a:chOff x="0" y="0"/>
-          <a:chExt cx="0" cy="0"/>
-        </a:xfrm>
-      </p:grpSpPr>
-      <p:sp>
-        <p:nvSpPr>
-          <p:cNvPr id="2" name="Title 1">
-            <a:extLst>
-              <a:ext uri="{FF2B5EF4-FFF2-40B4-BE49-F238E27FC236}">
-                <a16:creationId xmlns:a16="http://schemas.microsoft.com/office/drawing/2014/main" id="{95067248-D0C9-951C-5018-B9D02F1CB0B6}"/>
-              </a:ext>
-            </a:extLst>
-          </p:cNvPr>
-          <p:cNvSpPr>
-            <a:spLocks noGrp="1"/>
-          </p:cNvSpPr>
-          <p:nvPr>
-            <p:ph type="title"/>
-          </p:nvPr>
-        </p:nvSpPr>
-        <p:spPr/>
-        <p:txBody>
-          <a:bodyPr/>
-          <a:lstStyle/>
-          <a:p>
-            <a:r>
-              <a:rPr lang="en-US" dirty="0"/>
-              <a:t>Outline</a:t>
-            </a:r>
-          </a:p>
-        </p:txBody>
-      </p:sp>
-      <p:sp>
-        <p:nvSpPr>
-          <p:cNvPr id="3" name="Content Placeholder 2">
-            <a:extLst>
-              <a:ext uri="{FF2B5EF4-FFF2-40B4-BE49-F238E27FC236}">
-                <a16:creationId xmlns:a16="http://schemas.microsoft.com/office/drawing/2014/main" id="{787A5C4D-5480-817C-854A-EF5172E1F91B}"/>
-              </a:ext>
-            </a:extLst>
-          </p:cNvPr>
-          <p:cNvSpPr>
-            <a:spLocks noGrp="1"/>
-          </p:cNvSpPr>
-          <p:nvPr>
-            <p:ph idx="1"/>
-          </p:nvPr>
-        </p:nvSpPr>
-        <p:spPr/>
-        <p:txBody>
-          <a:bodyPr/>
-          <a:lstStyle/>
-          <a:p>
-            <a:r>
-              <a:rPr lang="en-US" dirty="0"/>
-              <a:t>Introduction</a:t>
-            </a:r>
-          </a:p>
-          <a:p>
-            <a:r>
-              <a:rPr lang="en-US" b="1" dirty="0"/>
-              <a:t>Compile time changes</a:t>
-            </a:r>
-          </a:p>
-          <a:p>
-            <a:r>
-              <a:rPr lang="en-US" dirty="0"/>
-              <a:t>Build time changes</a:t>
-            </a:r>
-          </a:p>
-          <a:p>
-            <a:r>
-              <a:rPr lang="en-US" dirty="0"/>
-              <a:t>Installation time changes</a:t>
-            </a:r>
-          </a:p>
-          <a:p>
-            <a:r>
-              <a:rPr lang="en-US" dirty="0"/>
-              <a:t>Run time changes</a:t>
-            </a:r>
-          </a:p>
-        </p:txBody>
-      </p:sp>
-    </p:spTree>
-    <p:extLst>
-      <p:ext uri="{BB962C8B-B14F-4D97-AF65-F5344CB8AC3E}">
-        <p14:creationId xmlns:p14="http://schemas.microsoft.com/office/powerpoint/2010/main" val="628123598"/>
-      </p:ext>
-    </p:extLst>
-  </p:cSld>
-  <p:clrMapOvr>
-    <a:masterClrMapping/>
-  </p:clrMapOvr>
-</p:sld>
-</file>
-
-<file path=ppt/slides/slide5.xml><?xml version="1.0" encoding="utf-8"?>
-<p:sld xmlns:a="http://schemas.openxmlformats.org/drawingml/2006/main" xmlns:r="http://schemas.openxmlformats.org/officeDocument/2006/relationships" xmlns:p="http://schemas.openxmlformats.org/presentationml/2006/main">
-  <p:cSld>
-    <p:spTree>
-      <p:nvGrpSpPr>
-        <p:cNvPr id="1" name=""/>
-        <p:cNvGrpSpPr/>
-        <p:nvPr/>
-      </p:nvGrpSpPr>
-      <p:grpSpPr>
-        <a:xfrm>
-          <a:off x="0" y="0"/>
-          <a:ext cx="0" cy="0"/>
-          <a:chOff x="0" y="0"/>
-          <a:chExt cx="0" cy="0"/>
-        </a:xfrm>
-      </p:grpSpPr>
-      <p:sp>
-        <p:nvSpPr>
-          <p:cNvPr id="2" name="Title 1">
-            <a:extLst>
-              <a:ext uri="{FF2B5EF4-FFF2-40B4-BE49-F238E27FC236}">
-                <a16:creationId xmlns:a16="http://schemas.microsoft.com/office/drawing/2014/main" id="{228D3A4C-A888-000B-EBDD-FBC048C3C415}"/>
-              </a:ext>
-            </a:extLst>
-          </p:cNvPr>
-          <p:cNvSpPr>
-            <a:spLocks noGrp="1"/>
-          </p:cNvSpPr>
-          <p:nvPr>
-            <p:ph type="title"/>
-          </p:nvPr>
-        </p:nvSpPr>
-        <p:spPr/>
-        <p:txBody>
-          <a:bodyPr/>
-          <a:lstStyle/>
-          <a:p>
-            <a:r>
-              <a:rPr lang="en-US" dirty="0"/>
-              <a:t>Compile time changes</a:t>
-            </a:r>
-          </a:p>
-        </p:txBody>
-      </p:sp>
-      <p:sp>
-        <p:nvSpPr>
-          <p:cNvPr id="3" name="Content Placeholder 2">
-            <a:extLst>
-              <a:ext uri="{FF2B5EF4-FFF2-40B4-BE49-F238E27FC236}">
-                <a16:creationId xmlns:a16="http://schemas.microsoft.com/office/drawing/2014/main" id="{61D9B2D0-FFA4-B4F3-CFFC-6E4E1BE0C99C}"/>
-              </a:ext>
-            </a:extLst>
-          </p:cNvPr>
-          <p:cNvSpPr>
-            <a:spLocks noGrp="1"/>
-          </p:cNvSpPr>
-          <p:nvPr>
-            <p:ph idx="1"/>
-          </p:nvPr>
-        </p:nvSpPr>
-        <p:spPr/>
-        <p:txBody>
-          <a:bodyPr/>
-          <a:lstStyle/>
-          <a:p>
-            <a:pPr marL="0" indent="0">
-              <a:buNone/>
-            </a:pPr>
-            <a:r>
-              <a:rPr lang="en-US" dirty="0"/>
-              <a:t>Key concepts are coupling</a:t>
-            </a:r>
-            <a:r>
-              <a:rPr lang="en-US" baseline="0" dirty="0"/>
-              <a:t> and cohesion.</a:t>
-            </a:r>
-          </a:p>
-          <a:p>
-            <a:pPr marL="0" indent="0">
-              <a:buNone/>
-            </a:pPr>
-            <a:r>
-              <a:rPr lang="en-US" baseline="0" dirty="0"/>
-              <a:t>Coupling: An overlap in responsibilities among modules.</a:t>
-            </a:r>
-          </a:p>
-          <a:p>
-            <a:pPr marL="0" indent="0">
-              <a:buNone/>
-            </a:pPr>
-            <a:r>
-              <a:rPr lang="en-US" dirty="0"/>
-              <a:t>Cohesion: The relation between the responsibilities in one module.</a:t>
-            </a:r>
-          </a:p>
-        </p:txBody>
-      </p:sp>
-    </p:spTree>
-    <p:extLst>
-      <p:ext uri="{BB962C8B-B14F-4D97-AF65-F5344CB8AC3E}">
-        <p14:creationId xmlns:p14="http://schemas.microsoft.com/office/powerpoint/2010/main" val="2467326934"/>
-      </p:ext>
-    </p:extLst>
-  </p:cSld>
-  <p:clrMapOvr>
-    <a:masterClrMapping/>
-  </p:clrMapOvr>
-</p:sld>
-</file>
-
-<file path=ppt/slides/slide6.xml><?xml version="1.0" encoding="utf-8"?>
-<p:sld xmlns:a="http://schemas.openxmlformats.org/drawingml/2006/main" xmlns:r="http://schemas.openxmlformats.org/officeDocument/2006/relationships" xmlns:p="http://schemas.openxmlformats.org/presentationml/2006/main">
-  <p:cSld>
-    <p:spTree>
-      <p:nvGrpSpPr>
-        <p:cNvPr id="1" name=""/>
-        <p:cNvGrpSpPr/>
-        <p:nvPr/>
-      </p:nvGrpSpPr>
-      <p:grpSpPr>
-        <a:xfrm>
-          <a:off x="0" y="0"/>
-          <a:ext cx="0" cy="0"/>
-          <a:chOff x="0" y="0"/>
-          <a:chExt cx="0" cy="0"/>
-        </a:xfrm>
-      </p:grpSpPr>
-      <p:sp>
-        <p:nvSpPr>
-          <p:cNvPr id="2" name="Title 1">
-            <a:extLst>
-              <a:ext uri="{FF2B5EF4-FFF2-40B4-BE49-F238E27FC236}">
-                <a16:creationId xmlns:a16="http://schemas.microsoft.com/office/drawing/2014/main" id="{2549555F-E674-A4F9-1F9C-D1D20A78E9EA}"/>
-              </a:ext>
-            </a:extLst>
-          </p:cNvPr>
-          <p:cNvSpPr>
-            <a:spLocks noGrp="1"/>
-          </p:cNvSpPr>
-          <p:nvPr>
-            <p:ph type="title"/>
-          </p:nvPr>
-        </p:nvSpPr>
-        <p:spPr/>
-        <p:txBody>
-          <a:bodyPr/>
-          <a:lstStyle/>
-          <a:p>
-            <a:r>
-              <a:rPr lang="en-US" dirty="0"/>
-              <a:t>Make</a:t>
-            </a:r>
-            <a:r>
-              <a:rPr lang="en-US" baseline="0" dirty="0"/>
-              <a:t> modifications easier</a:t>
-            </a:r>
-            <a:endParaRPr lang="en-US" dirty="0"/>
-          </a:p>
-        </p:txBody>
-      </p:sp>
-      <p:sp>
-        <p:nvSpPr>
-          <p:cNvPr id="3" name="Content Placeholder 2">
-            <a:extLst>
-              <a:ext uri="{FF2B5EF4-FFF2-40B4-BE49-F238E27FC236}">
-                <a16:creationId xmlns:a16="http://schemas.microsoft.com/office/drawing/2014/main" id="{199EFCAA-26C8-9207-5C77-93743E1C59BE}"/>
-              </a:ext>
-            </a:extLst>
-          </p:cNvPr>
-          <p:cNvSpPr>
-            <a:spLocks noGrp="1"/>
-          </p:cNvSpPr>
-          <p:nvPr>
-            <p:ph idx="1"/>
-          </p:nvPr>
-        </p:nvSpPr>
-        <p:spPr/>
-        <p:txBody>
-          <a:bodyPr/>
-          <a:lstStyle/>
-          <a:p>
-            <a:r>
-              <a:rPr lang="en-US" dirty="0"/>
-              <a:t>Modifications localized to one module are easier.</a:t>
-            </a:r>
-          </a:p>
-          <a:p>
-            <a:r>
-              <a:rPr lang="en-US" dirty="0"/>
-              <a:t>Strive for high cohesion and low coupling.</a:t>
-            </a:r>
-          </a:p>
-          <a:p>
-            <a:r>
-              <a:rPr lang="en-US" dirty="0"/>
-              <a:t>Makes it more likely that changes are localized to one module.</a:t>
-            </a:r>
-          </a:p>
-          <a:p>
-            <a:r>
-              <a:rPr lang="en-US" dirty="0"/>
-              <a:t>Test with change scenarios</a:t>
-            </a:r>
-          </a:p>
-        </p:txBody>
-      </p:sp>
-    </p:spTree>
-    <p:extLst>
-      <p:ext uri="{BB962C8B-B14F-4D97-AF65-F5344CB8AC3E}">
-        <p14:creationId xmlns:p14="http://schemas.microsoft.com/office/powerpoint/2010/main" val="1343341013"/>
-      </p:ext>
-    </p:extLst>
-  </p:cSld>
-  <p:clrMapOvr>
-    <a:masterClrMapping/>
-  </p:clrMapOvr>
-</p:sld>
-</file>
-
-<file path=ppt/slides/slide7.xml><?xml version="1.0" encoding="utf-8"?>
-<p:sld xmlns:a="http://schemas.openxmlformats.org/drawingml/2006/main" xmlns:r="http://schemas.openxmlformats.org/officeDocument/2006/relationships" xmlns:p="http://schemas.openxmlformats.org/presentationml/2006/main">
-  <p:cSld>
-    <p:spTree>
-      <p:nvGrpSpPr>
-        <p:cNvPr id="1" name=""/>
-        <p:cNvGrpSpPr/>
-        <p:nvPr/>
-      </p:nvGrpSpPr>
-      <p:grpSpPr>
-        <a:xfrm>
-          <a:off x="0" y="0"/>
-          <a:ext cx="0" cy="0"/>
-          <a:chOff x="0" y="0"/>
-          <a:chExt cx="0" cy="0"/>
-        </a:xfrm>
-      </p:grpSpPr>
-      <p:sp>
-        <p:nvSpPr>
-          <p:cNvPr id="2" name="Title 1">
-            <a:extLst>
-              <a:ext uri="{FF2B5EF4-FFF2-40B4-BE49-F238E27FC236}">
                 <a16:creationId xmlns:a16="http://schemas.microsoft.com/office/drawing/2014/main" id="{B0D4658F-14D3-4E19-F108-30E74770BEAC}"/>
               </a:ext>
             </a:extLst>
@@ -4701,14 +3997,19 @@
             <p:ph type="title"/>
           </p:nvPr>
         </p:nvSpPr>
-        <p:spPr/>
+        <p:spPr>
+          <a:xfrm>
+            <a:off x="685800" y="609600"/>
+            <a:ext cx="8077200" cy="1143000"/>
+          </a:xfrm>
+        </p:spPr>
         <p:txBody>
           <a:bodyPr/>
           <a:lstStyle/>
           <a:p>
             <a:r>
               <a:rPr lang="en-US" dirty="0"/>
-              <a:t>Coupling</a:t>
+              <a:t>Refactor</a:t>
             </a:r>
           </a:p>
         </p:txBody>
@@ -4739,226 +4040,23 @@
           <a:bodyPr/>
           <a:lstStyle/>
           <a:p>
-            <a:r>
-              <a:rPr lang="en-US" sz="2400" dirty="0"/>
-              <a:t>High Coupling </a:t>
-            </a:r>
-          </a:p>
-          <a:p>
-            <a:r>
-              <a:rPr lang="en-US" sz="2400" dirty="0"/>
-              <a:t>Responsibilities overlap</a:t>
-            </a:r>
+            <a:endParaRPr lang="en-US" sz="2400" dirty="0"/>
           </a:p>
           <a:p>
             <a:endParaRPr lang="en-US" dirty="0"/>
           </a:p>
           <a:p>
-            <a:endParaRPr lang="en-US" dirty="0"/>
-          </a:p>
-          <a:p>
-            <a:r>
-              <a:rPr lang="en-US" sz="2400" dirty="0"/>
+            <a:r>
+              <a:rPr lang="en-US" dirty="0"/>
               <a:t>Move overlap to 3</a:t>
             </a:r>
             <a:r>
-              <a:rPr lang="en-US" sz="2400" baseline="30000" dirty="0"/>
+              <a:rPr lang="en-US" baseline="30000" dirty="0"/>
               <a:t>rd</a:t>
             </a:r>
             <a:r>
-              <a:rPr lang="en-US" sz="2400" dirty="0"/>
+              <a:rPr lang="en-US" dirty="0"/>
               <a:t> module</a:t>
-            </a:r>
-          </a:p>
-          <a:p>
-            <a:r>
-              <a:rPr lang="en-US" sz="2400" dirty="0"/>
-              <a:t>Low coupling</a:t>
-            </a:r>
-          </a:p>
-          <a:p>
-            <a:endParaRPr lang="en-US" sz="2400" dirty="0"/>
-          </a:p>
-        </p:txBody>
-      </p:sp>
-      <p:sp>
-        <p:nvSpPr>
-          <p:cNvPr id="4" name="Oval 3">
-            <a:extLst>
-              <a:ext uri="{FF2B5EF4-FFF2-40B4-BE49-F238E27FC236}">
-                <a16:creationId xmlns:a16="http://schemas.microsoft.com/office/drawing/2014/main" id="{3346EC55-2D5A-0A53-5F2E-3F75B3D83599}"/>
-              </a:ext>
-            </a:extLst>
-          </p:cNvPr>
-          <p:cNvSpPr/>
-          <p:nvPr/>
-        </p:nvSpPr>
-        <p:spPr bwMode="auto">
-          <a:xfrm>
-            <a:off x="2628900" y="1524000"/>
-            <a:ext cx="3124200" cy="1905000"/>
-          </a:xfrm>
-          <a:prstGeom prst="ellipse">
-            <a:avLst/>
-          </a:prstGeom>
-          <a:solidFill>
-            <a:srgbClr val="FF0000">
-              <a:alpha val="54902"/>
-            </a:srgbClr>
-          </a:solidFill>
-          <a:ln w="9525" cap="flat" cmpd="sng" algn="ctr">
-            <a:solidFill>
-              <a:schemeClr val="tx1"/>
-            </a:solidFill>
-            <a:prstDash val="solid"/>
-            <a:round/>
-            <a:headEnd type="none" w="med" len="med"/>
-            <a:tailEnd type="none" w="med" len="med"/>
-          </a:ln>
-          <a:effectLst/>
-          <a:extLst>
-            <a:ext uri="{AF507438-7753-43e0-B8FC-AC1667EBCBE1}">
-              <a14:hiddenEffects xmlns="" xmlns:a14="http://schemas.microsoft.com/office/drawing/2010/main">
-                <a:effectLst>
-                  <a:outerShdw blurRad="63500" dist="38099" dir="2700000" algn="ctr" rotWithShape="0">
-                    <a:schemeClr val="bg2">
-                      <a:alpha val="74998"/>
-                    </a:schemeClr>
-                  </a:outerShdw>
-                </a:effectLst>
-              </a14:hiddenEffects>
-            </a:ext>
-          </a:extLst>
-        </p:spPr>
-        <p:txBody>
-          <a:bodyPr vert="horz" wrap="square" lIns="91440" tIns="45720" rIns="91440" bIns="45720" numCol="1" rtlCol="0" anchor="t" anchorCtr="0" compatLnSpc="1">
-            <a:prstTxWarp prst="textNoShape">
-              <a:avLst/>
-            </a:prstTxWarp>
-          </a:bodyPr>
-          <a:lstStyle/>
-          <a:p>
-            <a:pPr marL="0" marR="0" indent="0" algn="l" defTabSz="914400" rtl="0" eaLnBrk="0" fontAlgn="base" latinLnBrk="0" hangingPunct="0">
-              <a:lnSpc>
-                <a:spcPct val="100000"/>
-              </a:lnSpc>
-              <a:spcBef>
-                <a:spcPct val="0"/>
-              </a:spcBef>
-              <a:spcAft>
-                <a:spcPct val="0"/>
-              </a:spcAft>
-              <a:buClrTx/>
-              <a:buSzTx/>
-              <a:buFontTx/>
-              <a:buNone/>
-              <a:tabLst/>
-            </a:pPr>
-            <a:r>
-              <a:rPr kumimoji="0" lang="en-US" sz="2400" b="0" i="0" u="none" strike="noStrike" cap="none" normalizeH="0" baseline="0" dirty="0">
-                <a:ln>
-                  <a:noFill/>
-                </a:ln>
-                <a:solidFill>
-                  <a:srgbClr val="000000"/>
-                </a:solidFill>
-                <a:effectLst/>
-                <a:latin typeface="Times" charset="0"/>
-                <a:ea typeface="Osaka" charset="0"/>
-                <a:cs typeface="Osaka" charset="0"/>
-              </a:rPr>
-              <a:t>           Module 2</a:t>
-            </a:r>
-          </a:p>
-        </p:txBody>
-      </p:sp>
-      <p:sp>
-        <p:nvSpPr>
-          <p:cNvPr id="5" name="Oval 4">
-            <a:extLst>
-              <a:ext uri="{FF2B5EF4-FFF2-40B4-BE49-F238E27FC236}">
-                <a16:creationId xmlns:a16="http://schemas.microsoft.com/office/drawing/2014/main" id="{98F1A3FE-8A19-79B2-5FEC-D494EF72248C}"/>
-              </a:ext>
-            </a:extLst>
-          </p:cNvPr>
-          <p:cNvSpPr/>
-          <p:nvPr/>
-        </p:nvSpPr>
-        <p:spPr bwMode="auto">
-          <a:xfrm>
-            <a:off x="914400" y="1653144"/>
-            <a:ext cx="3124200" cy="1905000"/>
-          </a:xfrm>
-          <a:prstGeom prst="ellipse">
-            <a:avLst/>
-          </a:prstGeom>
-          <a:solidFill>
-            <a:schemeClr val="bg2">
-              <a:alpha val="65882"/>
-            </a:schemeClr>
-          </a:solidFill>
-          <a:ln w="9525" cap="flat" cmpd="sng" algn="ctr">
-            <a:solidFill>
-              <a:schemeClr val="tx1"/>
-            </a:solidFill>
-            <a:prstDash val="solid"/>
-            <a:round/>
-            <a:headEnd type="none" w="med" len="med"/>
-            <a:tailEnd type="none" w="med" len="med"/>
-          </a:ln>
-          <a:effectLst/>
-          <a:extLst>
-            <a:ext uri="{AF507438-7753-43e0-B8FC-AC1667EBCBE1}">
-              <a14:hiddenEffects xmlns="" xmlns:a14="http://schemas.microsoft.com/office/drawing/2010/main">
-                <a:effectLst>
-                  <a:outerShdw blurRad="63500" dist="38099" dir="2700000" algn="ctr" rotWithShape="0">
-                    <a:schemeClr val="bg2">
-                      <a:alpha val="74998"/>
-                    </a:schemeClr>
-                  </a:outerShdw>
-                </a:effectLst>
-              </a14:hiddenEffects>
-            </a:ext>
-          </a:extLst>
-        </p:spPr>
-        <p:txBody>
-          <a:bodyPr vert="horz" wrap="square" lIns="91440" tIns="45720" rIns="91440" bIns="45720" numCol="1" rtlCol="0" anchor="t" anchorCtr="0" compatLnSpc="1">
-            <a:prstTxWarp prst="textNoShape">
-              <a:avLst/>
-            </a:prstTxWarp>
-          </a:bodyPr>
-          <a:lstStyle/>
-          <a:p>
-            <a:pPr marL="0" marR="0" indent="0" algn="l" defTabSz="914400" rtl="0" eaLnBrk="0" fontAlgn="base" latinLnBrk="0" hangingPunct="0">
-              <a:lnSpc>
-                <a:spcPct val="100000"/>
-              </a:lnSpc>
-              <a:spcBef>
-                <a:spcPct val="0"/>
-              </a:spcBef>
-              <a:spcAft>
-                <a:spcPct val="0"/>
-              </a:spcAft>
-              <a:buClrTx/>
-              <a:buSzTx/>
-              <a:buFontTx/>
-              <a:buNone/>
-              <a:tabLst/>
-            </a:pPr>
-            <a:r>
-              <a:rPr kumimoji="0" lang="en-US" sz="2400" b="0" i="0" u="none" strike="noStrike" cap="none" normalizeH="0" baseline="0" dirty="0">
-                <a:ln>
-                  <a:noFill/>
-                </a:ln>
-                <a:solidFill>
-                  <a:srgbClr val="000000"/>
-                </a:solidFill>
-                <a:effectLst/>
-                <a:latin typeface="Times" charset="0"/>
-                <a:ea typeface="Osaka" charset="0"/>
-                <a:cs typeface="Osaka" charset="0"/>
-              </a:rPr>
-              <a:t>Module 1</a:t>
             </a:r>
           </a:p>
         </p:txBody>
@@ -4977,7 +4075,7 @@
         </p:nvSpPr>
         <p:spPr bwMode="auto">
           <a:xfrm>
-            <a:off x="3733800" y="4038600"/>
+            <a:off x="3581400" y="2590800"/>
             <a:ext cx="1981200" cy="1295400"/>
           </a:xfrm>
           <a:prstGeom prst="ellipse">
@@ -5048,7 +4146,7 @@
         </p:nvSpPr>
         <p:spPr bwMode="auto">
           <a:xfrm>
-            <a:off x="1219200" y="3962400"/>
+            <a:off x="1066800" y="2514600"/>
             <a:ext cx="1981200" cy="1295400"/>
           </a:xfrm>
           <a:prstGeom prst="ellipse">
@@ -5139,7 +4237,7 @@
         </p:nvSpPr>
         <p:spPr bwMode="auto">
           <a:xfrm>
-            <a:off x="2221674" y="5372100"/>
+            <a:off x="2069274" y="3924300"/>
             <a:ext cx="2502726" cy="1409700"/>
           </a:xfrm>
           <a:prstGeom prst="ellipse">
@@ -5271,7 +4369,7 @@
         </p:nvCxnSpPr>
         <p:spPr bwMode="auto">
           <a:xfrm>
-            <a:off x="2514600" y="5231328"/>
+            <a:off x="2362200" y="3783528"/>
             <a:ext cx="152400" cy="281544"/>
           </a:xfrm>
           <a:prstGeom prst="straightConnector1">
@@ -5321,7 +4419,7 @@
         </p:nvCxnSpPr>
         <p:spPr bwMode="auto">
           <a:xfrm flipH="1">
-            <a:off x="3783005" y="5144293"/>
+            <a:off x="3630605" y="3696493"/>
             <a:ext cx="240935" cy="254279"/>
           </a:xfrm>
           <a:prstGeom prst="straightConnector1">
@@ -5368,6 +4466,2735 @@
 </p:sld>
 </file>
 
+<file path=ppt/slides/slide16.xml><?xml version="1.0" encoding="utf-8"?>
+<p:sld xmlns:a="http://schemas.openxmlformats.org/drawingml/2006/main" xmlns:r="http://schemas.openxmlformats.org/officeDocument/2006/relationships" xmlns:p="http://schemas.openxmlformats.org/presentationml/2006/main">
+  <p:cSld>
+    <p:spTree>
+      <p:nvGrpSpPr>
+        <p:cNvPr id="1" name=""/>
+        <p:cNvGrpSpPr/>
+        <p:nvPr/>
+      </p:nvGrpSpPr>
+      <p:grpSpPr>
+        <a:xfrm>
+          <a:off x="0" y="0"/>
+          <a:ext cx="0" cy="0"/>
+          <a:chOff x="0" y="0"/>
+          <a:chExt cx="0" cy="0"/>
+        </a:xfrm>
+      </p:grpSpPr>
+      <p:sp>
+        <p:nvSpPr>
+          <p:cNvPr id="2" name="Title 1">
+            <a:extLst>
+              <a:ext uri="{FF2B5EF4-FFF2-40B4-BE49-F238E27FC236}">
+                <a16:creationId xmlns:a16="http://schemas.microsoft.com/office/drawing/2014/main" id="{CD14D680-AEBD-C7E9-216A-02C4BF5BF3EF}"/>
+              </a:ext>
+            </a:extLst>
+          </p:cNvPr>
+          <p:cNvSpPr>
+            <a:spLocks noGrp="1"/>
+          </p:cNvSpPr>
+          <p:nvPr>
+            <p:ph type="title"/>
+          </p:nvPr>
+        </p:nvSpPr>
+        <p:spPr>
+          <a:xfrm>
+            <a:off x="685800" y="381000"/>
+            <a:ext cx="7772400" cy="1143000"/>
+          </a:xfrm>
+        </p:spPr>
+        <p:txBody>
+          <a:bodyPr/>
+          <a:lstStyle/>
+          <a:p>
+            <a:r>
+              <a:rPr lang="en-US" dirty="0"/>
+              <a:t>Use an Intermediary </a:t>
+            </a:r>
+          </a:p>
+        </p:txBody>
+      </p:sp>
+      <p:sp>
+        <p:nvSpPr>
+          <p:cNvPr id="6" name="Oval 5">
+            <a:extLst>
+              <a:ext uri="{FF2B5EF4-FFF2-40B4-BE49-F238E27FC236}">
+                <a16:creationId xmlns:a16="http://schemas.microsoft.com/office/drawing/2014/main" id="{43558529-0764-3FBF-3411-B58901311E06}"/>
+              </a:ext>
+            </a:extLst>
+          </p:cNvPr>
+          <p:cNvSpPr/>
+          <p:nvPr/>
+        </p:nvSpPr>
+        <p:spPr bwMode="auto">
+          <a:xfrm>
+            <a:off x="6617528" y="2514600"/>
+            <a:ext cx="1981200" cy="1295400"/>
+          </a:xfrm>
+          <a:prstGeom prst="ellipse">
+            <a:avLst/>
+          </a:prstGeom>
+          <a:solidFill>
+            <a:srgbClr val="FF0000">
+              <a:alpha val="54902"/>
+            </a:srgbClr>
+          </a:solidFill>
+          <a:ln w="9525" cap="flat" cmpd="sng" algn="ctr">
+            <a:solidFill>
+              <a:schemeClr val="tx1"/>
+            </a:solidFill>
+            <a:prstDash val="solid"/>
+            <a:round/>
+            <a:headEnd type="none" w="med" len="med"/>
+            <a:tailEnd type="none" w="med" len="med"/>
+          </a:ln>
+          <a:effectLst/>
+          <a:extLst>
+            <a:ext uri="{AF507438-7753-43e0-B8FC-AC1667EBCBE1}">
+              <a14:hiddenEffects xmlns="" xmlns:a14="http://schemas.microsoft.com/office/drawing/2010/main">
+                <a:effectLst>
+                  <a:outerShdw blurRad="63500" dist="38099" dir="2700000" algn="ctr" rotWithShape="0">
+                    <a:schemeClr val="bg2">
+                      <a:alpha val="74998"/>
+                    </a:schemeClr>
+                  </a:outerShdw>
+                </a:effectLst>
+              </a14:hiddenEffects>
+            </a:ext>
+          </a:extLst>
+        </p:spPr>
+        <p:txBody>
+          <a:bodyPr vert="horz" wrap="square" lIns="91440" tIns="45720" rIns="91440" bIns="45720" numCol="1" rtlCol="0" anchor="t" anchorCtr="0" compatLnSpc="1">
+            <a:prstTxWarp prst="textNoShape">
+              <a:avLst/>
+            </a:prstTxWarp>
+          </a:bodyPr>
+          <a:lstStyle/>
+          <a:p>
+            <a:r>
+              <a:rPr lang="en-US" sz="2400" dirty="0">
+                <a:solidFill>
+                  <a:srgbClr val="000000"/>
+                </a:solidFill>
+                <a:latin typeface="Times" charset="0"/>
+                <a:ea typeface="Osaka" charset="0"/>
+                <a:cs typeface="Osaka" charset="0"/>
+              </a:rPr>
+              <a:t>Module 2</a:t>
+            </a:r>
+          </a:p>
+        </p:txBody>
+      </p:sp>
+      <p:sp>
+        <p:nvSpPr>
+          <p:cNvPr id="7" name="Oval 6">
+            <a:extLst>
+              <a:ext uri="{FF2B5EF4-FFF2-40B4-BE49-F238E27FC236}">
+                <a16:creationId xmlns:a16="http://schemas.microsoft.com/office/drawing/2014/main" id="{7C8F6DC8-6F27-FD3B-6291-EED63E7A29B3}"/>
+              </a:ext>
+            </a:extLst>
+          </p:cNvPr>
+          <p:cNvSpPr/>
+          <p:nvPr/>
+        </p:nvSpPr>
+        <p:spPr bwMode="auto">
+          <a:xfrm>
+            <a:off x="1066800" y="2514600"/>
+            <a:ext cx="1981200" cy="1295400"/>
+          </a:xfrm>
+          <a:prstGeom prst="ellipse">
+            <a:avLst/>
+          </a:prstGeom>
+          <a:solidFill>
+            <a:schemeClr val="bg2">
+              <a:alpha val="65882"/>
+            </a:schemeClr>
+          </a:solidFill>
+          <a:ln w="9525" cap="flat" cmpd="sng" algn="ctr">
+            <a:solidFill>
+              <a:schemeClr val="tx1"/>
+            </a:solidFill>
+            <a:prstDash val="solid"/>
+            <a:round/>
+            <a:headEnd type="none" w="med" len="med"/>
+            <a:tailEnd type="none" w="med" len="med"/>
+          </a:ln>
+          <a:effectLst/>
+          <a:extLst>
+            <a:ext uri="{AF507438-7753-43e0-B8FC-AC1667EBCBE1}">
+              <a14:hiddenEffects xmlns="" xmlns:a14="http://schemas.microsoft.com/office/drawing/2010/main">
+                <a:effectLst>
+                  <a:outerShdw blurRad="63500" dist="38099" dir="2700000" algn="ctr" rotWithShape="0">
+                    <a:schemeClr val="bg2">
+                      <a:alpha val="74998"/>
+                    </a:schemeClr>
+                  </a:outerShdw>
+                </a:effectLst>
+              </a14:hiddenEffects>
+            </a:ext>
+          </a:extLst>
+        </p:spPr>
+        <p:txBody>
+          <a:bodyPr vert="horz" wrap="square" lIns="91440" tIns="45720" rIns="91440" bIns="45720" numCol="1" rtlCol="0" anchor="t" anchorCtr="0" compatLnSpc="1">
+            <a:prstTxWarp prst="textNoShape">
+              <a:avLst/>
+            </a:prstTxWarp>
+          </a:bodyPr>
+          <a:lstStyle/>
+          <a:p>
+            <a:pPr marL="0" marR="0" indent="0" algn="l" defTabSz="914400" rtl="0" eaLnBrk="0" fontAlgn="base" latinLnBrk="0" hangingPunct="0">
+              <a:lnSpc>
+                <a:spcPct val="100000"/>
+              </a:lnSpc>
+              <a:spcBef>
+                <a:spcPct val="0"/>
+              </a:spcBef>
+              <a:spcAft>
+                <a:spcPct val="0"/>
+              </a:spcAft>
+              <a:buClrTx/>
+              <a:buSzTx/>
+              <a:buFontTx/>
+              <a:buNone/>
+              <a:tabLst/>
+            </a:pPr>
+            <a:r>
+              <a:rPr kumimoji="0" lang="en-US" sz="2400" b="0" i="0" u="none" strike="noStrike" cap="none" normalizeH="0" baseline="0" dirty="0">
+                <a:ln>
+                  <a:noFill/>
+                </a:ln>
+                <a:solidFill>
+                  <a:srgbClr val="000000"/>
+                </a:solidFill>
+                <a:effectLst/>
+                <a:latin typeface="Times" charset="0"/>
+                <a:ea typeface="Osaka" charset="0"/>
+                <a:cs typeface="Osaka" charset="0"/>
+              </a:rPr>
+              <a:t>Module 1</a:t>
+            </a:r>
+          </a:p>
+        </p:txBody>
+      </p:sp>
+      <p:cxnSp>
+        <p:nvCxnSpPr>
+          <p:cNvPr id="8" name="Straight Arrow Connector 7">
+            <a:extLst>
+              <a:ext uri="{FF2B5EF4-FFF2-40B4-BE49-F238E27FC236}">
+                <a16:creationId xmlns:a16="http://schemas.microsoft.com/office/drawing/2014/main" id="{207F6589-15C8-0EB7-649A-3917195FBD5E}"/>
+              </a:ext>
+            </a:extLst>
+          </p:cNvPr>
+          <p:cNvCxnSpPr>
+            <a:endCxn id="10" idx="2"/>
+          </p:cNvCxnSpPr>
+          <p:nvPr/>
+        </p:nvCxnSpPr>
+        <p:spPr bwMode="auto">
+          <a:xfrm>
+            <a:off x="3046493" y="3114305"/>
+            <a:ext cx="1068309" cy="0"/>
+          </a:xfrm>
+          <a:prstGeom prst="straightConnector1">
+            <a:avLst/>
+          </a:prstGeom>
+          <a:solidFill>
+            <a:schemeClr val="accent1"/>
+          </a:solidFill>
+          <a:ln w="28575" cap="flat" cmpd="sng" algn="ctr">
+            <a:solidFill>
+              <a:schemeClr val="tx1"/>
+            </a:solidFill>
+            <a:prstDash val="solid"/>
+            <a:round/>
+            <a:headEnd type="triangle" w="med" len="med"/>
+            <a:tailEnd type="triangle" w="med" len="med"/>
+          </a:ln>
+          <a:effectLst/>
+          <a:extLst>
+            <a:ext uri="{AF507438-7753-43e0-B8FC-AC1667EBCBE1}">
+              <a14:hiddenEffects xmlns="" xmlns:a14="http://schemas.microsoft.com/office/drawing/2010/main">
+                <a:effectLst>
+                  <a:outerShdw blurRad="63500" dist="38099" dir="2700000" algn="ctr" rotWithShape="0">
+                    <a:schemeClr val="bg2">
+                      <a:alpha val="74998"/>
+                    </a:schemeClr>
+                  </a:outerShdw>
+                </a:effectLst>
+              </a14:hiddenEffects>
+            </a:ext>
+          </a:extLst>
+        </p:spPr>
+      </p:cxnSp>
+      <p:sp>
+        <p:nvSpPr>
+          <p:cNvPr id="10" name="Oval 9">
+            <a:extLst>
+              <a:ext uri="{FF2B5EF4-FFF2-40B4-BE49-F238E27FC236}">
+                <a16:creationId xmlns:a16="http://schemas.microsoft.com/office/drawing/2014/main" id="{FD5C618F-659A-136D-BD1A-ED6414301CB7}"/>
+              </a:ext>
+            </a:extLst>
+          </p:cNvPr>
+          <p:cNvSpPr/>
+          <p:nvPr/>
+        </p:nvSpPr>
+        <p:spPr bwMode="auto">
+          <a:xfrm>
+            <a:off x="4114802" y="2409455"/>
+            <a:ext cx="1981200" cy="1409700"/>
+          </a:xfrm>
+          <a:prstGeom prst="ellipse">
+            <a:avLst/>
+          </a:prstGeom>
+          <a:solidFill>
+            <a:srgbClr val="00B050">
+              <a:alpha val="65882"/>
+            </a:srgbClr>
+          </a:solidFill>
+          <a:ln w="9525" cap="flat" cmpd="sng" algn="ctr">
+            <a:solidFill>
+              <a:schemeClr val="tx1"/>
+            </a:solidFill>
+            <a:prstDash val="solid"/>
+            <a:round/>
+            <a:headEnd type="none" w="med" len="med"/>
+            <a:tailEnd type="none" w="med" len="med"/>
+          </a:ln>
+          <a:effectLst/>
+          <a:extLst>
+            <a:ext uri="{AF507438-7753-43e0-B8FC-AC1667EBCBE1}">
+              <a14:hiddenEffects xmlns="" xmlns:a14="http://schemas.microsoft.com/office/drawing/2010/main">
+                <a:effectLst>
+                  <a:outerShdw blurRad="63500" dist="38099" dir="2700000" algn="ctr" rotWithShape="0">
+                    <a:schemeClr val="bg2">
+                      <a:alpha val="74998"/>
+                    </a:schemeClr>
+                  </a:outerShdw>
+                </a:effectLst>
+              </a14:hiddenEffects>
+            </a:ext>
+          </a:extLst>
+        </p:spPr>
+        <p:txBody>
+          <a:bodyPr vert="horz" wrap="square" lIns="91440" tIns="45720" rIns="91440" bIns="45720" numCol="1" rtlCol="0" anchor="t" anchorCtr="0" compatLnSpc="1">
+            <a:prstTxWarp prst="textNoShape">
+              <a:avLst/>
+            </a:prstTxWarp>
+          </a:bodyPr>
+          <a:lstStyle/>
+          <a:p>
+            <a:pPr marL="0" marR="0" indent="0" algn="l" defTabSz="914400" rtl="0" eaLnBrk="0" fontAlgn="base" latinLnBrk="0" hangingPunct="0">
+              <a:lnSpc>
+                <a:spcPct val="100000"/>
+              </a:lnSpc>
+              <a:spcBef>
+                <a:spcPct val="0"/>
+              </a:spcBef>
+              <a:spcAft>
+                <a:spcPct val="0"/>
+              </a:spcAft>
+              <a:buClrTx/>
+              <a:buSzTx/>
+              <a:buFontTx/>
+              <a:buNone/>
+              <a:tabLst/>
+            </a:pPr>
+            <a:r>
+              <a:rPr kumimoji="0" lang="en-US" sz="2400" b="0" i="0" u="none" strike="noStrike" cap="none" normalizeH="0" baseline="0" dirty="0">
+                <a:ln>
+                  <a:noFill/>
+                </a:ln>
+                <a:solidFill>
+                  <a:srgbClr val="000000"/>
+                </a:solidFill>
+                <a:effectLst/>
+                <a:latin typeface="Times" charset="0"/>
+                <a:ea typeface="Osaka" charset="0"/>
+                <a:cs typeface="Osaka" charset="0"/>
+              </a:rPr>
+              <a:t>Module 3 </a:t>
+            </a:r>
+          </a:p>
+          <a:p>
+            <a:pPr marL="0" marR="0" indent="0" algn="l" defTabSz="914400" rtl="0" eaLnBrk="0" fontAlgn="base" latinLnBrk="0" hangingPunct="0">
+              <a:lnSpc>
+                <a:spcPct val="100000"/>
+              </a:lnSpc>
+              <a:spcBef>
+                <a:spcPct val="0"/>
+              </a:spcBef>
+              <a:spcAft>
+                <a:spcPct val="0"/>
+              </a:spcAft>
+              <a:buClrTx/>
+              <a:buSzTx/>
+              <a:buFontTx/>
+              <a:buNone/>
+              <a:tabLst/>
+            </a:pPr>
+            <a:r>
+              <a:rPr lang="en-US" sz="2400" dirty="0">
+                <a:solidFill>
+                  <a:srgbClr val="000000"/>
+                </a:solidFill>
+                <a:latin typeface="Times" charset="0"/>
+                <a:ea typeface="Osaka" charset="0"/>
+                <a:cs typeface="Osaka" charset="0"/>
+              </a:rPr>
+              <a:t>translator</a:t>
+            </a:r>
+            <a:endParaRPr kumimoji="0" lang="en-US" sz="2400" b="0" i="0" u="none" strike="noStrike" cap="none" normalizeH="0" baseline="0" dirty="0">
+              <a:ln>
+                <a:noFill/>
+              </a:ln>
+              <a:solidFill>
+                <a:srgbClr val="000000"/>
+              </a:solidFill>
+              <a:effectLst/>
+              <a:latin typeface="Times" charset="0"/>
+              <a:ea typeface="Osaka" charset="0"/>
+              <a:cs typeface="Osaka" charset="0"/>
+            </a:endParaRPr>
+          </a:p>
+        </p:txBody>
+      </p:sp>
+      <p:cxnSp>
+        <p:nvCxnSpPr>
+          <p:cNvPr id="17" name="Straight Arrow Connector 16">
+            <a:extLst>
+              <a:ext uri="{FF2B5EF4-FFF2-40B4-BE49-F238E27FC236}">
+                <a16:creationId xmlns:a16="http://schemas.microsoft.com/office/drawing/2014/main" id="{035A8948-526A-F0BE-C1A6-7AE0BCC4C100}"/>
+              </a:ext>
+            </a:extLst>
+          </p:cNvPr>
+          <p:cNvCxnSpPr/>
+          <p:nvPr/>
+        </p:nvCxnSpPr>
+        <p:spPr bwMode="auto">
+          <a:xfrm>
+            <a:off x="6096002" y="3114305"/>
+            <a:ext cx="546783" cy="0"/>
+          </a:xfrm>
+          <a:prstGeom prst="straightConnector1">
+            <a:avLst/>
+          </a:prstGeom>
+          <a:solidFill>
+            <a:schemeClr val="accent1"/>
+          </a:solidFill>
+          <a:ln w="28575" cap="flat" cmpd="sng" algn="ctr">
+            <a:solidFill>
+              <a:schemeClr val="tx1"/>
+            </a:solidFill>
+            <a:prstDash val="solid"/>
+            <a:round/>
+            <a:headEnd type="triangle" w="med" len="med"/>
+            <a:tailEnd type="triangle" w="med" len="med"/>
+          </a:ln>
+          <a:effectLst/>
+          <a:extLst>
+            <a:ext uri="{AF507438-7753-43e0-B8FC-AC1667EBCBE1}">
+              <a14:hiddenEffects xmlns="" xmlns:a14="http://schemas.microsoft.com/office/drawing/2010/main">
+                <a:effectLst>
+                  <a:outerShdw blurRad="63500" dist="38099" dir="2700000" algn="ctr" rotWithShape="0">
+                    <a:schemeClr val="bg2">
+                      <a:alpha val="74998"/>
+                    </a:schemeClr>
+                  </a:outerShdw>
+                </a:effectLst>
+              </a14:hiddenEffects>
+            </a:ext>
+          </a:extLst>
+        </p:spPr>
+      </p:cxnSp>
+      <p:sp>
+        <p:nvSpPr>
+          <p:cNvPr id="18" name="TextBox 17">
+            <a:extLst>
+              <a:ext uri="{FF2B5EF4-FFF2-40B4-BE49-F238E27FC236}">
+                <a16:creationId xmlns:a16="http://schemas.microsoft.com/office/drawing/2014/main" id="{067454C1-2B0C-514C-78BD-BEC6DEE9F1B0}"/>
+              </a:ext>
+            </a:extLst>
+          </p:cNvPr>
+          <p:cNvSpPr txBox="1"/>
+          <p:nvPr/>
+        </p:nvSpPr>
+        <p:spPr>
+          <a:xfrm>
+            <a:off x="1447800" y="4254149"/>
+            <a:ext cx="6781800" cy="1815882"/>
+          </a:xfrm>
+          <a:prstGeom prst="rect">
+            <a:avLst/>
+          </a:prstGeom>
+          <a:noFill/>
+        </p:spPr>
+        <p:txBody>
+          <a:bodyPr wrap="square" rtlCol="0">
+            <a:spAutoFit/>
+          </a:bodyPr>
+          <a:lstStyle/>
+          <a:p>
+            <a:pPr marL="457200" indent="-457200">
+              <a:buFont typeface="Arial" panose="020B0604020202020204" pitchFamily="34" charset="0"/>
+              <a:buChar char="•"/>
+            </a:pPr>
+            <a:r>
+              <a:rPr lang="en-US" sz="2800" dirty="0"/>
+              <a:t>If Module 2 is changed, Translator will buffer changes and protect Module 1 from being affected</a:t>
+            </a:r>
+          </a:p>
+          <a:p>
+            <a:pPr marL="457200" indent="-457200">
+              <a:buFont typeface="Arial" panose="020B0604020202020204" pitchFamily="34" charset="0"/>
+              <a:buChar char="•"/>
+            </a:pPr>
+            <a:r>
+              <a:rPr lang="en-US" sz="2800" dirty="0"/>
+              <a:t>Message bus can act as translator</a:t>
+            </a:r>
+          </a:p>
+        </p:txBody>
+      </p:sp>
+    </p:spTree>
+    <p:extLst>
+      <p:ext uri="{BB962C8B-B14F-4D97-AF65-F5344CB8AC3E}">
+        <p14:creationId xmlns:p14="http://schemas.microsoft.com/office/powerpoint/2010/main" val="4251706529"/>
+      </p:ext>
+    </p:extLst>
+  </p:cSld>
+  <p:clrMapOvr>
+    <a:masterClrMapping/>
+  </p:clrMapOvr>
+</p:sld>
+</file>
+
+<file path=ppt/slides/slide17.xml><?xml version="1.0" encoding="utf-8"?>
+<p:sld xmlns:a="http://schemas.openxmlformats.org/drawingml/2006/main" xmlns:r="http://schemas.openxmlformats.org/officeDocument/2006/relationships" xmlns:p="http://schemas.openxmlformats.org/presentationml/2006/main">
+  <p:cSld>
+    <p:spTree>
+      <p:nvGrpSpPr>
+        <p:cNvPr id="1" name=""/>
+        <p:cNvGrpSpPr/>
+        <p:nvPr/>
+      </p:nvGrpSpPr>
+      <p:grpSpPr>
+        <a:xfrm>
+          <a:off x="0" y="0"/>
+          <a:ext cx="0" cy="0"/>
+          <a:chOff x="0" y="0"/>
+          <a:chExt cx="0" cy="0"/>
+        </a:xfrm>
+      </p:grpSpPr>
+      <p:sp>
+        <p:nvSpPr>
+          <p:cNvPr id="2" name="Title 1">
+            <a:extLst>
+              <a:ext uri="{FF2B5EF4-FFF2-40B4-BE49-F238E27FC236}">
+                <a16:creationId xmlns:a16="http://schemas.microsoft.com/office/drawing/2014/main" id="{95067248-D0C9-951C-5018-B9D02F1CB0B6}"/>
+              </a:ext>
+            </a:extLst>
+          </p:cNvPr>
+          <p:cNvSpPr>
+            <a:spLocks noGrp="1"/>
+          </p:cNvSpPr>
+          <p:nvPr>
+            <p:ph type="title"/>
+          </p:nvPr>
+        </p:nvSpPr>
+        <p:spPr/>
+        <p:txBody>
+          <a:bodyPr/>
+          <a:lstStyle/>
+          <a:p>
+            <a:r>
+              <a:rPr lang="en-US" dirty="0"/>
+              <a:t>Outline</a:t>
+            </a:r>
+          </a:p>
+        </p:txBody>
+      </p:sp>
+      <p:sp>
+        <p:nvSpPr>
+          <p:cNvPr id="3" name="Content Placeholder 2">
+            <a:extLst>
+              <a:ext uri="{FF2B5EF4-FFF2-40B4-BE49-F238E27FC236}">
+                <a16:creationId xmlns:a16="http://schemas.microsoft.com/office/drawing/2014/main" id="{787A5C4D-5480-817C-854A-EF5172E1F91B}"/>
+              </a:ext>
+            </a:extLst>
+          </p:cNvPr>
+          <p:cNvSpPr>
+            <a:spLocks noGrp="1"/>
+          </p:cNvSpPr>
+          <p:nvPr>
+            <p:ph idx="1"/>
+          </p:nvPr>
+        </p:nvSpPr>
+        <p:spPr/>
+        <p:txBody>
+          <a:bodyPr/>
+          <a:lstStyle/>
+          <a:p>
+            <a:r>
+              <a:rPr lang="en-US" dirty="0"/>
+              <a:t>Introduction</a:t>
+            </a:r>
+          </a:p>
+          <a:p>
+            <a:r>
+              <a:rPr lang="en-US" dirty="0"/>
+              <a:t>Compile time changes</a:t>
+            </a:r>
+          </a:p>
+          <a:p>
+            <a:r>
+              <a:rPr lang="en-US" b="1" dirty="0"/>
+              <a:t>Build time changes</a:t>
+            </a:r>
+          </a:p>
+          <a:p>
+            <a:r>
+              <a:rPr lang="en-US" dirty="0"/>
+              <a:t>Installation time changes</a:t>
+            </a:r>
+          </a:p>
+          <a:p>
+            <a:r>
+              <a:rPr lang="en-US" dirty="0"/>
+              <a:t>Run time changes</a:t>
+            </a:r>
+          </a:p>
+          <a:p>
+            <a:r>
+              <a:rPr lang="en-US" dirty="0"/>
+              <a:t>Application to microservices</a:t>
+            </a:r>
+          </a:p>
+        </p:txBody>
+      </p:sp>
+    </p:spTree>
+    <p:extLst>
+      <p:ext uri="{BB962C8B-B14F-4D97-AF65-F5344CB8AC3E}">
+        <p14:creationId xmlns:p14="http://schemas.microsoft.com/office/powerpoint/2010/main" val="1610380782"/>
+      </p:ext>
+    </p:extLst>
+  </p:cSld>
+  <p:clrMapOvr>
+    <a:masterClrMapping/>
+  </p:clrMapOvr>
+</p:sld>
+</file>
+
+<file path=ppt/slides/slide18.xml><?xml version="1.0" encoding="utf-8"?>
+<p:sld xmlns:a="http://schemas.openxmlformats.org/drawingml/2006/main" xmlns:r="http://schemas.openxmlformats.org/officeDocument/2006/relationships" xmlns:p="http://schemas.openxmlformats.org/presentationml/2006/main">
+  <p:cSld>
+    <p:spTree>
+      <p:nvGrpSpPr>
+        <p:cNvPr id="1" name=""/>
+        <p:cNvGrpSpPr/>
+        <p:nvPr/>
+      </p:nvGrpSpPr>
+      <p:grpSpPr>
+        <a:xfrm>
+          <a:off x="0" y="0"/>
+          <a:ext cx="0" cy="0"/>
+          <a:chOff x="0" y="0"/>
+          <a:chExt cx="0" cy="0"/>
+        </a:xfrm>
+      </p:grpSpPr>
+      <p:sp>
+        <p:nvSpPr>
+          <p:cNvPr id="2" name="Title 1">
+            <a:extLst>
+              <a:ext uri="{FF2B5EF4-FFF2-40B4-BE49-F238E27FC236}">
+                <a16:creationId xmlns:a16="http://schemas.microsoft.com/office/drawing/2014/main" id="{618E7472-05AF-46BA-5160-A640EE8F9295}"/>
+              </a:ext>
+            </a:extLst>
+          </p:cNvPr>
+          <p:cNvSpPr>
+            <a:spLocks noGrp="1"/>
+          </p:cNvSpPr>
+          <p:nvPr>
+            <p:ph type="title"/>
+          </p:nvPr>
+        </p:nvSpPr>
+        <p:spPr/>
+        <p:txBody>
+          <a:bodyPr/>
+          <a:lstStyle/>
+          <a:p>
+            <a:r>
+              <a:rPr lang="en-US" dirty="0"/>
+              <a:t>Discovery</a:t>
+            </a:r>
+          </a:p>
+        </p:txBody>
+      </p:sp>
+      <p:sp>
+        <p:nvSpPr>
+          <p:cNvPr id="3" name="Content Placeholder 2">
+            <a:extLst>
+              <a:ext uri="{FF2B5EF4-FFF2-40B4-BE49-F238E27FC236}">
+                <a16:creationId xmlns:a16="http://schemas.microsoft.com/office/drawing/2014/main" id="{040B0394-BB50-1596-7C03-8342D7BB91E5}"/>
+              </a:ext>
+            </a:extLst>
+          </p:cNvPr>
+          <p:cNvSpPr>
+            <a:spLocks noGrp="1"/>
+          </p:cNvSpPr>
+          <p:nvPr>
+            <p:ph idx="1"/>
+          </p:nvPr>
+        </p:nvSpPr>
+        <p:spPr/>
+        <p:txBody>
+          <a:bodyPr/>
+          <a:lstStyle/>
+          <a:p>
+            <a:r>
+              <a:rPr lang="en-US" dirty="0"/>
+              <a:t>In a distributed system, the location of a component can change and must be discovered</a:t>
+            </a:r>
+          </a:p>
+          <a:p>
+            <a:r>
+              <a:rPr lang="en-US" dirty="0"/>
+              <a:t>Mechanisms for discovery include</a:t>
+            </a:r>
+          </a:p>
+          <a:p>
+            <a:pPr lvl="1"/>
+            <a:r>
+              <a:rPr lang="en-US" dirty="0"/>
+              <a:t>Domain Name System</a:t>
+            </a:r>
+          </a:p>
+          <a:p>
+            <a:pPr lvl="1"/>
+            <a:r>
+              <a:rPr lang="en-US" dirty="0"/>
+              <a:t>Service Mesh</a:t>
+            </a:r>
+          </a:p>
+          <a:p>
+            <a:pPr lvl="1"/>
+            <a:r>
+              <a:rPr lang="en-US" dirty="0"/>
+              <a:t>Load balancer</a:t>
+            </a:r>
+          </a:p>
+        </p:txBody>
+      </p:sp>
+    </p:spTree>
+    <p:extLst>
+      <p:ext uri="{BB962C8B-B14F-4D97-AF65-F5344CB8AC3E}">
+        <p14:creationId xmlns:p14="http://schemas.microsoft.com/office/powerpoint/2010/main" val="3716669784"/>
+      </p:ext>
+    </p:extLst>
+  </p:cSld>
+  <p:clrMapOvr>
+    <a:masterClrMapping/>
+  </p:clrMapOvr>
+</p:sld>
+</file>
+
+<file path=ppt/slides/slide19.xml><?xml version="1.0" encoding="utf-8"?>
+<p:sld xmlns:a="http://schemas.openxmlformats.org/drawingml/2006/main" xmlns:r="http://schemas.openxmlformats.org/officeDocument/2006/relationships" xmlns:p="http://schemas.openxmlformats.org/presentationml/2006/main">
+  <p:cSld>
+    <p:spTree>
+      <p:nvGrpSpPr>
+        <p:cNvPr id="1" name=""/>
+        <p:cNvGrpSpPr/>
+        <p:nvPr/>
+      </p:nvGrpSpPr>
+      <p:grpSpPr>
+        <a:xfrm>
+          <a:off x="0" y="0"/>
+          <a:ext cx="0" cy="0"/>
+          <a:chOff x="0" y="0"/>
+          <a:chExt cx="0" cy="0"/>
+        </a:xfrm>
+      </p:grpSpPr>
+      <p:sp>
+        <p:nvSpPr>
+          <p:cNvPr id="2" name="Title 1">
+            <a:extLst>
+              <a:ext uri="{FF2B5EF4-FFF2-40B4-BE49-F238E27FC236}">
+                <a16:creationId xmlns:a16="http://schemas.microsoft.com/office/drawing/2014/main" id="{C1370CCE-DA19-3242-7A6B-125103C6DE0D}"/>
+              </a:ext>
+            </a:extLst>
+          </p:cNvPr>
+          <p:cNvSpPr>
+            <a:spLocks noGrp="1"/>
+          </p:cNvSpPr>
+          <p:nvPr>
+            <p:ph type="title"/>
+          </p:nvPr>
+        </p:nvSpPr>
+        <p:spPr/>
+        <p:txBody>
+          <a:bodyPr/>
+          <a:lstStyle/>
+          <a:p>
+            <a:r>
+              <a:rPr lang="en-US" dirty="0"/>
+              <a:t>Component replacement</a:t>
+            </a:r>
+          </a:p>
+        </p:txBody>
+      </p:sp>
+      <p:sp>
+        <p:nvSpPr>
+          <p:cNvPr id="3" name="Content Placeholder 2">
+            <a:extLst>
+              <a:ext uri="{FF2B5EF4-FFF2-40B4-BE49-F238E27FC236}">
+                <a16:creationId xmlns:a16="http://schemas.microsoft.com/office/drawing/2014/main" id="{93F0409C-306C-AB4B-78BE-75974E7E83D9}"/>
+              </a:ext>
+            </a:extLst>
+          </p:cNvPr>
+          <p:cNvSpPr>
+            <a:spLocks noGrp="1"/>
+          </p:cNvSpPr>
+          <p:nvPr>
+            <p:ph idx="1"/>
+          </p:nvPr>
+        </p:nvSpPr>
+        <p:spPr/>
+        <p:txBody>
+          <a:bodyPr/>
+          <a:lstStyle/>
+          <a:p>
+            <a:r>
+              <a:rPr lang="en-US" dirty="0"/>
+              <a:t>Performed at build time</a:t>
+            </a:r>
+          </a:p>
+          <a:p>
+            <a:pPr lvl="1"/>
+            <a:r>
+              <a:rPr lang="en-US" dirty="0"/>
+              <a:t>Replace one component with another offering similar functionality. </a:t>
+            </a:r>
+          </a:p>
+          <a:p>
+            <a:pPr lvl="1"/>
+            <a:r>
+              <a:rPr lang="en-US" dirty="0"/>
+              <a:t>Use translator to reduce dependencies</a:t>
+            </a:r>
+          </a:p>
+          <a:p>
+            <a:endParaRPr lang="en-US" dirty="0"/>
+          </a:p>
+        </p:txBody>
+      </p:sp>
+    </p:spTree>
+    <p:extLst>
+      <p:ext uri="{BB962C8B-B14F-4D97-AF65-F5344CB8AC3E}">
+        <p14:creationId xmlns:p14="http://schemas.microsoft.com/office/powerpoint/2010/main" val="2214640376"/>
+      </p:ext>
+    </p:extLst>
+  </p:cSld>
+  <p:clrMapOvr>
+    <a:masterClrMapping/>
+  </p:clrMapOvr>
+</p:sld>
+</file>
+
+<file path=ppt/slides/slide2.xml><?xml version="1.0" encoding="utf-8"?>
+<p:sld xmlns:a="http://schemas.openxmlformats.org/drawingml/2006/main" xmlns:r="http://schemas.openxmlformats.org/officeDocument/2006/relationships" xmlns:p="http://schemas.openxmlformats.org/presentationml/2006/main">
+  <p:cSld>
+    <p:spTree>
+      <p:nvGrpSpPr>
+        <p:cNvPr id="1" name=""/>
+        <p:cNvGrpSpPr/>
+        <p:nvPr/>
+      </p:nvGrpSpPr>
+      <p:grpSpPr>
+        <a:xfrm>
+          <a:off x="0" y="0"/>
+          <a:ext cx="0" cy="0"/>
+          <a:chOff x="0" y="0"/>
+          <a:chExt cx="0" cy="0"/>
+        </a:xfrm>
+      </p:grpSpPr>
+      <p:sp>
+        <p:nvSpPr>
+          <p:cNvPr id="2" name="Title 1">
+            <a:extLst>
+              <a:ext uri="{FF2B5EF4-FFF2-40B4-BE49-F238E27FC236}">
+                <a16:creationId xmlns:a16="http://schemas.microsoft.com/office/drawing/2014/main" id="{47E7FE2B-E561-F0CA-B6B8-12FC3BC7AE0D}"/>
+              </a:ext>
+            </a:extLst>
+          </p:cNvPr>
+          <p:cNvSpPr>
+            <a:spLocks noGrp="1"/>
+          </p:cNvSpPr>
+          <p:nvPr>
+            <p:ph type="title"/>
+          </p:nvPr>
+        </p:nvSpPr>
+        <p:spPr/>
+        <p:txBody>
+          <a:bodyPr/>
+          <a:lstStyle/>
+          <a:p>
+            <a:r>
+              <a:rPr lang="en-US" dirty="0"/>
+              <a:t>TO DO</a:t>
+            </a:r>
+          </a:p>
+        </p:txBody>
+      </p:sp>
+      <p:sp>
+        <p:nvSpPr>
+          <p:cNvPr id="3" name="Content Placeholder 2">
+            <a:extLst>
+              <a:ext uri="{FF2B5EF4-FFF2-40B4-BE49-F238E27FC236}">
+                <a16:creationId xmlns:a16="http://schemas.microsoft.com/office/drawing/2014/main" id="{D6D4EF02-4971-1DFD-9AA2-11651C230DEC}"/>
+              </a:ext>
+            </a:extLst>
+          </p:cNvPr>
+          <p:cNvSpPr>
+            <a:spLocks noGrp="1"/>
+          </p:cNvSpPr>
+          <p:nvPr>
+            <p:ph idx="1"/>
+          </p:nvPr>
+        </p:nvSpPr>
+        <p:spPr/>
+        <p:txBody>
+          <a:bodyPr/>
+          <a:lstStyle/>
+          <a:p>
+            <a:r>
+              <a:rPr lang="en-US" dirty="0"/>
+              <a:t>DSM</a:t>
+            </a:r>
+          </a:p>
+        </p:txBody>
+      </p:sp>
+    </p:spTree>
+    <p:extLst>
+      <p:ext uri="{BB962C8B-B14F-4D97-AF65-F5344CB8AC3E}">
+        <p14:creationId xmlns:p14="http://schemas.microsoft.com/office/powerpoint/2010/main" val="3215238462"/>
+      </p:ext>
+    </p:extLst>
+  </p:cSld>
+  <p:clrMapOvr>
+    <a:masterClrMapping/>
+  </p:clrMapOvr>
+</p:sld>
+</file>
+
+<file path=ppt/slides/slide20.xml><?xml version="1.0" encoding="utf-8"?>
+<p:sld xmlns:a="http://schemas.openxmlformats.org/drawingml/2006/main" xmlns:r="http://schemas.openxmlformats.org/officeDocument/2006/relationships" xmlns:p="http://schemas.openxmlformats.org/presentationml/2006/main">
+  <p:cSld>
+    <p:spTree>
+      <p:nvGrpSpPr>
+        <p:cNvPr id="1" name=""/>
+        <p:cNvGrpSpPr/>
+        <p:nvPr/>
+      </p:nvGrpSpPr>
+      <p:grpSpPr>
+        <a:xfrm>
+          <a:off x="0" y="0"/>
+          <a:ext cx="0" cy="0"/>
+          <a:chOff x="0" y="0"/>
+          <a:chExt cx="0" cy="0"/>
+        </a:xfrm>
+      </p:grpSpPr>
+      <p:sp>
+        <p:nvSpPr>
+          <p:cNvPr id="2" name="Title 1">
+            <a:extLst>
+              <a:ext uri="{FF2B5EF4-FFF2-40B4-BE49-F238E27FC236}">
+                <a16:creationId xmlns:a16="http://schemas.microsoft.com/office/drawing/2014/main" id="{95067248-D0C9-951C-5018-B9D02F1CB0B6}"/>
+              </a:ext>
+            </a:extLst>
+          </p:cNvPr>
+          <p:cNvSpPr>
+            <a:spLocks noGrp="1"/>
+          </p:cNvSpPr>
+          <p:nvPr>
+            <p:ph type="title"/>
+          </p:nvPr>
+        </p:nvSpPr>
+        <p:spPr/>
+        <p:txBody>
+          <a:bodyPr/>
+          <a:lstStyle/>
+          <a:p>
+            <a:r>
+              <a:rPr lang="en-US" dirty="0"/>
+              <a:t>Outline</a:t>
+            </a:r>
+          </a:p>
+        </p:txBody>
+      </p:sp>
+      <p:sp>
+        <p:nvSpPr>
+          <p:cNvPr id="3" name="Content Placeholder 2">
+            <a:extLst>
+              <a:ext uri="{FF2B5EF4-FFF2-40B4-BE49-F238E27FC236}">
+                <a16:creationId xmlns:a16="http://schemas.microsoft.com/office/drawing/2014/main" id="{787A5C4D-5480-817C-854A-EF5172E1F91B}"/>
+              </a:ext>
+            </a:extLst>
+          </p:cNvPr>
+          <p:cNvSpPr>
+            <a:spLocks noGrp="1"/>
+          </p:cNvSpPr>
+          <p:nvPr>
+            <p:ph idx="1"/>
+          </p:nvPr>
+        </p:nvSpPr>
+        <p:spPr/>
+        <p:txBody>
+          <a:bodyPr/>
+          <a:lstStyle/>
+          <a:p>
+            <a:r>
+              <a:rPr lang="en-US" dirty="0"/>
+              <a:t>Introduction</a:t>
+            </a:r>
+          </a:p>
+          <a:p>
+            <a:r>
+              <a:rPr lang="en-US" dirty="0"/>
+              <a:t>Compile time changes</a:t>
+            </a:r>
+          </a:p>
+          <a:p>
+            <a:r>
+              <a:rPr lang="en-US" dirty="0"/>
+              <a:t>Build time changes</a:t>
+            </a:r>
+          </a:p>
+          <a:p>
+            <a:r>
+              <a:rPr lang="en-US" b="1" dirty="0"/>
+              <a:t>Installation time changes</a:t>
+            </a:r>
+          </a:p>
+          <a:p>
+            <a:r>
+              <a:rPr lang="en-US" dirty="0"/>
+              <a:t>Run time changes</a:t>
+            </a:r>
+          </a:p>
+          <a:p>
+            <a:r>
+              <a:rPr lang="en-US" dirty="0"/>
+              <a:t>Application to microservices</a:t>
+            </a:r>
+          </a:p>
+        </p:txBody>
+      </p:sp>
+    </p:spTree>
+    <p:extLst>
+      <p:ext uri="{BB962C8B-B14F-4D97-AF65-F5344CB8AC3E}">
+        <p14:creationId xmlns:p14="http://schemas.microsoft.com/office/powerpoint/2010/main" val="3279834612"/>
+      </p:ext>
+    </p:extLst>
+  </p:cSld>
+  <p:clrMapOvr>
+    <a:masterClrMapping/>
+  </p:clrMapOvr>
+</p:sld>
+</file>
+
+<file path=ppt/slides/slide21.xml><?xml version="1.0" encoding="utf-8"?>
+<p:sld xmlns:a="http://schemas.openxmlformats.org/drawingml/2006/main" xmlns:r="http://schemas.openxmlformats.org/officeDocument/2006/relationships" xmlns:p="http://schemas.openxmlformats.org/presentationml/2006/main">
+  <p:cSld>
+    <p:spTree>
+      <p:nvGrpSpPr>
+        <p:cNvPr id="1" name=""/>
+        <p:cNvGrpSpPr/>
+        <p:nvPr/>
+      </p:nvGrpSpPr>
+      <p:grpSpPr>
+        <a:xfrm>
+          <a:off x="0" y="0"/>
+          <a:ext cx="0" cy="0"/>
+          <a:chOff x="0" y="0"/>
+          <a:chExt cx="0" cy="0"/>
+        </a:xfrm>
+      </p:grpSpPr>
+      <p:sp>
+        <p:nvSpPr>
+          <p:cNvPr id="2" name="Title 1">
+            <a:extLst>
+              <a:ext uri="{FF2B5EF4-FFF2-40B4-BE49-F238E27FC236}">
+                <a16:creationId xmlns:a16="http://schemas.microsoft.com/office/drawing/2014/main" id="{14E85942-3354-CB46-295C-E9C32E09EE07}"/>
+              </a:ext>
+            </a:extLst>
+          </p:cNvPr>
+          <p:cNvSpPr>
+            <a:spLocks noGrp="1"/>
+          </p:cNvSpPr>
+          <p:nvPr>
+            <p:ph type="title"/>
+          </p:nvPr>
+        </p:nvSpPr>
+        <p:spPr/>
+        <p:txBody>
+          <a:bodyPr/>
+          <a:lstStyle/>
+          <a:p>
+            <a:pPr marL="0" lvl="0" indent="0" rtl="0" eaLnBrk="1" fontAlgn="base" hangingPunct="1">
+              <a:buNone/>
+            </a:pPr>
+            <a:r>
+              <a:rPr lang="en-US" sz="4400" dirty="0">
+                <a:solidFill>
+                  <a:schemeClr val="tx2"/>
+                </a:solidFill>
+                <a:latin typeface="+mj-lt"/>
+                <a:ea typeface="+mj-ea"/>
+                <a:cs typeface="+mj-cs"/>
+              </a:rPr>
+              <a:t>Configuration parameters</a:t>
+            </a:r>
+          </a:p>
+        </p:txBody>
+      </p:sp>
+      <p:sp>
+        <p:nvSpPr>
+          <p:cNvPr id="3" name="Content Placeholder 2">
+            <a:extLst>
+              <a:ext uri="{FF2B5EF4-FFF2-40B4-BE49-F238E27FC236}">
+                <a16:creationId xmlns:a16="http://schemas.microsoft.com/office/drawing/2014/main" id="{9F1C1373-16AE-B384-EFC9-AD7363BB6DE6}"/>
+              </a:ext>
+            </a:extLst>
+          </p:cNvPr>
+          <p:cNvSpPr>
+            <a:spLocks noGrp="1"/>
+          </p:cNvSpPr>
+          <p:nvPr>
+            <p:ph idx="1"/>
+          </p:nvPr>
+        </p:nvSpPr>
+        <p:spPr/>
+        <p:txBody>
+          <a:bodyPr/>
+          <a:lstStyle/>
+          <a:p>
+            <a:r>
+              <a:rPr lang="en-US" dirty="0"/>
+              <a:t>When system is invoked it acquires configuration parameters</a:t>
+            </a:r>
+          </a:p>
+          <a:p>
+            <a:pPr lvl="1"/>
+            <a:r>
+              <a:rPr lang="en-US" dirty="0"/>
+              <a:t>From a special file in a known location</a:t>
+            </a:r>
+          </a:p>
+          <a:p>
+            <a:pPr lvl="1"/>
+            <a:r>
+              <a:rPr lang="en-US" dirty="0"/>
+              <a:t>From OS environment variables</a:t>
+            </a:r>
+          </a:p>
+          <a:p>
+            <a:pPr lvl="1"/>
+            <a:r>
+              <a:rPr lang="en-US" dirty="0"/>
+              <a:t>From configuration database</a:t>
+            </a:r>
+          </a:p>
+          <a:p>
+            <a:pPr lvl="1"/>
+            <a:r>
+              <a:rPr lang="en-US" dirty="0"/>
+              <a:t>From a special tool</a:t>
+            </a:r>
+          </a:p>
+          <a:p>
+            <a:r>
+              <a:rPr lang="en-US" dirty="0"/>
+              <a:t>Values of configuration parameters will affect the behavior of a system.</a:t>
+            </a:r>
+          </a:p>
+        </p:txBody>
+      </p:sp>
+    </p:spTree>
+    <p:extLst>
+      <p:ext uri="{BB962C8B-B14F-4D97-AF65-F5344CB8AC3E}">
+        <p14:creationId xmlns:p14="http://schemas.microsoft.com/office/powerpoint/2010/main" val="3890575921"/>
+      </p:ext>
+    </p:extLst>
+  </p:cSld>
+  <p:clrMapOvr>
+    <a:masterClrMapping/>
+  </p:clrMapOvr>
+</p:sld>
+</file>
+
+<file path=ppt/slides/slide22.xml><?xml version="1.0" encoding="utf-8"?>
+<p:sld xmlns:a="http://schemas.openxmlformats.org/drawingml/2006/main" xmlns:r="http://schemas.openxmlformats.org/officeDocument/2006/relationships" xmlns:p="http://schemas.openxmlformats.org/presentationml/2006/main">
+  <p:cSld>
+    <p:spTree>
+      <p:nvGrpSpPr>
+        <p:cNvPr id="1" name=""/>
+        <p:cNvGrpSpPr/>
+        <p:nvPr/>
+      </p:nvGrpSpPr>
+      <p:grpSpPr>
+        <a:xfrm>
+          <a:off x="0" y="0"/>
+          <a:ext cx="0" cy="0"/>
+          <a:chOff x="0" y="0"/>
+          <a:chExt cx="0" cy="0"/>
+        </a:xfrm>
+      </p:grpSpPr>
+      <p:sp>
+        <p:nvSpPr>
+          <p:cNvPr id="2" name="Title 1">
+            <a:extLst>
+              <a:ext uri="{FF2B5EF4-FFF2-40B4-BE49-F238E27FC236}">
+                <a16:creationId xmlns:a16="http://schemas.microsoft.com/office/drawing/2014/main" id="{70A43DF5-B4FF-6932-F3D9-E7A5AC6C90C4}"/>
+              </a:ext>
+            </a:extLst>
+          </p:cNvPr>
+          <p:cNvSpPr>
+            <a:spLocks noGrp="1"/>
+          </p:cNvSpPr>
+          <p:nvPr>
+            <p:ph type="title"/>
+          </p:nvPr>
+        </p:nvSpPr>
+        <p:spPr>
+          <a:xfrm>
+            <a:off x="717468" y="457200"/>
+            <a:ext cx="7772400" cy="1143000"/>
+          </a:xfrm>
+        </p:spPr>
+        <p:txBody>
+          <a:bodyPr/>
+          <a:lstStyle/>
+          <a:p>
+            <a:r>
+              <a:rPr lang="en-US" dirty="0"/>
+              <a:t>Configuration parameters - example</a:t>
+            </a:r>
+          </a:p>
+        </p:txBody>
+      </p:sp>
+      <p:sp>
+        <p:nvSpPr>
+          <p:cNvPr id="3" name="Content Placeholder 2">
+            <a:extLst>
+              <a:ext uri="{FF2B5EF4-FFF2-40B4-BE49-F238E27FC236}">
+                <a16:creationId xmlns:a16="http://schemas.microsoft.com/office/drawing/2014/main" id="{A32E4D7E-D01B-AE32-BCA5-D22453E66CBC}"/>
+              </a:ext>
+            </a:extLst>
+          </p:cNvPr>
+          <p:cNvSpPr>
+            <a:spLocks noGrp="1"/>
+          </p:cNvSpPr>
+          <p:nvPr>
+            <p:ph idx="1"/>
+          </p:nvPr>
+        </p:nvSpPr>
+        <p:spPr/>
+        <p:txBody>
+          <a:bodyPr/>
+          <a:lstStyle/>
+          <a:p>
+            <a:r>
+              <a:rPr lang="en-US" dirty="0"/>
+              <a:t>Configuration parameters allow a system to operate in different environments. </a:t>
+            </a:r>
+          </a:p>
+          <a:p>
+            <a:r>
+              <a:rPr lang="en-US" dirty="0"/>
+              <a:t>E.g. make database URL a configuration parameter. This allows a different database to be used during development than during production.</a:t>
+            </a:r>
+          </a:p>
+        </p:txBody>
+      </p:sp>
+    </p:spTree>
+    <p:extLst>
+      <p:ext uri="{BB962C8B-B14F-4D97-AF65-F5344CB8AC3E}">
+        <p14:creationId xmlns:p14="http://schemas.microsoft.com/office/powerpoint/2010/main" val="1386119244"/>
+      </p:ext>
+    </p:extLst>
+  </p:cSld>
+  <p:clrMapOvr>
+    <a:masterClrMapping/>
+  </p:clrMapOvr>
+</p:sld>
+</file>
+
+<file path=ppt/slides/slide23.xml><?xml version="1.0" encoding="utf-8"?>
+<p:sld xmlns:a="http://schemas.openxmlformats.org/drawingml/2006/main" xmlns:r="http://schemas.openxmlformats.org/officeDocument/2006/relationships" xmlns:p="http://schemas.openxmlformats.org/presentationml/2006/main">
+  <p:cSld>
+    <p:spTree>
+      <p:nvGrpSpPr>
+        <p:cNvPr id="1" name=""/>
+        <p:cNvGrpSpPr/>
+        <p:nvPr/>
+      </p:nvGrpSpPr>
+      <p:grpSpPr>
+        <a:xfrm>
+          <a:off x="0" y="0"/>
+          <a:ext cx="0" cy="0"/>
+          <a:chOff x="0" y="0"/>
+          <a:chExt cx="0" cy="0"/>
+        </a:xfrm>
+      </p:grpSpPr>
+      <p:sp>
+        <p:nvSpPr>
+          <p:cNvPr id="2" name="Title 1">
+            <a:extLst>
+              <a:ext uri="{FF2B5EF4-FFF2-40B4-BE49-F238E27FC236}">
+                <a16:creationId xmlns:a16="http://schemas.microsoft.com/office/drawing/2014/main" id="{95067248-D0C9-951C-5018-B9D02F1CB0B6}"/>
+              </a:ext>
+            </a:extLst>
+          </p:cNvPr>
+          <p:cNvSpPr>
+            <a:spLocks noGrp="1"/>
+          </p:cNvSpPr>
+          <p:nvPr>
+            <p:ph type="title"/>
+          </p:nvPr>
+        </p:nvSpPr>
+        <p:spPr/>
+        <p:txBody>
+          <a:bodyPr/>
+          <a:lstStyle/>
+          <a:p>
+            <a:r>
+              <a:rPr lang="en-US" dirty="0"/>
+              <a:t>Outline</a:t>
+            </a:r>
+          </a:p>
+        </p:txBody>
+      </p:sp>
+      <p:sp>
+        <p:nvSpPr>
+          <p:cNvPr id="3" name="Content Placeholder 2">
+            <a:extLst>
+              <a:ext uri="{FF2B5EF4-FFF2-40B4-BE49-F238E27FC236}">
+                <a16:creationId xmlns:a16="http://schemas.microsoft.com/office/drawing/2014/main" id="{787A5C4D-5480-817C-854A-EF5172E1F91B}"/>
+              </a:ext>
+            </a:extLst>
+          </p:cNvPr>
+          <p:cNvSpPr>
+            <a:spLocks noGrp="1"/>
+          </p:cNvSpPr>
+          <p:nvPr>
+            <p:ph idx="1"/>
+          </p:nvPr>
+        </p:nvSpPr>
+        <p:spPr/>
+        <p:txBody>
+          <a:bodyPr/>
+          <a:lstStyle/>
+          <a:p>
+            <a:r>
+              <a:rPr lang="en-US" dirty="0"/>
+              <a:t>Introduction</a:t>
+            </a:r>
+          </a:p>
+          <a:p>
+            <a:r>
+              <a:rPr lang="en-US" dirty="0"/>
+              <a:t>Compile time changes</a:t>
+            </a:r>
+          </a:p>
+          <a:p>
+            <a:r>
+              <a:rPr lang="en-US" dirty="0"/>
+              <a:t>Build time changes</a:t>
+            </a:r>
+          </a:p>
+          <a:p>
+            <a:r>
+              <a:rPr lang="en-US" dirty="0"/>
+              <a:t>Installation time changes</a:t>
+            </a:r>
+          </a:p>
+          <a:p>
+            <a:r>
+              <a:rPr lang="en-US" b="1" dirty="0"/>
+              <a:t>Run time changes</a:t>
+            </a:r>
+          </a:p>
+          <a:p>
+            <a:r>
+              <a:rPr lang="en-US" dirty="0"/>
+              <a:t>Application to microservices</a:t>
+            </a:r>
+          </a:p>
+        </p:txBody>
+      </p:sp>
+    </p:spTree>
+    <p:extLst>
+      <p:ext uri="{BB962C8B-B14F-4D97-AF65-F5344CB8AC3E}">
+        <p14:creationId xmlns:p14="http://schemas.microsoft.com/office/powerpoint/2010/main" val="568823492"/>
+      </p:ext>
+    </p:extLst>
+  </p:cSld>
+  <p:clrMapOvr>
+    <a:masterClrMapping/>
+  </p:clrMapOvr>
+</p:sld>
+</file>
+
+<file path=ppt/slides/slide24.xml><?xml version="1.0" encoding="utf-8"?>
+<p:sld xmlns:a="http://schemas.openxmlformats.org/drawingml/2006/main" xmlns:r="http://schemas.openxmlformats.org/officeDocument/2006/relationships" xmlns:p="http://schemas.openxmlformats.org/presentationml/2006/main">
+  <p:cSld>
+    <p:spTree>
+      <p:nvGrpSpPr>
+        <p:cNvPr id="1" name=""/>
+        <p:cNvGrpSpPr/>
+        <p:nvPr/>
+      </p:nvGrpSpPr>
+      <p:grpSpPr>
+        <a:xfrm>
+          <a:off x="0" y="0"/>
+          <a:ext cx="0" cy="0"/>
+          <a:chOff x="0" y="0"/>
+          <a:chExt cx="0" cy="0"/>
+        </a:xfrm>
+      </p:grpSpPr>
+      <p:sp>
+        <p:nvSpPr>
+          <p:cNvPr id="2" name="Title 1">
+            <a:extLst>
+              <a:ext uri="{FF2B5EF4-FFF2-40B4-BE49-F238E27FC236}">
+                <a16:creationId xmlns:a16="http://schemas.microsoft.com/office/drawing/2014/main" id="{C9B4F73E-E36C-2FFA-B3C6-4B11EBFC8E07}"/>
+              </a:ext>
+            </a:extLst>
+          </p:cNvPr>
+          <p:cNvSpPr>
+            <a:spLocks noGrp="1"/>
+          </p:cNvSpPr>
+          <p:nvPr>
+            <p:ph type="title"/>
+          </p:nvPr>
+        </p:nvSpPr>
+        <p:spPr/>
+        <p:txBody>
+          <a:bodyPr/>
+          <a:lstStyle/>
+          <a:p>
+            <a:r>
+              <a:rPr lang="en-US" dirty="0"/>
+              <a:t>Changes possible during</a:t>
+            </a:r>
+            <a:r>
+              <a:rPr lang="en-US" baseline="0" dirty="0"/>
+              <a:t> runtime</a:t>
+            </a:r>
+            <a:endParaRPr lang="en-US" dirty="0"/>
+          </a:p>
+        </p:txBody>
+      </p:sp>
+      <p:sp>
+        <p:nvSpPr>
+          <p:cNvPr id="3" name="Content Placeholder 2">
+            <a:extLst>
+              <a:ext uri="{FF2B5EF4-FFF2-40B4-BE49-F238E27FC236}">
+                <a16:creationId xmlns:a16="http://schemas.microsoft.com/office/drawing/2014/main" id="{538DC785-D36D-7986-444A-31346BD9ACCD}"/>
+              </a:ext>
+            </a:extLst>
+          </p:cNvPr>
+          <p:cNvSpPr>
+            <a:spLocks noGrp="1"/>
+          </p:cNvSpPr>
+          <p:nvPr>
+            <p:ph idx="1"/>
+          </p:nvPr>
+        </p:nvSpPr>
+        <p:spPr/>
+        <p:txBody>
+          <a:bodyPr/>
+          <a:lstStyle/>
+          <a:p>
+            <a:r>
+              <a:rPr lang="en-US" dirty="0"/>
+              <a:t>Location of and number of instances</a:t>
+            </a:r>
+          </a:p>
+          <a:p>
+            <a:r>
+              <a:rPr lang="en-US" dirty="0"/>
+              <a:t>Sequence of events can be changed by orchestrator or as a result of failure</a:t>
+            </a:r>
+          </a:p>
+          <a:p>
+            <a:r>
+              <a:rPr lang="en-US" dirty="0"/>
+              <a:t>Control information for embedded systems (e.g. production floor) can be changed by orchestrator</a:t>
+            </a:r>
+          </a:p>
+          <a:p>
+            <a:pPr marL="0" indent="0">
+              <a:buNone/>
+            </a:pPr>
+            <a:endParaRPr lang="en-US" dirty="0"/>
+          </a:p>
+          <a:p>
+            <a:endParaRPr lang="en-US" dirty="0"/>
+          </a:p>
+        </p:txBody>
+      </p:sp>
+    </p:spTree>
+    <p:extLst>
+      <p:ext uri="{BB962C8B-B14F-4D97-AF65-F5344CB8AC3E}">
+        <p14:creationId xmlns:p14="http://schemas.microsoft.com/office/powerpoint/2010/main" val="1812845078"/>
+      </p:ext>
+    </p:extLst>
+  </p:cSld>
+  <p:clrMapOvr>
+    <a:masterClrMapping/>
+  </p:clrMapOvr>
+</p:sld>
+</file>
+
+<file path=ppt/slides/slide25.xml><?xml version="1.0" encoding="utf-8"?>
+<p:sld xmlns:a="http://schemas.openxmlformats.org/drawingml/2006/main" xmlns:r="http://schemas.openxmlformats.org/officeDocument/2006/relationships" xmlns:p="http://schemas.openxmlformats.org/presentationml/2006/main">
+  <p:cSld>
+    <p:spTree>
+      <p:nvGrpSpPr>
+        <p:cNvPr id="1" name=""/>
+        <p:cNvGrpSpPr/>
+        <p:nvPr/>
+      </p:nvGrpSpPr>
+      <p:grpSpPr>
+        <a:xfrm>
+          <a:off x="0" y="0"/>
+          <a:ext cx="0" cy="0"/>
+          <a:chOff x="0" y="0"/>
+          <a:chExt cx="0" cy="0"/>
+        </a:xfrm>
+      </p:grpSpPr>
+      <p:sp>
+        <p:nvSpPr>
+          <p:cNvPr id="2" name="Title 1">
+            <a:extLst>
+              <a:ext uri="{FF2B5EF4-FFF2-40B4-BE49-F238E27FC236}">
+                <a16:creationId xmlns:a16="http://schemas.microsoft.com/office/drawing/2014/main" id="{95067248-D0C9-951C-5018-B9D02F1CB0B6}"/>
+              </a:ext>
+            </a:extLst>
+          </p:cNvPr>
+          <p:cNvSpPr>
+            <a:spLocks noGrp="1"/>
+          </p:cNvSpPr>
+          <p:nvPr>
+            <p:ph type="title"/>
+          </p:nvPr>
+        </p:nvSpPr>
+        <p:spPr/>
+        <p:txBody>
+          <a:bodyPr/>
+          <a:lstStyle/>
+          <a:p>
+            <a:r>
+              <a:rPr lang="en-US" dirty="0"/>
+              <a:t>Outline</a:t>
+            </a:r>
+          </a:p>
+        </p:txBody>
+      </p:sp>
+      <p:sp>
+        <p:nvSpPr>
+          <p:cNvPr id="3" name="Content Placeholder 2">
+            <a:extLst>
+              <a:ext uri="{FF2B5EF4-FFF2-40B4-BE49-F238E27FC236}">
+                <a16:creationId xmlns:a16="http://schemas.microsoft.com/office/drawing/2014/main" id="{787A5C4D-5480-817C-854A-EF5172E1F91B}"/>
+              </a:ext>
+            </a:extLst>
+          </p:cNvPr>
+          <p:cNvSpPr>
+            <a:spLocks noGrp="1"/>
+          </p:cNvSpPr>
+          <p:nvPr>
+            <p:ph idx="1"/>
+          </p:nvPr>
+        </p:nvSpPr>
+        <p:spPr/>
+        <p:txBody>
+          <a:bodyPr/>
+          <a:lstStyle/>
+          <a:p>
+            <a:r>
+              <a:rPr lang="en-US" dirty="0"/>
+              <a:t>Introduction</a:t>
+            </a:r>
+          </a:p>
+          <a:p>
+            <a:r>
+              <a:rPr lang="en-US" dirty="0"/>
+              <a:t>Compile time changes</a:t>
+            </a:r>
+          </a:p>
+          <a:p>
+            <a:r>
+              <a:rPr lang="en-US" dirty="0"/>
+              <a:t>Build time changes</a:t>
+            </a:r>
+          </a:p>
+          <a:p>
+            <a:r>
+              <a:rPr lang="en-US" dirty="0"/>
+              <a:t>Installation time changes</a:t>
+            </a:r>
+          </a:p>
+          <a:p>
+            <a:r>
+              <a:rPr lang="en-US" dirty="0"/>
+              <a:t>Run time changes</a:t>
+            </a:r>
+          </a:p>
+          <a:p>
+            <a:r>
+              <a:rPr lang="en-US" b="1" dirty="0"/>
+              <a:t>Application to microservices</a:t>
+            </a:r>
+          </a:p>
+        </p:txBody>
+      </p:sp>
+    </p:spTree>
+    <p:extLst>
+      <p:ext uri="{BB962C8B-B14F-4D97-AF65-F5344CB8AC3E}">
+        <p14:creationId xmlns:p14="http://schemas.microsoft.com/office/powerpoint/2010/main" val="3406419636"/>
+      </p:ext>
+    </p:extLst>
+  </p:cSld>
+  <p:clrMapOvr>
+    <a:masterClrMapping/>
+  </p:clrMapOvr>
+</p:sld>
+</file>
+
+<file path=ppt/slides/slide26.xml><?xml version="1.0" encoding="utf-8"?>
+<p:sld xmlns:a="http://schemas.openxmlformats.org/drawingml/2006/main" xmlns:r="http://schemas.openxmlformats.org/officeDocument/2006/relationships" xmlns:p="http://schemas.openxmlformats.org/presentationml/2006/main">
+  <p:cSld>
+    <p:spTree>
+      <p:nvGrpSpPr>
+        <p:cNvPr id="1" name=""/>
+        <p:cNvGrpSpPr/>
+        <p:nvPr/>
+      </p:nvGrpSpPr>
+      <p:grpSpPr>
+        <a:xfrm>
+          <a:off x="0" y="0"/>
+          <a:ext cx="0" cy="0"/>
+          <a:chOff x="0" y="0"/>
+          <a:chExt cx="0" cy="0"/>
+        </a:xfrm>
+      </p:grpSpPr>
+      <p:sp>
+        <p:nvSpPr>
+          <p:cNvPr id="2" name="Title 1">
+            <a:extLst>
+              <a:ext uri="{FF2B5EF4-FFF2-40B4-BE49-F238E27FC236}">
+                <a16:creationId xmlns:a16="http://schemas.microsoft.com/office/drawing/2014/main" id="{3BEBCB04-1F1C-D855-156B-40849D2646AA}"/>
+              </a:ext>
+            </a:extLst>
+          </p:cNvPr>
+          <p:cNvSpPr>
+            <a:spLocks noGrp="1"/>
+          </p:cNvSpPr>
+          <p:nvPr>
+            <p:ph type="title"/>
+          </p:nvPr>
+        </p:nvSpPr>
+        <p:spPr/>
+        <p:txBody>
+          <a:bodyPr/>
+          <a:lstStyle/>
+          <a:p>
+            <a:r>
+              <a:rPr lang="en-US" dirty="0"/>
+              <a:t>Microservices</a:t>
+            </a:r>
+          </a:p>
+        </p:txBody>
+      </p:sp>
+      <p:sp>
+        <p:nvSpPr>
+          <p:cNvPr id="3" name="Content Placeholder 2">
+            <a:extLst>
+              <a:ext uri="{FF2B5EF4-FFF2-40B4-BE49-F238E27FC236}">
+                <a16:creationId xmlns:a16="http://schemas.microsoft.com/office/drawing/2014/main" id="{057F387A-100F-D19D-1452-22EB46BF45BC}"/>
+              </a:ext>
+            </a:extLst>
+          </p:cNvPr>
+          <p:cNvSpPr>
+            <a:spLocks noGrp="1"/>
+          </p:cNvSpPr>
+          <p:nvPr>
+            <p:ph idx="1"/>
+          </p:nvPr>
+        </p:nvSpPr>
+        <p:spPr/>
+        <p:txBody>
+          <a:bodyPr/>
+          <a:lstStyle/>
+          <a:p>
+            <a:pPr marL="0" indent="0">
+              <a:buNone/>
+            </a:pPr>
+            <a:r>
+              <a:rPr lang="en-US" dirty="0"/>
+              <a:t>“”Microservices architecture consists of collections of light-weight, loosely-coupled services. </a:t>
+            </a:r>
+            <a:r>
+              <a:rPr lang="en-US" b="1" dirty="0"/>
+              <a:t>Each service implements a single business capability.</a:t>
+            </a:r>
+            <a:r>
+              <a:rPr lang="en-US" dirty="0"/>
+              <a:t> ”</a:t>
+            </a:r>
+          </a:p>
+          <a:p>
+            <a:pPr marL="0" indent="0">
+              <a:buNone/>
+            </a:pPr>
+            <a:endParaRPr lang="en-US" dirty="0"/>
+          </a:p>
+          <a:p>
+            <a:pPr marL="0" indent="0">
+              <a:buNone/>
+            </a:pPr>
+            <a:r>
+              <a:rPr lang="en-US" dirty="0"/>
+              <a:t>Well, sort of.</a:t>
+            </a:r>
+          </a:p>
+        </p:txBody>
+      </p:sp>
+    </p:spTree>
+    <p:extLst>
+      <p:ext uri="{BB962C8B-B14F-4D97-AF65-F5344CB8AC3E}">
+        <p14:creationId xmlns:p14="http://schemas.microsoft.com/office/powerpoint/2010/main" val="4136675068"/>
+      </p:ext>
+    </p:extLst>
+  </p:cSld>
+  <p:clrMapOvr>
+    <a:masterClrMapping/>
+  </p:clrMapOvr>
+</p:sld>
+</file>
+
+<file path=ppt/slides/slide27.xml><?xml version="1.0" encoding="utf-8"?>
+<p:sld xmlns:a="http://schemas.openxmlformats.org/drawingml/2006/main" xmlns:r="http://schemas.openxmlformats.org/officeDocument/2006/relationships" xmlns:p="http://schemas.openxmlformats.org/presentationml/2006/main">
+  <p:cSld>
+    <p:spTree>
+      <p:nvGrpSpPr>
+        <p:cNvPr id="1" name=""/>
+        <p:cNvGrpSpPr/>
+        <p:nvPr/>
+      </p:nvGrpSpPr>
+      <p:grpSpPr>
+        <a:xfrm>
+          <a:off x="0" y="0"/>
+          <a:ext cx="0" cy="0"/>
+          <a:chOff x="0" y="0"/>
+          <a:chExt cx="0" cy="0"/>
+        </a:xfrm>
+      </p:grpSpPr>
+      <p:sp>
+        <p:nvSpPr>
+          <p:cNvPr id="2" name="Title 1">
+            <a:extLst>
+              <a:ext uri="{FF2B5EF4-FFF2-40B4-BE49-F238E27FC236}">
+                <a16:creationId xmlns:a16="http://schemas.microsoft.com/office/drawing/2014/main" id="{356FBF70-F47F-20B2-6BAD-D1191EF6A003}"/>
+              </a:ext>
+            </a:extLst>
+          </p:cNvPr>
+          <p:cNvSpPr>
+            <a:spLocks noGrp="1"/>
+          </p:cNvSpPr>
+          <p:nvPr>
+            <p:ph type="title"/>
+          </p:nvPr>
+        </p:nvSpPr>
+        <p:spPr/>
+        <p:txBody>
+          <a:bodyPr/>
+          <a:lstStyle/>
+          <a:p>
+            <a:r>
+              <a:rPr lang="en-US" dirty="0"/>
+              <a:t>Designing</a:t>
+            </a:r>
+            <a:r>
+              <a:rPr lang="en-US" baseline="0" dirty="0"/>
+              <a:t> microservices</a:t>
+            </a:r>
+            <a:endParaRPr lang="en-US" dirty="0"/>
+          </a:p>
+        </p:txBody>
+      </p:sp>
+      <p:sp>
+        <p:nvSpPr>
+          <p:cNvPr id="3" name="Content Placeholder 2">
+            <a:extLst>
+              <a:ext uri="{FF2B5EF4-FFF2-40B4-BE49-F238E27FC236}">
+                <a16:creationId xmlns:a16="http://schemas.microsoft.com/office/drawing/2014/main" id="{A0D51A1C-9A76-1A8F-BD03-8292A60A2A39}"/>
+              </a:ext>
+            </a:extLst>
+          </p:cNvPr>
+          <p:cNvSpPr>
+            <a:spLocks noGrp="1"/>
+          </p:cNvSpPr>
+          <p:nvPr>
+            <p:ph idx="1"/>
+          </p:nvPr>
+        </p:nvSpPr>
+        <p:spPr/>
+        <p:txBody>
+          <a:bodyPr/>
+          <a:lstStyle/>
+          <a:p>
+            <a:r>
+              <a:rPr lang="en-US" dirty="0"/>
+              <a:t>Start with each</a:t>
+            </a:r>
+            <a:r>
+              <a:rPr lang="en-US" baseline="0" dirty="0"/>
+              <a:t> microservice implementing a single business capability</a:t>
+            </a:r>
+          </a:p>
+          <a:p>
+            <a:r>
+              <a:rPr lang="en-US" dirty="0"/>
+              <a:t>Identify microservices with high coupling using DSM.</a:t>
+            </a:r>
+          </a:p>
+          <a:p>
+            <a:r>
+              <a:rPr lang="en-US" dirty="0"/>
+              <a:t> Reduce coupling either through refactoring or introduction of intermediaries</a:t>
+            </a:r>
+          </a:p>
+        </p:txBody>
+      </p:sp>
+    </p:spTree>
+    <p:extLst>
+      <p:ext uri="{BB962C8B-B14F-4D97-AF65-F5344CB8AC3E}">
+        <p14:creationId xmlns:p14="http://schemas.microsoft.com/office/powerpoint/2010/main" val="3941505446"/>
+      </p:ext>
+    </p:extLst>
+  </p:cSld>
+  <p:clrMapOvr>
+    <a:masterClrMapping/>
+  </p:clrMapOvr>
+</p:sld>
+</file>
+
+<file path=ppt/slides/slide28.xml><?xml version="1.0" encoding="utf-8"?>
+<p:sld xmlns:a="http://schemas.openxmlformats.org/drawingml/2006/main" xmlns:r="http://schemas.openxmlformats.org/officeDocument/2006/relationships" xmlns:p="http://schemas.openxmlformats.org/presentationml/2006/main">
+  <p:cSld>
+    <p:spTree>
+      <p:nvGrpSpPr>
+        <p:cNvPr id="1" name=""/>
+        <p:cNvGrpSpPr/>
+        <p:nvPr/>
+      </p:nvGrpSpPr>
+      <p:grpSpPr>
+        <a:xfrm>
+          <a:off x="0" y="0"/>
+          <a:ext cx="0" cy="0"/>
+          <a:chOff x="0" y="0"/>
+          <a:chExt cx="0" cy="0"/>
+        </a:xfrm>
+      </p:grpSpPr>
+      <p:sp>
+        <p:nvSpPr>
+          <p:cNvPr id="2" name="Title 1">
+            <a:extLst>
+              <a:ext uri="{FF2B5EF4-FFF2-40B4-BE49-F238E27FC236}">
+                <a16:creationId xmlns:a16="http://schemas.microsoft.com/office/drawing/2014/main" id="{F5D16B28-54D6-C3B2-5751-B972E16E2C69}"/>
+              </a:ext>
+            </a:extLst>
+          </p:cNvPr>
+          <p:cNvSpPr>
+            <a:spLocks noGrp="1"/>
+          </p:cNvSpPr>
+          <p:nvPr>
+            <p:ph type="title"/>
+          </p:nvPr>
+        </p:nvSpPr>
+        <p:spPr/>
+        <p:txBody>
+          <a:bodyPr/>
+          <a:lstStyle/>
+          <a:p>
+            <a:r>
+              <a:rPr lang="en-US" dirty="0"/>
+              <a:t>Packaging microservices</a:t>
+            </a:r>
+          </a:p>
+        </p:txBody>
+      </p:sp>
+      <p:sp>
+        <p:nvSpPr>
+          <p:cNvPr id="3" name="Content Placeholder 2">
+            <a:extLst>
+              <a:ext uri="{FF2B5EF4-FFF2-40B4-BE49-F238E27FC236}">
+                <a16:creationId xmlns:a16="http://schemas.microsoft.com/office/drawing/2014/main" id="{2F33A1D6-5C4B-1691-2AAD-5347FFA8B903}"/>
+              </a:ext>
+            </a:extLst>
+          </p:cNvPr>
+          <p:cNvSpPr>
+            <a:spLocks noGrp="1"/>
+          </p:cNvSpPr>
+          <p:nvPr>
+            <p:ph idx="1"/>
+          </p:nvPr>
+        </p:nvSpPr>
+        <p:spPr/>
+        <p:txBody>
+          <a:bodyPr/>
+          <a:lstStyle/>
+          <a:p>
+            <a:r>
+              <a:rPr lang="en-US" dirty="0"/>
+              <a:t>Each microservice becomes a container</a:t>
+            </a:r>
+          </a:p>
+          <a:p>
+            <a:r>
+              <a:rPr lang="en-US" dirty="0"/>
+              <a:t>Place containers with high intercommunication needs into a pod.</a:t>
+            </a:r>
+          </a:p>
+        </p:txBody>
+      </p:sp>
+    </p:spTree>
+    <p:extLst>
+      <p:ext uri="{BB962C8B-B14F-4D97-AF65-F5344CB8AC3E}">
+        <p14:creationId xmlns:p14="http://schemas.microsoft.com/office/powerpoint/2010/main" val="2797595005"/>
+      </p:ext>
+    </p:extLst>
+  </p:cSld>
+  <p:clrMapOvr>
+    <a:masterClrMapping/>
+  </p:clrMapOvr>
+</p:sld>
+</file>
+
+<file path=ppt/slides/slide29.xml><?xml version="1.0" encoding="utf-8"?>
+<p:sld xmlns:a="http://schemas.openxmlformats.org/drawingml/2006/main" xmlns:r="http://schemas.openxmlformats.org/officeDocument/2006/relationships" xmlns:p="http://schemas.openxmlformats.org/presentationml/2006/main">
+  <p:cSld>
+    <p:spTree>
+      <p:nvGrpSpPr>
+        <p:cNvPr id="1" name=""/>
+        <p:cNvGrpSpPr/>
+        <p:nvPr/>
+      </p:nvGrpSpPr>
+      <p:grpSpPr>
+        <a:xfrm>
+          <a:off x="0" y="0"/>
+          <a:ext cx="0" cy="0"/>
+          <a:chOff x="0" y="0"/>
+          <a:chExt cx="0" cy="0"/>
+        </a:xfrm>
+      </p:grpSpPr>
+      <p:sp>
+        <p:nvSpPr>
+          <p:cNvPr id="2" name="Title 1">
+            <a:extLst>
+              <a:ext uri="{FF2B5EF4-FFF2-40B4-BE49-F238E27FC236}">
+                <a16:creationId xmlns:a16="http://schemas.microsoft.com/office/drawing/2014/main" id="{755D9365-4993-8C9A-E74E-79EB68AD70EC}"/>
+              </a:ext>
+            </a:extLst>
+          </p:cNvPr>
+          <p:cNvSpPr>
+            <a:spLocks noGrp="1"/>
+          </p:cNvSpPr>
+          <p:nvPr>
+            <p:ph type="title"/>
+          </p:nvPr>
+        </p:nvSpPr>
+        <p:spPr/>
+        <p:txBody>
+          <a:bodyPr/>
+          <a:lstStyle/>
+          <a:p>
+            <a:r>
+              <a:rPr lang="en-US" dirty="0"/>
+              <a:t>Summary</a:t>
+            </a:r>
+          </a:p>
+        </p:txBody>
+      </p:sp>
+      <p:sp>
+        <p:nvSpPr>
+          <p:cNvPr id="3" name="Content Placeholder 2">
+            <a:extLst>
+              <a:ext uri="{FF2B5EF4-FFF2-40B4-BE49-F238E27FC236}">
+                <a16:creationId xmlns:a16="http://schemas.microsoft.com/office/drawing/2014/main" id="{2CC12C62-1819-6519-56BE-01F72D679B25}"/>
+              </a:ext>
+            </a:extLst>
+          </p:cNvPr>
+          <p:cNvSpPr>
+            <a:spLocks noGrp="1"/>
+          </p:cNvSpPr>
+          <p:nvPr>
+            <p:ph idx="1"/>
+          </p:nvPr>
+        </p:nvSpPr>
+        <p:spPr>
+          <a:xfrm>
+            <a:off x="685800" y="1752600"/>
+            <a:ext cx="7772400" cy="4038600"/>
+          </a:xfrm>
+        </p:spPr>
+        <p:txBody>
+          <a:bodyPr/>
+          <a:lstStyle/>
+          <a:p>
+            <a:pPr rtl="0" eaLnBrk="1" fontAlgn="base" hangingPunct="1"/>
+            <a:r>
+              <a:rPr lang="en-US" sz="2800" dirty="0">
+                <a:solidFill>
+                  <a:schemeClr val="tx1"/>
+                </a:solidFill>
+                <a:effectLst/>
+                <a:latin typeface="+mn-lt"/>
+                <a:ea typeface="+mn-ea"/>
+                <a:cs typeface="+mn-cs"/>
+              </a:rPr>
+              <a:t>Modifiability is the ability to make a change to the behavior of a system.</a:t>
+            </a:r>
+            <a:endParaRPr lang="en-US" sz="2800" dirty="0">
+              <a:effectLst/>
+            </a:endParaRPr>
+          </a:p>
+          <a:p>
+            <a:pPr rtl="0" eaLnBrk="1" fontAlgn="base" hangingPunct="1"/>
+            <a:r>
+              <a:rPr lang="en-US" sz="2800" dirty="0">
+                <a:solidFill>
+                  <a:schemeClr val="tx1"/>
+                </a:solidFill>
+                <a:effectLst/>
+                <a:latin typeface="+mn-lt"/>
+                <a:ea typeface="+mn-ea"/>
+                <a:cs typeface="+mn-cs"/>
+              </a:rPr>
+              <a:t>The changes can occur at</a:t>
+            </a:r>
+            <a:endParaRPr lang="en-US" dirty="0">
+              <a:effectLst/>
+            </a:endParaRPr>
+          </a:p>
+          <a:p>
+            <a:pPr lvl="1"/>
+            <a:r>
+              <a:rPr lang="en-US" dirty="0">
+                <a:solidFill>
+                  <a:schemeClr val="tx1"/>
+                </a:solidFill>
+                <a:effectLst/>
+                <a:latin typeface="+mn-lt"/>
+                <a:ea typeface="+mn-ea"/>
+                <a:cs typeface="+mn-cs"/>
+              </a:rPr>
+              <a:t>Compile time through code changes</a:t>
+            </a:r>
+            <a:endParaRPr lang="en-US" dirty="0">
+              <a:effectLst/>
+            </a:endParaRPr>
+          </a:p>
+          <a:p>
+            <a:pPr lvl="1"/>
+            <a:r>
+              <a:rPr lang="en-US" dirty="0">
+                <a:solidFill>
+                  <a:schemeClr val="tx1"/>
+                </a:solidFill>
+                <a:effectLst/>
+                <a:latin typeface="+mn-lt"/>
+                <a:ea typeface="+mn-ea"/>
+                <a:cs typeface="+mn-cs"/>
+              </a:rPr>
+              <a:t>Build time through incorporation of different dependencies</a:t>
+            </a:r>
+            <a:endParaRPr lang="en-US" dirty="0">
+              <a:effectLst/>
+            </a:endParaRPr>
+          </a:p>
+          <a:p>
+            <a:pPr lvl="1"/>
+            <a:r>
+              <a:rPr lang="en-US" dirty="0">
+                <a:solidFill>
+                  <a:schemeClr val="tx1"/>
+                </a:solidFill>
+                <a:effectLst/>
+                <a:latin typeface="+mn-lt"/>
+                <a:ea typeface="+mn-ea"/>
+                <a:cs typeface="+mn-cs"/>
+              </a:rPr>
+              <a:t>Initialization time through configuration parameters </a:t>
+            </a:r>
+            <a:endParaRPr lang="en-US" dirty="0"/>
+          </a:p>
+          <a:p>
+            <a:pPr lvl="1"/>
+            <a:r>
+              <a:rPr lang="en-US" dirty="0">
+                <a:solidFill>
+                  <a:schemeClr val="tx1"/>
+                </a:solidFill>
+                <a:effectLst/>
+                <a:latin typeface="+mn-lt"/>
+                <a:ea typeface="+mn-ea"/>
+                <a:cs typeface="+mn-cs"/>
+              </a:rPr>
+              <a:t>Run time </a:t>
+            </a:r>
+            <a:r>
+              <a:rPr lang="en-US">
+                <a:solidFill>
+                  <a:schemeClr val="tx1"/>
+                </a:solidFill>
+                <a:effectLst/>
+                <a:latin typeface="+mn-lt"/>
+                <a:ea typeface="+mn-ea"/>
+                <a:cs typeface="+mn-cs"/>
+              </a:rPr>
+              <a:t>through discovery</a:t>
+            </a:r>
+            <a:endParaRPr lang="en-US" dirty="0">
+              <a:solidFill>
+                <a:schemeClr val="tx1"/>
+              </a:solidFill>
+              <a:effectLst/>
+              <a:latin typeface="+mn-lt"/>
+              <a:ea typeface="+mn-ea"/>
+              <a:cs typeface="+mn-cs"/>
+            </a:endParaRPr>
+          </a:p>
+          <a:p>
+            <a:pPr rtl="0" eaLnBrk="1" fontAlgn="base" hangingPunct="1"/>
+            <a:r>
+              <a:rPr lang="en-US" dirty="0"/>
+              <a:t>Ensure microservices are not highly coupled</a:t>
+            </a:r>
+            <a:endParaRPr lang="en-US" dirty="0">
+              <a:effectLst/>
+            </a:endParaRPr>
+          </a:p>
+          <a:p>
+            <a:endParaRPr lang="en-US" dirty="0"/>
+          </a:p>
+        </p:txBody>
+      </p:sp>
+    </p:spTree>
+    <p:extLst>
+      <p:ext uri="{BB962C8B-B14F-4D97-AF65-F5344CB8AC3E}">
+        <p14:creationId xmlns:p14="http://schemas.microsoft.com/office/powerpoint/2010/main" val="2282532488"/>
+      </p:ext>
+    </p:extLst>
+  </p:cSld>
+  <p:clrMapOvr>
+    <a:masterClrMapping/>
+  </p:clrMapOvr>
+</p:sld>
+</file>
+
+<file path=ppt/slides/slide3.xml><?xml version="1.0" encoding="utf-8"?>
+<p:sld xmlns:a="http://schemas.openxmlformats.org/drawingml/2006/main" xmlns:r="http://schemas.openxmlformats.org/officeDocument/2006/relationships" xmlns:p="http://schemas.openxmlformats.org/presentationml/2006/main">
+  <p:cSld>
+    <p:spTree>
+      <p:nvGrpSpPr>
+        <p:cNvPr id="1" name=""/>
+        <p:cNvGrpSpPr/>
+        <p:nvPr/>
+      </p:nvGrpSpPr>
+      <p:grpSpPr>
+        <a:xfrm>
+          <a:off x="0" y="0"/>
+          <a:ext cx="0" cy="0"/>
+          <a:chOff x="0" y="0"/>
+          <a:chExt cx="0" cy="0"/>
+        </a:xfrm>
+      </p:grpSpPr>
+      <p:sp>
+        <p:nvSpPr>
+          <p:cNvPr id="2" name="Title 1">
+            <a:extLst>
+              <a:ext uri="{FF2B5EF4-FFF2-40B4-BE49-F238E27FC236}">
+                <a16:creationId xmlns:a16="http://schemas.microsoft.com/office/drawing/2014/main" id="{95067248-D0C9-951C-5018-B9D02F1CB0B6}"/>
+              </a:ext>
+            </a:extLst>
+          </p:cNvPr>
+          <p:cNvSpPr>
+            <a:spLocks noGrp="1"/>
+          </p:cNvSpPr>
+          <p:nvPr>
+            <p:ph type="title"/>
+          </p:nvPr>
+        </p:nvSpPr>
+        <p:spPr/>
+        <p:txBody>
+          <a:bodyPr/>
+          <a:lstStyle/>
+          <a:p>
+            <a:r>
+              <a:rPr lang="en-US" dirty="0"/>
+              <a:t>Outline</a:t>
+            </a:r>
+          </a:p>
+        </p:txBody>
+      </p:sp>
+      <p:sp>
+        <p:nvSpPr>
+          <p:cNvPr id="3" name="Content Placeholder 2">
+            <a:extLst>
+              <a:ext uri="{FF2B5EF4-FFF2-40B4-BE49-F238E27FC236}">
+                <a16:creationId xmlns:a16="http://schemas.microsoft.com/office/drawing/2014/main" id="{787A5C4D-5480-817C-854A-EF5172E1F91B}"/>
+              </a:ext>
+            </a:extLst>
+          </p:cNvPr>
+          <p:cNvSpPr>
+            <a:spLocks noGrp="1"/>
+          </p:cNvSpPr>
+          <p:nvPr>
+            <p:ph idx="1"/>
+          </p:nvPr>
+        </p:nvSpPr>
+        <p:spPr/>
+        <p:txBody>
+          <a:bodyPr/>
+          <a:lstStyle/>
+          <a:p>
+            <a:r>
+              <a:rPr lang="en-US" b="1" dirty="0"/>
+              <a:t>Introduction</a:t>
+            </a:r>
+          </a:p>
+          <a:p>
+            <a:r>
+              <a:rPr lang="en-US" dirty="0"/>
+              <a:t>Compile time changes</a:t>
+            </a:r>
+          </a:p>
+          <a:p>
+            <a:r>
+              <a:rPr lang="en-US" dirty="0"/>
+              <a:t>Build time changes</a:t>
+            </a:r>
+          </a:p>
+          <a:p>
+            <a:r>
+              <a:rPr lang="en-US" dirty="0"/>
+              <a:t>Installation time changes</a:t>
+            </a:r>
+          </a:p>
+          <a:p>
+            <a:r>
+              <a:rPr lang="en-US" dirty="0"/>
+              <a:t>Run time changes</a:t>
+            </a:r>
+          </a:p>
+          <a:p>
+            <a:r>
+              <a:rPr lang="en-US" dirty="0"/>
+              <a:t>Application to microservices</a:t>
+            </a:r>
+          </a:p>
+        </p:txBody>
+      </p:sp>
+    </p:spTree>
+    <p:extLst>
+      <p:ext uri="{BB962C8B-B14F-4D97-AF65-F5344CB8AC3E}">
+        <p14:creationId xmlns:p14="http://schemas.microsoft.com/office/powerpoint/2010/main" val="1306959949"/>
+      </p:ext>
+    </p:extLst>
+  </p:cSld>
+  <p:clrMapOvr>
+    <a:masterClrMapping/>
+  </p:clrMapOvr>
+</p:sld>
+</file>
+
+<file path=ppt/slides/slide4.xml><?xml version="1.0" encoding="utf-8"?>
+<p:sld xmlns:a="http://schemas.openxmlformats.org/drawingml/2006/main" xmlns:r="http://schemas.openxmlformats.org/officeDocument/2006/relationships" xmlns:p="http://schemas.openxmlformats.org/presentationml/2006/main">
+  <p:cSld>
+    <p:spTree>
+      <p:nvGrpSpPr>
+        <p:cNvPr id="1" name=""/>
+        <p:cNvGrpSpPr/>
+        <p:nvPr/>
+      </p:nvGrpSpPr>
+      <p:grpSpPr>
+        <a:xfrm>
+          <a:off x="0" y="0"/>
+          <a:ext cx="0" cy="0"/>
+          <a:chOff x="0" y="0"/>
+          <a:chExt cx="0" cy="0"/>
+        </a:xfrm>
+      </p:grpSpPr>
+      <p:sp>
+        <p:nvSpPr>
+          <p:cNvPr id="2" name="Title 1">
+            <a:extLst>
+              <a:ext uri="{FF2B5EF4-FFF2-40B4-BE49-F238E27FC236}">
+                <a16:creationId xmlns:a16="http://schemas.microsoft.com/office/drawing/2014/main" id="{CE32338D-457A-0149-76D0-43FE2DDCD603}"/>
+              </a:ext>
+            </a:extLst>
+          </p:cNvPr>
+          <p:cNvSpPr>
+            <a:spLocks noGrp="1"/>
+          </p:cNvSpPr>
+          <p:nvPr>
+            <p:ph type="title"/>
+          </p:nvPr>
+        </p:nvSpPr>
+        <p:spPr/>
+        <p:txBody>
+          <a:bodyPr/>
+          <a:lstStyle/>
+          <a:p>
+            <a:r>
+              <a:rPr lang="en-US" dirty="0"/>
+              <a:t>Modifiability</a:t>
+            </a:r>
+          </a:p>
+        </p:txBody>
+      </p:sp>
+      <p:sp>
+        <p:nvSpPr>
+          <p:cNvPr id="3" name="Content Placeholder 2">
+            <a:extLst>
+              <a:ext uri="{FF2B5EF4-FFF2-40B4-BE49-F238E27FC236}">
+                <a16:creationId xmlns:a16="http://schemas.microsoft.com/office/drawing/2014/main" id="{4809B053-74E8-5C5F-0856-34FCB62BE328}"/>
+              </a:ext>
+            </a:extLst>
+          </p:cNvPr>
+          <p:cNvSpPr>
+            <a:spLocks noGrp="1"/>
+          </p:cNvSpPr>
+          <p:nvPr>
+            <p:ph idx="1"/>
+          </p:nvPr>
+        </p:nvSpPr>
+        <p:spPr/>
+        <p:txBody>
+          <a:bodyPr/>
+          <a:lstStyle/>
+          <a:p>
+            <a:r>
+              <a:rPr lang="en-US" dirty="0"/>
+              <a:t>Modifiability is the ability to make a change to the behavior of a system.</a:t>
+            </a:r>
+            <a:endParaRPr lang="en-US" sz="2400" dirty="0">
+              <a:effectLst/>
+            </a:endParaRPr>
+          </a:p>
+          <a:p>
+            <a:pPr indent="-285750"/>
+            <a:r>
+              <a:rPr lang="en-US" dirty="0"/>
+              <a:t>The changes can occur at</a:t>
+            </a:r>
+          </a:p>
+          <a:p>
+            <a:pPr lvl="1"/>
+            <a:r>
+              <a:rPr lang="en-US" dirty="0">
+                <a:effectLst/>
+              </a:rPr>
+              <a:t>Compile time through code changes</a:t>
+            </a:r>
+          </a:p>
+          <a:p>
+            <a:pPr lvl="1"/>
+            <a:r>
+              <a:rPr lang="en-US" dirty="0"/>
+              <a:t>Build time through incorporation of different dependencies</a:t>
+            </a:r>
+          </a:p>
+          <a:p>
+            <a:pPr lvl="1"/>
+            <a:r>
+              <a:rPr lang="en-US" dirty="0"/>
+              <a:t>Initialization time through configuration parameters or discovery</a:t>
+            </a:r>
+          </a:p>
+          <a:p>
+            <a:pPr lvl="1"/>
+            <a:r>
+              <a:rPr lang="en-US" dirty="0"/>
+              <a:t>Run time through either configuration parameters or particular types of input.</a:t>
+            </a:r>
+          </a:p>
+          <a:p>
+            <a:pPr lvl="1"/>
+            <a:endParaRPr lang="en-US" dirty="0">
+              <a:effectLst/>
+            </a:endParaRPr>
+          </a:p>
+        </p:txBody>
+      </p:sp>
+    </p:spTree>
+    <p:extLst>
+      <p:ext uri="{BB962C8B-B14F-4D97-AF65-F5344CB8AC3E}">
+        <p14:creationId xmlns:p14="http://schemas.microsoft.com/office/powerpoint/2010/main" val="3497663658"/>
+      </p:ext>
+    </p:extLst>
+  </p:cSld>
+  <p:clrMapOvr>
+    <a:masterClrMapping/>
+  </p:clrMapOvr>
+</p:sld>
+</file>
+
+<file path=ppt/slides/slide5.xml><?xml version="1.0" encoding="utf-8"?>
+<p:sld xmlns:a="http://schemas.openxmlformats.org/drawingml/2006/main" xmlns:r="http://schemas.openxmlformats.org/officeDocument/2006/relationships" xmlns:p="http://schemas.openxmlformats.org/presentationml/2006/main">
+  <p:cSld>
+    <p:spTree>
+      <p:nvGrpSpPr>
+        <p:cNvPr id="1" name=""/>
+        <p:cNvGrpSpPr/>
+        <p:nvPr/>
+      </p:nvGrpSpPr>
+      <p:grpSpPr>
+        <a:xfrm>
+          <a:off x="0" y="0"/>
+          <a:ext cx="0" cy="0"/>
+          <a:chOff x="0" y="0"/>
+          <a:chExt cx="0" cy="0"/>
+        </a:xfrm>
+      </p:grpSpPr>
+      <p:sp>
+        <p:nvSpPr>
+          <p:cNvPr id="2" name="Title 1">
+            <a:extLst>
+              <a:ext uri="{FF2B5EF4-FFF2-40B4-BE49-F238E27FC236}">
+                <a16:creationId xmlns:a16="http://schemas.microsoft.com/office/drawing/2014/main" id="{95067248-D0C9-951C-5018-B9D02F1CB0B6}"/>
+              </a:ext>
+            </a:extLst>
+          </p:cNvPr>
+          <p:cNvSpPr>
+            <a:spLocks noGrp="1"/>
+          </p:cNvSpPr>
+          <p:nvPr>
+            <p:ph type="title"/>
+          </p:nvPr>
+        </p:nvSpPr>
+        <p:spPr/>
+        <p:txBody>
+          <a:bodyPr/>
+          <a:lstStyle/>
+          <a:p>
+            <a:r>
+              <a:rPr lang="en-US" dirty="0"/>
+              <a:t>Outline</a:t>
+            </a:r>
+          </a:p>
+        </p:txBody>
+      </p:sp>
+      <p:sp>
+        <p:nvSpPr>
+          <p:cNvPr id="3" name="Content Placeholder 2">
+            <a:extLst>
+              <a:ext uri="{FF2B5EF4-FFF2-40B4-BE49-F238E27FC236}">
+                <a16:creationId xmlns:a16="http://schemas.microsoft.com/office/drawing/2014/main" id="{787A5C4D-5480-817C-854A-EF5172E1F91B}"/>
+              </a:ext>
+            </a:extLst>
+          </p:cNvPr>
+          <p:cNvSpPr>
+            <a:spLocks noGrp="1"/>
+          </p:cNvSpPr>
+          <p:nvPr>
+            <p:ph idx="1"/>
+          </p:nvPr>
+        </p:nvSpPr>
+        <p:spPr/>
+        <p:txBody>
+          <a:bodyPr/>
+          <a:lstStyle/>
+          <a:p>
+            <a:r>
+              <a:rPr lang="en-US" dirty="0"/>
+              <a:t>Introduction</a:t>
+            </a:r>
+          </a:p>
+          <a:p>
+            <a:r>
+              <a:rPr lang="en-US" b="1" dirty="0"/>
+              <a:t>Compile time changes</a:t>
+            </a:r>
+          </a:p>
+          <a:p>
+            <a:r>
+              <a:rPr lang="en-US" dirty="0"/>
+              <a:t>Build time changes</a:t>
+            </a:r>
+          </a:p>
+          <a:p>
+            <a:r>
+              <a:rPr lang="en-US" dirty="0"/>
+              <a:t>Installation time changes</a:t>
+            </a:r>
+          </a:p>
+          <a:p>
+            <a:r>
+              <a:rPr lang="en-US" dirty="0"/>
+              <a:t>Run time changes</a:t>
+            </a:r>
+          </a:p>
+          <a:p>
+            <a:r>
+              <a:rPr lang="en-US" dirty="0"/>
+              <a:t>Application to microservices</a:t>
+            </a:r>
+          </a:p>
+        </p:txBody>
+      </p:sp>
+    </p:spTree>
+    <p:extLst>
+      <p:ext uri="{BB962C8B-B14F-4D97-AF65-F5344CB8AC3E}">
+        <p14:creationId xmlns:p14="http://schemas.microsoft.com/office/powerpoint/2010/main" val="81358419"/>
+      </p:ext>
+    </p:extLst>
+  </p:cSld>
+  <p:clrMapOvr>
+    <a:masterClrMapping/>
+  </p:clrMapOvr>
+</p:sld>
+</file>
+
+<file path=ppt/slides/slide6.xml><?xml version="1.0" encoding="utf-8"?>
+<p:sld xmlns:a="http://schemas.openxmlformats.org/drawingml/2006/main" xmlns:r="http://schemas.openxmlformats.org/officeDocument/2006/relationships" xmlns:p="http://schemas.openxmlformats.org/presentationml/2006/main">
+  <p:cSld>
+    <p:spTree>
+      <p:nvGrpSpPr>
+        <p:cNvPr id="1" name=""/>
+        <p:cNvGrpSpPr/>
+        <p:nvPr/>
+      </p:nvGrpSpPr>
+      <p:grpSpPr>
+        <a:xfrm>
+          <a:off x="0" y="0"/>
+          <a:ext cx="0" cy="0"/>
+          <a:chOff x="0" y="0"/>
+          <a:chExt cx="0" cy="0"/>
+        </a:xfrm>
+      </p:grpSpPr>
+      <p:sp>
+        <p:nvSpPr>
+          <p:cNvPr id="2" name="Title 1">
+            <a:extLst>
+              <a:ext uri="{FF2B5EF4-FFF2-40B4-BE49-F238E27FC236}">
+                <a16:creationId xmlns:a16="http://schemas.microsoft.com/office/drawing/2014/main" id="{228D3A4C-A888-000B-EBDD-FBC048C3C415}"/>
+              </a:ext>
+            </a:extLst>
+          </p:cNvPr>
+          <p:cNvSpPr>
+            <a:spLocks noGrp="1"/>
+          </p:cNvSpPr>
+          <p:nvPr>
+            <p:ph type="title"/>
+          </p:nvPr>
+        </p:nvSpPr>
+        <p:spPr/>
+        <p:txBody>
+          <a:bodyPr/>
+          <a:lstStyle/>
+          <a:p>
+            <a:r>
+              <a:rPr lang="en-US" dirty="0"/>
+              <a:t>Compile time changes</a:t>
+            </a:r>
+          </a:p>
+        </p:txBody>
+      </p:sp>
+      <p:sp>
+        <p:nvSpPr>
+          <p:cNvPr id="3" name="Content Placeholder 2">
+            <a:extLst>
+              <a:ext uri="{FF2B5EF4-FFF2-40B4-BE49-F238E27FC236}">
+                <a16:creationId xmlns:a16="http://schemas.microsoft.com/office/drawing/2014/main" id="{61D9B2D0-FFA4-B4F3-CFFC-6E4E1BE0C99C}"/>
+              </a:ext>
+            </a:extLst>
+          </p:cNvPr>
+          <p:cNvSpPr>
+            <a:spLocks noGrp="1"/>
+          </p:cNvSpPr>
+          <p:nvPr>
+            <p:ph idx="1"/>
+          </p:nvPr>
+        </p:nvSpPr>
+        <p:spPr/>
+        <p:txBody>
+          <a:bodyPr/>
+          <a:lstStyle/>
+          <a:p>
+            <a:pPr marL="0" indent="0">
+              <a:buNone/>
+            </a:pPr>
+            <a:r>
+              <a:rPr lang="en-US" dirty="0"/>
+              <a:t>Key concepts are coupling</a:t>
+            </a:r>
+            <a:r>
+              <a:rPr lang="en-US" baseline="0" dirty="0"/>
+              <a:t> and cohesion.</a:t>
+            </a:r>
+          </a:p>
+          <a:p>
+            <a:pPr marL="0" indent="0">
+              <a:buNone/>
+            </a:pPr>
+            <a:r>
+              <a:rPr lang="en-US" baseline="0" dirty="0"/>
+              <a:t>Coupling: An overlap in responsibilities among modules.</a:t>
+            </a:r>
+          </a:p>
+          <a:p>
+            <a:pPr marL="0" indent="0">
+              <a:buNone/>
+            </a:pPr>
+            <a:r>
+              <a:rPr lang="en-US" dirty="0"/>
+              <a:t>Cohesion: The relation between the responsibilities in one module.</a:t>
+            </a:r>
+          </a:p>
+        </p:txBody>
+      </p:sp>
+    </p:spTree>
+    <p:extLst>
+      <p:ext uri="{BB962C8B-B14F-4D97-AF65-F5344CB8AC3E}">
+        <p14:creationId xmlns:p14="http://schemas.microsoft.com/office/powerpoint/2010/main" val="2467326934"/>
+      </p:ext>
+    </p:extLst>
+  </p:cSld>
+  <p:clrMapOvr>
+    <a:masterClrMapping/>
+  </p:clrMapOvr>
+</p:sld>
+</file>
+
+<file path=ppt/slides/slide7.xml><?xml version="1.0" encoding="utf-8"?>
+<p:sld xmlns:a="http://schemas.openxmlformats.org/drawingml/2006/main" xmlns:r="http://schemas.openxmlformats.org/officeDocument/2006/relationships" xmlns:p="http://schemas.openxmlformats.org/presentationml/2006/main">
+  <p:cSld>
+    <p:spTree>
+      <p:nvGrpSpPr>
+        <p:cNvPr id="1" name=""/>
+        <p:cNvGrpSpPr/>
+        <p:nvPr/>
+      </p:nvGrpSpPr>
+      <p:grpSpPr>
+        <a:xfrm>
+          <a:off x="0" y="0"/>
+          <a:ext cx="0" cy="0"/>
+          <a:chOff x="0" y="0"/>
+          <a:chExt cx="0" cy="0"/>
+        </a:xfrm>
+      </p:grpSpPr>
+      <p:sp>
+        <p:nvSpPr>
+          <p:cNvPr id="2" name="Title 1">
+            <a:extLst>
+              <a:ext uri="{FF2B5EF4-FFF2-40B4-BE49-F238E27FC236}">
+                <a16:creationId xmlns:a16="http://schemas.microsoft.com/office/drawing/2014/main" id="{2549555F-E674-A4F9-1F9C-D1D20A78E9EA}"/>
+              </a:ext>
+            </a:extLst>
+          </p:cNvPr>
+          <p:cNvSpPr>
+            <a:spLocks noGrp="1"/>
+          </p:cNvSpPr>
+          <p:nvPr>
+            <p:ph type="title"/>
+          </p:nvPr>
+        </p:nvSpPr>
+        <p:spPr/>
+        <p:txBody>
+          <a:bodyPr/>
+          <a:lstStyle/>
+          <a:p>
+            <a:r>
+              <a:rPr lang="en-US" dirty="0"/>
+              <a:t>Make</a:t>
+            </a:r>
+            <a:r>
+              <a:rPr lang="en-US" baseline="0" dirty="0"/>
+              <a:t> modifications easier</a:t>
+            </a:r>
+            <a:endParaRPr lang="en-US" dirty="0"/>
+          </a:p>
+        </p:txBody>
+      </p:sp>
+      <p:sp>
+        <p:nvSpPr>
+          <p:cNvPr id="3" name="Content Placeholder 2">
+            <a:extLst>
+              <a:ext uri="{FF2B5EF4-FFF2-40B4-BE49-F238E27FC236}">
+                <a16:creationId xmlns:a16="http://schemas.microsoft.com/office/drawing/2014/main" id="{199EFCAA-26C8-9207-5C77-93743E1C59BE}"/>
+              </a:ext>
+            </a:extLst>
+          </p:cNvPr>
+          <p:cNvSpPr>
+            <a:spLocks noGrp="1"/>
+          </p:cNvSpPr>
+          <p:nvPr>
+            <p:ph idx="1"/>
+          </p:nvPr>
+        </p:nvSpPr>
+        <p:spPr/>
+        <p:txBody>
+          <a:bodyPr/>
+          <a:lstStyle/>
+          <a:p>
+            <a:r>
+              <a:rPr lang="en-US" dirty="0"/>
+              <a:t>Modifications localized to one module are easier.</a:t>
+            </a:r>
+          </a:p>
+          <a:p>
+            <a:r>
+              <a:rPr lang="en-US" dirty="0"/>
+              <a:t>Strive for high cohesion and low coupling.</a:t>
+            </a:r>
+          </a:p>
+          <a:p>
+            <a:r>
+              <a:rPr lang="en-US" dirty="0"/>
+              <a:t>Makes it more likely that changes are localized to one module.</a:t>
+            </a:r>
+          </a:p>
+          <a:p>
+            <a:r>
+              <a:rPr lang="en-US" dirty="0"/>
+              <a:t>Test with change scenarios</a:t>
+            </a:r>
+          </a:p>
+          <a:p>
+            <a:endParaRPr lang="en-US" dirty="0"/>
+          </a:p>
+        </p:txBody>
+      </p:sp>
+    </p:spTree>
+    <p:extLst>
+      <p:ext uri="{BB962C8B-B14F-4D97-AF65-F5344CB8AC3E}">
+        <p14:creationId xmlns:p14="http://schemas.microsoft.com/office/powerpoint/2010/main" val="1343341013"/>
+      </p:ext>
+    </p:extLst>
+  </p:cSld>
+  <p:clrMapOvr>
+    <a:masterClrMapping/>
+  </p:clrMapOvr>
+</p:sld>
+</file>
+
 <file path=ppt/slides/slide8.xml><?xml version="1.0" encoding="utf-8"?>
 <p:sld xmlns:a="http://schemas.openxmlformats.org/drawingml/2006/main" xmlns:r="http://schemas.openxmlformats.org/officeDocument/2006/relationships" xmlns:p="http://schemas.openxmlformats.org/presentationml/2006/main">
   <p:cSld>
@@ -5390,7 +7217,7 @@
           <p:cNvPr id="2" name="Title 1">
             <a:extLst>
               <a:ext uri="{FF2B5EF4-FFF2-40B4-BE49-F238E27FC236}">
-                <a16:creationId xmlns:a16="http://schemas.microsoft.com/office/drawing/2014/main" id="{95067248-D0C9-951C-5018-B9D02F1CB0B6}"/>
+                <a16:creationId xmlns:a16="http://schemas.microsoft.com/office/drawing/2014/main" id="{457195AF-BD72-BEEF-4A2D-F4E3A080D5CF}"/>
               </a:ext>
             </a:extLst>
           </p:cNvPr>
@@ -5408,59 +7235,224 @@
           <a:p>
             <a:r>
               <a:rPr lang="en-US" dirty="0"/>
-              <a:t>Outline</a:t>
-            </a:r>
-          </a:p>
-        </p:txBody>
-      </p:sp>
-      <p:sp>
-        <p:nvSpPr>
-          <p:cNvPr id="3" name="Content Placeholder 2">
+              <a:t>Coupling</a:t>
+            </a:r>
+          </a:p>
+        </p:txBody>
+      </p:sp>
+      <p:sp>
+        <p:nvSpPr>
+          <p:cNvPr id="4" name="Oval 3">
             <a:extLst>
               <a:ext uri="{FF2B5EF4-FFF2-40B4-BE49-F238E27FC236}">
-                <a16:creationId xmlns:a16="http://schemas.microsoft.com/office/drawing/2014/main" id="{787A5C4D-5480-817C-854A-EF5172E1F91B}"/>
+                <a16:creationId xmlns:a16="http://schemas.microsoft.com/office/drawing/2014/main" id="{DB0E99F1-2598-723F-9CE8-C0D75B626792}"/>
               </a:ext>
             </a:extLst>
           </p:cNvPr>
-          <p:cNvSpPr>
-            <a:spLocks noGrp="1"/>
-          </p:cNvSpPr>
-          <p:nvPr>
-            <p:ph idx="1"/>
-          </p:nvPr>
-        </p:nvSpPr>
-        <p:spPr/>
-        <p:txBody>
-          <a:bodyPr/>
+          <p:cNvSpPr/>
+          <p:nvPr/>
+        </p:nvSpPr>
+        <p:spPr bwMode="auto">
+          <a:xfrm>
+            <a:off x="3657600" y="2614056"/>
+            <a:ext cx="3124200" cy="1905000"/>
+          </a:xfrm>
+          <a:prstGeom prst="ellipse">
+            <a:avLst/>
+          </a:prstGeom>
+          <a:solidFill>
+            <a:srgbClr val="FF0000">
+              <a:alpha val="54902"/>
+            </a:srgbClr>
+          </a:solidFill>
+          <a:ln w="9525" cap="flat" cmpd="sng" algn="ctr">
+            <a:solidFill>
+              <a:schemeClr val="tx1"/>
+            </a:solidFill>
+            <a:prstDash val="solid"/>
+            <a:round/>
+            <a:headEnd type="none" w="med" len="med"/>
+            <a:tailEnd type="none" w="med" len="med"/>
+          </a:ln>
+          <a:effectLst/>
+          <a:extLst>
+            <a:ext uri="{AF507438-7753-43e0-B8FC-AC1667EBCBE1}">
+              <a14:hiddenEffects xmlns="" xmlns:a14="http://schemas.microsoft.com/office/drawing/2010/main">
+                <a:effectLst>
+                  <a:outerShdw blurRad="63500" dist="38099" dir="2700000" algn="ctr" rotWithShape="0">
+                    <a:schemeClr val="bg2">
+                      <a:alpha val="74998"/>
+                    </a:schemeClr>
+                  </a:outerShdw>
+                </a:effectLst>
+              </a14:hiddenEffects>
+            </a:ext>
+          </a:extLst>
+        </p:spPr>
+        <p:txBody>
+          <a:bodyPr vert="horz" wrap="square" lIns="91440" tIns="45720" rIns="91440" bIns="45720" numCol="1" rtlCol="0" anchor="t" anchorCtr="0" compatLnSpc="1">
+            <a:prstTxWarp prst="textNoShape">
+              <a:avLst/>
+            </a:prstTxWarp>
+          </a:bodyPr>
           <a:lstStyle/>
           <a:p>
-            <a:r>
-              <a:rPr lang="en-US" dirty="0"/>
-              <a:t>Introduction</a:t>
-            </a:r>
-          </a:p>
-          <a:p>
-            <a:r>
-              <a:rPr lang="en-US" dirty="0"/>
-              <a:t>Compile time changes</a:t>
-            </a:r>
-          </a:p>
-          <a:p>
-            <a:r>
-              <a:rPr lang="en-US" b="1" dirty="0"/>
-              <a:t>Build time changes</a:t>
-            </a:r>
-          </a:p>
-          <a:p>
-            <a:r>
-              <a:rPr lang="en-US" dirty="0"/>
-              <a:t>Installation time changes</a:t>
-            </a:r>
-          </a:p>
-          <a:p>
-            <a:r>
-              <a:rPr lang="en-US" dirty="0"/>
-              <a:t>Run time changes</a:t>
+            <a:pPr marL="0" marR="0" indent="0" algn="l" defTabSz="914400" rtl="0" eaLnBrk="0" fontAlgn="base" latinLnBrk="0" hangingPunct="0">
+              <a:lnSpc>
+                <a:spcPct val="100000"/>
+              </a:lnSpc>
+              <a:spcBef>
+                <a:spcPct val="0"/>
+              </a:spcBef>
+              <a:spcAft>
+                <a:spcPct val="0"/>
+              </a:spcAft>
+              <a:buClrTx/>
+              <a:buSzTx/>
+              <a:buFontTx/>
+              <a:buNone/>
+              <a:tabLst/>
+            </a:pPr>
+            <a:r>
+              <a:rPr kumimoji="0" lang="en-US" sz="2400" b="0" i="0" u="none" strike="noStrike" cap="none" normalizeH="0" baseline="0" dirty="0">
+                <a:ln>
+                  <a:noFill/>
+                </a:ln>
+                <a:solidFill>
+                  <a:srgbClr val="000000"/>
+                </a:solidFill>
+                <a:effectLst/>
+                <a:latin typeface="Times" charset="0"/>
+                <a:ea typeface="Osaka" charset="0"/>
+                <a:cs typeface="Osaka" charset="0"/>
+              </a:rPr>
+              <a:t>           Module 2</a:t>
+            </a:r>
+          </a:p>
+        </p:txBody>
+      </p:sp>
+      <p:sp>
+        <p:nvSpPr>
+          <p:cNvPr id="5" name="Oval 4">
+            <a:extLst>
+              <a:ext uri="{FF2B5EF4-FFF2-40B4-BE49-F238E27FC236}">
+                <a16:creationId xmlns:a16="http://schemas.microsoft.com/office/drawing/2014/main" id="{5F514F9E-D8B1-8E6C-92C5-B6B939681DA8}"/>
+              </a:ext>
+            </a:extLst>
+          </p:cNvPr>
+          <p:cNvSpPr/>
+          <p:nvPr/>
+        </p:nvSpPr>
+        <p:spPr bwMode="auto">
+          <a:xfrm>
+            <a:off x="1943100" y="2743200"/>
+            <a:ext cx="3124200" cy="1905000"/>
+          </a:xfrm>
+          <a:prstGeom prst="ellipse">
+            <a:avLst/>
+          </a:prstGeom>
+          <a:solidFill>
+            <a:schemeClr val="bg2">
+              <a:alpha val="65882"/>
+            </a:schemeClr>
+          </a:solidFill>
+          <a:ln w="9525" cap="flat" cmpd="sng" algn="ctr">
+            <a:solidFill>
+              <a:schemeClr val="tx1"/>
+            </a:solidFill>
+            <a:prstDash val="solid"/>
+            <a:round/>
+            <a:headEnd type="none" w="med" len="med"/>
+            <a:tailEnd type="none" w="med" len="med"/>
+          </a:ln>
+          <a:effectLst/>
+          <a:extLst>
+            <a:ext uri="{AF507438-7753-43e0-B8FC-AC1667EBCBE1}">
+              <a14:hiddenEffects xmlns="" xmlns:a14="http://schemas.microsoft.com/office/drawing/2010/main">
+                <a:effectLst>
+                  <a:outerShdw blurRad="63500" dist="38099" dir="2700000" algn="ctr" rotWithShape="0">
+                    <a:schemeClr val="bg2">
+                      <a:alpha val="74998"/>
+                    </a:schemeClr>
+                  </a:outerShdw>
+                </a:effectLst>
+              </a14:hiddenEffects>
+            </a:ext>
+          </a:extLst>
+        </p:spPr>
+        <p:txBody>
+          <a:bodyPr vert="horz" wrap="square" lIns="91440" tIns="45720" rIns="91440" bIns="45720" numCol="1" rtlCol="0" anchor="t" anchorCtr="0" compatLnSpc="1">
+            <a:prstTxWarp prst="textNoShape">
+              <a:avLst/>
+            </a:prstTxWarp>
+          </a:bodyPr>
+          <a:lstStyle/>
+          <a:p>
+            <a:pPr marL="0" marR="0" indent="0" algn="l" defTabSz="914400" rtl="0" eaLnBrk="0" fontAlgn="base" latinLnBrk="0" hangingPunct="0">
+              <a:lnSpc>
+                <a:spcPct val="100000"/>
+              </a:lnSpc>
+              <a:spcBef>
+                <a:spcPct val="0"/>
+              </a:spcBef>
+              <a:spcAft>
+                <a:spcPct val="0"/>
+              </a:spcAft>
+              <a:buClrTx/>
+              <a:buSzTx/>
+              <a:buFontTx/>
+              <a:buNone/>
+              <a:tabLst/>
+            </a:pPr>
+            <a:r>
+              <a:rPr kumimoji="0" lang="en-US" sz="2400" b="0" i="0" u="none" strike="noStrike" cap="none" normalizeH="0" baseline="0" dirty="0">
+                <a:ln>
+                  <a:noFill/>
+                </a:ln>
+                <a:solidFill>
+                  <a:srgbClr val="000000"/>
+                </a:solidFill>
+                <a:effectLst/>
+                <a:latin typeface="Times" charset="0"/>
+                <a:ea typeface="Osaka" charset="0"/>
+                <a:cs typeface="Osaka" charset="0"/>
+              </a:rPr>
+              <a:t>Module 1</a:t>
+            </a:r>
+          </a:p>
+        </p:txBody>
+      </p:sp>
+      <p:sp>
+        <p:nvSpPr>
+          <p:cNvPr id="6" name="TextBox 5">
+            <a:extLst>
+              <a:ext uri="{FF2B5EF4-FFF2-40B4-BE49-F238E27FC236}">
+                <a16:creationId xmlns:a16="http://schemas.microsoft.com/office/drawing/2014/main" id="{4B089B68-4ACA-1D88-F777-0B6898684E09}"/>
+              </a:ext>
+            </a:extLst>
+          </p:cNvPr>
+          <p:cNvSpPr txBox="1"/>
+          <p:nvPr/>
+        </p:nvSpPr>
+        <p:spPr>
+          <a:xfrm>
+            <a:off x="2133600" y="4953000"/>
+            <a:ext cx="5562600" cy="954107"/>
+          </a:xfrm>
+          <a:prstGeom prst="rect">
+            <a:avLst/>
+          </a:prstGeom>
+          <a:noFill/>
+        </p:spPr>
+        <p:txBody>
+          <a:bodyPr wrap="square" rtlCol="0">
+            <a:spAutoFit/>
+          </a:bodyPr>
+          <a:lstStyle/>
+          <a:p>
+            <a:r>
+              <a:rPr lang="en-US" sz="2800" dirty="0"/>
+              <a:t>Strong dependency of one module on another</a:t>
             </a:r>
           </a:p>
         </p:txBody>
@@ -5468,7 +7460,7 @@
     </p:spTree>
     <p:extLst>
       <p:ext uri="{BB962C8B-B14F-4D97-AF65-F5344CB8AC3E}">
-        <p14:creationId xmlns:p14="http://schemas.microsoft.com/office/powerpoint/2010/main" val="3888735851"/>
+        <p14:creationId xmlns:p14="http://schemas.microsoft.com/office/powerpoint/2010/main" val="3072752217"/>
       </p:ext>
     </p:extLst>
   </p:cSld>
@@ -5500,7 +7492,7 @@
           <p:cNvPr id="2" name="Title 1">
             <a:extLst>
               <a:ext uri="{FF2B5EF4-FFF2-40B4-BE49-F238E27FC236}">
-                <a16:creationId xmlns:a16="http://schemas.microsoft.com/office/drawing/2014/main" id="{C1370CCE-DA19-3242-7A6B-125103C6DE0D}"/>
+                <a16:creationId xmlns:a16="http://schemas.microsoft.com/office/drawing/2014/main" id="{0253D78E-1B4A-D8B3-0459-D47CB612601D}"/>
               </a:ext>
             </a:extLst>
           </p:cNvPr>
@@ -5518,13 +7510,8 @@
           <a:p>
             <a:r>
               <a:rPr lang="en-US" dirty="0"/>
-              <a:t>Build time </a:t>
-            </a:r>
-            <a:r>
-              <a:rPr lang="en-US" baseline="0" dirty="0"/>
-              <a:t>changes</a:t>
-            </a:r>
-            <a:endParaRPr lang="en-US" dirty="0"/>
+              <a:t>Determining high coupling</a:t>
+            </a:r>
           </a:p>
         </p:txBody>
       </p:sp>
@@ -5533,7 +7520,7 @@
           <p:cNvPr id="3" name="Content Placeholder 2">
             <a:extLst>
               <a:ext uri="{FF2B5EF4-FFF2-40B4-BE49-F238E27FC236}">
-                <a16:creationId xmlns:a16="http://schemas.microsoft.com/office/drawing/2014/main" id="{93F0409C-306C-AB4B-78BE-75974E7E83D9}"/>
+                <a16:creationId xmlns:a16="http://schemas.microsoft.com/office/drawing/2014/main" id="{F656D562-DC96-15BE-45A8-1F974450CD0A}"/>
               </a:ext>
             </a:extLst>
           </p:cNvPr>
@@ -5551,7 +7538,13 @@
           <a:p>
             <a:r>
               <a:rPr lang="en-US" dirty="0"/>
-              <a:t>Choose environment based dependency to reflect different environment</a:t>
+              <a:t>Using code – Design Structure Matrix (DSM)</a:t>
+            </a:r>
+          </a:p>
+          <a:p>
+            <a:r>
+              <a:rPr lang="en-US" dirty="0"/>
+              <a:t>After system in production –architecture debt hotspots</a:t>
             </a:r>
           </a:p>
           <a:p>
@@ -5562,7 +7555,7 @@
     </p:spTree>
     <p:extLst>
       <p:ext uri="{BB962C8B-B14F-4D97-AF65-F5344CB8AC3E}">
-        <p14:creationId xmlns:p14="http://schemas.microsoft.com/office/powerpoint/2010/main" val="2214640376"/>
+        <p14:creationId xmlns:p14="http://schemas.microsoft.com/office/powerpoint/2010/main" val="2837055215"/>
       </p:ext>
     </p:extLst>
   </p:cSld>

--- a/modifiaibility.pptx
+++ b/modifiaibility.pptx
@@ -5,41 +5,42 @@
     <p:sldMasterId id="2147483680" r:id="rId1"/>
   </p:sldMasterIdLst>
   <p:notesMasterIdLst>
-    <p:notesMasterId r:id="rId31"/>
+    <p:notesMasterId r:id="rId32"/>
   </p:notesMasterIdLst>
   <p:handoutMasterIdLst>
-    <p:handoutMasterId r:id="rId32"/>
+    <p:handoutMasterId r:id="rId33"/>
   </p:handoutMasterIdLst>
   <p:sldIdLst>
     <p:sldId id="256" r:id="rId2"/>
-    <p:sldId id="286" r:id="rId3"/>
-    <p:sldId id="265" r:id="rId4"/>
-    <p:sldId id="257" r:id="rId5"/>
-    <p:sldId id="278" r:id="rId6"/>
-    <p:sldId id="258" r:id="rId7"/>
-    <p:sldId id="260" r:id="rId8"/>
-    <p:sldId id="273" r:id="rId9"/>
-    <p:sldId id="289" r:id="rId10"/>
-    <p:sldId id="287" r:id="rId11"/>
-    <p:sldId id="290" r:id="rId12"/>
-    <p:sldId id="288" r:id="rId13"/>
-    <p:sldId id="291" r:id="rId14"/>
-    <p:sldId id="272" r:id="rId15"/>
-    <p:sldId id="259" r:id="rId16"/>
-    <p:sldId id="271" r:id="rId17"/>
-    <p:sldId id="277" r:id="rId18"/>
-    <p:sldId id="274" r:id="rId19"/>
-    <p:sldId id="261" r:id="rId20"/>
-    <p:sldId id="276" r:id="rId21"/>
-    <p:sldId id="263" r:id="rId22"/>
-    <p:sldId id="264" r:id="rId23"/>
-    <p:sldId id="281" r:id="rId24"/>
-    <p:sldId id="283" r:id="rId25"/>
-    <p:sldId id="282" r:id="rId26"/>
-    <p:sldId id="279" r:id="rId27"/>
-    <p:sldId id="284" r:id="rId28"/>
-    <p:sldId id="285" r:id="rId29"/>
-    <p:sldId id="270" r:id="rId30"/>
+    <p:sldId id="265" r:id="rId3"/>
+    <p:sldId id="257" r:id="rId4"/>
+    <p:sldId id="278" r:id="rId5"/>
+    <p:sldId id="258" r:id="rId6"/>
+    <p:sldId id="260" r:id="rId7"/>
+    <p:sldId id="273" r:id="rId8"/>
+    <p:sldId id="289" r:id="rId9"/>
+    <p:sldId id="287" r:id="rId10"/>
+    <p:sldId id="290" r:id="rId11"/>
+    <p:sldId id="288" r:id="rId12"/>
+    <p:sldId id="291" r:id="rId13"/>
+    <p:sldId id="272" r:id="rId14"/>
+    <p:sldId id="259" r:id="rId15"/>
+    <p:sldId id="271" r:id="rId16"/>
+    <p:sldId id="277" r:id="rId17"/>
+    <p:sldId id="274" r:id="rId18"/>
+    <p:sldId id="261" r:id="rId19"/>
+    <p:sldId id="276" r:id="rId20"/>
+    <p:sldId id="263" r:id="rId21"/>
+    <p:sldId id="264" r:id="rId22"/>
+    <p:sldId id="281" r:id="rId23"/>
+    <p:sldId id="283" r:id="rId24"/>
+    <p:sldId id="282" r:id="rId25"/>
+    <p:sldId id="279" r:id="rId26"/>
+    <p:sldId id="284" r:id="rId27"/>
+    <p:sldId id="285" r:id="rId28"/>
+    <p:sldId id="292" r:id="rId29"/>
+    <p:sldId id="293" r:id="rId30"/>
+    <p:sldId id="270" r:id="rId31"/>
   </p:sldIdLst>
   <p:sldSz cx="9144000" cy="6858000" type="screen4x3"/>
   <p:notesSz cx="7315200" cy="9601200"/>
@@ -1411,7 +1412,7 @@
           <a:effectLst/>
           <a:extLst>
             <a:ext uri="{AF507438-7753-43e0-B8FC-AC1667EBCBE1}">
-              <a14:hiddenEffects xmlns="" xmlns:a14="http://schemas.microsoft.com/office/drawing/2010/main">
+              <a14:hiddenEffects xmlns:a14="http://schemas.microsoft.com/office/drawing/2010/main" xmlns="">
                 <a:effectLst>
                   <a:outerShdw blurRad="63500" dist="38099" dir="2700000" algn="ctr" rotWithShape="0">
                     <a:schemeClr val="bg2">
@@ -2667,14 +2668,14 @@
           <a:effectLst/>
           <a:extLst>
             <a:ext uri="{909E8E84-426E-40dd-AFC4-6F175D3DCCD1}">
-              <a14:hiddenFill xmlns="" xmlns:a14="http://schemas.microsoft.com/office/drawing/2010/main">
+              <a14:hiddenFill xmlns:a14="http://schemas.microsoft.com/office/drawing/2010/main" xmlns="">
                 <a:solidFill>
                   <a:schemeClr val="accent1"/>
                 </a:solidFill>
               </a14:hiddenFill>
             </a:ext>
             <a:ext uri="{91240B29-F687-4f45-9708-019B960494DF}">
-              <a14:hiddenLine xmlns="" xmlns:a14="http://schemas.microsoft.com/office/drawing/2010/main" w="9525">
+              <a14:hiddenLine xmlns:a14="http://schemas.microsoft.com/office/drawing/2010/main" xmlns="" w="9525">
                 <a:solidFill>
                   <a:schemeClr val="tx1"/>
                 </a:solidFill>
@@ -2684,7 +2685,7 @@
               </a14:hiddenLine>
             </a:ext>
             <a:ext uri="{AF507438-7753-43e0-B8FC-AC1667EBCBE1}">
-              <a14:hiddenEffects xmlns="" xmlns:a14="http://schemas.microsoft.com/office/drawing/2010/main">
+              <a14:hiddenEffects xmlns:a14="http://schemas.microsoft.com/office/drawing/2010/main" xmlns="">
                 <a:effectLst>
                   <a:outerShdw blurRad="63500" dist="38099" dir="2700000" algn="ctr" rotWithShape="0">
                     <a:schemeClr val="bg2">
@@ -2695,7 +2696,7 @@
               </a14:hiddenEffects>
             </a:ext>
             <a:ext uri="{FAA26D3D-D897-4be2-8F04-BA451C77F1D7}">
-              <ma14:placeholderFlag xmlns="" xmlns:ma14="http://schemas.microsoft.com/office/mac/drawingml/2011/main" val="1"/>
+              <ma14:placeholderFlag xmlns:ma14="http://schemas.microsoft.com/office/mac/drawingml/2011/main" xmlns="" val="1"/>
             </a:ext>
           </a:extLst>
         </p:spPr>
@@ -2740,14 +2741,14 @@
           <a:effectLst/>
           <a:extLst>
             <a:ext uri="{909E8E84-426E-40dd-AFC4-6F175D3DCCD1}">
-              <a14:hiddenFill xmlns="" xmlns:a14="http://schemas.microsoft.com/office/drawing/2010/main">
+              <a14:hiddenFill xmlns:a14="http://schemas.microsoft.com/office/drawing/2010/main" xmlns="">
                 <a:solidFill>
                   <a:schemeClr val="accent1"/>
                 </a:solidFill>
               </a14:hiddenFill>
             </a:ext>
             <a:ext uri="{91240B29-F687-4f45-9708-019B960494DF}">
-              <a14:hiddenLine xmlns="" xmlns:a14="http://schemas.microsoft.com/office/drawing/2010/main" w="9525">
+              <a14:hiddenLine xmlns:a14="http://schemas.microsoft.com/office/drawing/2010/main" xmlns="" w="9525">
                 <a:solidFill>
                   <a:schemeClr val="tx1"/>
                 </a:solidFill>
@@ -2757,7 +2758,7 @@
               </a14:hiddenLine>
             </a:ext>
             <a:ext uri="{AF507438-7753-43e0-B8FC-AC1667EBCBE1}">
-              <a14:hiddenEffects xmlns="" xmlns:a14="http://schemas.microsoft.com/office/drawing/2010/main">
+              <a14:hiddenEffects xmlns:a14="http://schemas.microsoft.com/office/drawing/2010/main" xmlns="">
                 <a:effectLst>
                   <a:outerShdw blurRad="63500" dist="38099" dir="2700000" algn="ctr" rotWithShape="0">
                     <a:schemeClr val="bg2">
@@ -2768,7 +2769,7 @@
               </a14:hiddenEffects>
             </a:ext>
             <a:ext uri="{FAA26D3D-D897-4be2-8F04-BA451C77F1D7}">
-              <ma14:placeholderFlag xmlns="" xmlns:ma14="http://schemas.microsoft.com/office/mac/drawingml/2011/main" val="1"/>
+              <ma14:placeholderFlag xmlns:ma14="http://schemas.microsoft.com/office/mac/drawingml/2011/main" xmlns="" val="1"/>
             </a:ext>
           </a:extLst>
         </p:spPr>
@@ -2846,36 +2847,6 @@
             <a:headEnd/>
             <a:tailEnd/>
           </a:ln>
-        </p:spPr>
-      </p:pic>
-      <p:pic>
-        <p:nvPicPr>
-          <p:cNvPr id="3" name="Picture 2">
-            <a:extLst>
-              <a:ext uri="{FF2B5EF4-FFF2-40B4-BE49-F238E27FC236}">
-                <a16:creationId xmlns:a16="http://schemas.microsoft.com/office/drawing/2014/main" id="{D516B1DB-5E49-1EA2-8C18-34B3643D7DAB}"/>
-              </a:ext>
-            </a:extLst>
-          </p:cNvPr>
-          <p:cNvPicPr>
-            <a:picLocks noChangeAspect="1"/>
-          </p:cNvPicPr>
-          <p:nvPr userDrawn="1"/>
-        </p:nvPicPr>
-        <p:blipFill>
-          <a:blip r:embed="rId14"/>
-          <a:stretch>
-            <a:fillRect/>
-          </a:stretch>
-        </p:blipFill>
-        <p:spPr>
-          <a:xfrm>
-            <a:off x="7391400" y="6096000"/>
-            <a:ext cx="1388962" cy="563592"/>
-          </a:xfrm>
-          <a:prstGeom prst="rect">
-            <a:avLst/>
-          </a:prstGeom>
         </p:spPr>
       </p:pic>
     </p:spTree>
@@ -3437,122 +3408,6 @@
           <p:cNvPr id="2" name="Title 1">
             <a:extLst>
               <a:ext uri="{FF2B5EF4-FFF2-40B4-BE49-F238E27FC236}">
-                <a16:creationId xmlns:a16="http://schemas.microsoft.com/office/drawing/2014/main" id="{4BF5D2A3-23B1-7727-8B56-3763D57E82CE}"/>
-              </a:ext>
-            </a:extLst>
-          </p:cNvPr>
-          <p:cNvSpPr>
-            <a:spLocks noGrp="1"/>
-          </p:cNvSpPr>
-          <p:nvPr>
-            <p:ph type="title"/>
-          </p:nvPr>
-        </p:nvSpPr>
-        <p:spPr/>
-        <p:txBody>
-          <a:bodyPr/>
-          <a:lstStyle/>
-          <a:p>
-            <a:r>
-              <a:rPr lang="en-US" dirty="0"/>
-              <a:t>Design Structure Matrix </a:t>
-            </a:r>
-          </a:p>
-        </p:txBody>
-      </p:sp>
-      <p:sp>
-        <p:nvSpPr>
-          <p:cNvPr id="3" name="Content Placeholder 2">
-            <a:extLst>
-              <a:ext uri="{FF2B5EF4-FFF2-40B4-BE49-F238E27FC236}">
-                <a16:creationId xmlns:a16="http://schemas.microsoft.com/office/drawing/2014/main" id="{98009DD9-E374-3D17-FE8D-42F69D5D06F2}"/>
-              </a:ext>
-            </a:extLst>
-          </p:cNvPr>
-          <p:cNvSpPr>
-            <a:spLocks noGrp="1"/>
-          </p:cNvSpPr>
-          <p:nvPr>
-            <p:ph idx="1"/>
-          </p:nvPr>
-        </p:nvSpPr>
-        <p:spPr/>
-        <p:txBody>
-          <a:bodyPr/>
-          <a:lstStyle/>
-          <a:p>
-            <a:r>
-              <a:rPr lang="en-US" dirty="0"/>
-              <a:t>A Design Structure Matrix (DSM) is a visual representation of dependencies among modules in an architecture</a:t>
-            </a:r>
-          </a:p>
-          <a:p>
-            <a:r>
-              <a:rPr lang="en-US" dirty="0"/>
-              <a:t>Square matrix with</a:t>
-            </a:r>
-            <a:r>
-              <a:rPr lang="en-US" baseline="0" dirty="0"/>
-              <a:t> modules along both axes</a:t>
-            </a:r>
-          </a:p>
-          <a:p>
-            <a:r>
-              <a:rPr lang="en-US" baseline="0" dirty="0"/>
-              <a:t>Place mark in matrix if there is a dependency between module in row and module in column</a:t>
-            </a:r>
-            <a:endParaRPr lang="en-US" dirty="0"/>
-          </a:p>
-          <a:p>
-            <a:r>
-              <a:rPr lang="en-US" dirty="0"/>
-              <a:t> </a:t>
-            </a:r>
-            <a:r>
-              <a:rPr lang="en-US" dirty="0">
-                <a:hlinkClick r:id="rId2"/>
-              </a:rPr>
-              <a:t>https://dsmsuite.github.io/dsm_overview</a:t>
-            </a:r>
-            <a:endParaRPr lang="en-US" dirty="0"/>
-          </a:p>
-        </p:txBody>
-      </p:sp>
-    </p:spTree>
-    <p:extLst>
-      <p:ext uri="{BB962C8B-B14F-4D97-AF65-F5344CB8AC3E}">
-        <p14:creationId xmlns:p14="http://schemas.microsoft.com/office/powerpoint/2010/main" val="3891907961"/>
-      </p:ext>
-    </p:extLst>
-  </p:cSld>
-  <p:clrMapOvr>
-    <a:masterClrMapping/>
-  </p:clrMapOvr>
-</p:sld>
-</file>
-
-<file path=ppt/slides/slide11.xml><?xml version="1.0" encoding="utf-8"?>
-<p:sld xmlns:a="http://schemas.openxmlformats.org/drawingml/2006/main" xmlns:r="http://schemas.openxmlformats.org/officeDocument/2006/relationships" xmlns:p="http://schemas.openxmlformats.org/presentationml/2006/main">
-  <p:cSld>
-    <p:spTree>
-      <p:nvGrpSpPr>
-        <p:cNvPr id="1" name=""/>
-        <p:cNvGrpSpPr/>
-        <p:nvPr/>
-      </p:nvGrpSpPr>
-      <p:grpSpPr>
-        <a:xfrm>
-          <a:off x="0" y="0"/>
-          <a:ext cx="0" cy="0"/>
-          <a:chOff x="0" y="0"/>
-          <a:chExt cx="0" cy="0"/>
-        </a:xfrm>
-      </p:grpSpPr>
-      <p:sp>
-        <p:nvSpPr>
-          <p:cNvPr id="2" name="Title 1">
-            <a:extLst>
-              <a:ext uri="{FF2B5EF4-FFF2-40B4-BE49-F238E27FC236}">
                 <a16:creationId xmlns:a16="http://schemas.microsoft.com/office/drawing/2014/main" id="{24E553EF-53BD-5C89-5663-14649F1056D9}"/>
               </a:ext>
             </a:extLst>
@@ -3624,6 +3479,142 @@
 </p:sld>
 </file>
 
+<file path=ppt/slides/slide11.xml><?xml version="1.0" encoding="utf-8"?>
+<p:sld xmlns:a="http://schemas.openxmlformats.org/drawingml/2006/main" xmlns:r="http://schemas.openxmlformats.org/officeDocument/2006/relationships" xmlns:p="http://schemas.openxmlformats.org/presentationml/2006/main">
+  <p:cSld>
+    <p:spTree>
+      <p:nvGrpSpPr>
+        <p:cNvPr id="1" name=""/>
+        <p:cNvGrpSpPr/>
+        <p:nvPr/>
+      </p:nvGrpSpPr>
+      <p:grpSpPr>
+        <a:xfrm>
+          <a:off x="0" y="0"/>
+          <a:ext cx="0" cy="0"/>
+          <a:chOff x="0" y="0"/>
+          <a:chExt cx="0" cy="0"/>
+        </a:xfrm>
+      </p:grpSpPr>
+      <p:sp>
+        <p:nvSpPr>
+          <p:cNvPr id="2" name="Title 1">
+            <a:extLst>
+              <a:ext uri="{FF2B5EF4-FFF2-40B4-BE49-F238E27FC236}">
+                <a16:creationId xmlns:a16="http://schemas.microsoft.com/office/drawing/2014/main" id="{35DBC9F4-3872-79A1-8E9A-A43ECD79BA0E}"/>
+              </a:ext>
+            </a:extLst>
+          </p:cNvPr>
+          <p:cNvSpPr>
+            <a:spLocks noGrp="1"/>
+          </p:cNvSpPr>
+          <p:nvPr>
+            <p:ph type="title"/>
+          </p:nvPr>
+        </p:nvSpPr>
+        <p:spPr/>
+        <p:txBody>
+          <a:bodyPr/>
+          <a:lstStyle/>
+          <a:p>
+            <a:r>
+              <a:rPr lang="en-US" dirty="0"/>
+              <a:t>Uses of a</a:t>
+            </a:r>
+            <a:r>
+              <a:rPr lang="en-US" baseline="0" dirty="0"/>
+              <a:t> DSM</a:t>
+            </a:r>
+            <a:endParaRPr lang="en-US" dirty="0"/>
+          </a:p>
+        </p:txBody>
+      </p:sp>
+      <p:sp>
+        <p:nvSpPr>
+          <p:cNvPr id="3" name="Content Placeholder 2">
+            <a:extLst>
+              <a:ext uri="{FF2B5EF4-FFF2-40B4-BE49-F238E27FC236}">
+                <a16:creationId xmlns:a16="http://schemas.microsoft.com/office/drawing/2014/main" id="{C0249483-3A3B-6410-E5F3-D1367CADEBEC}"/>
+              </a:ext>
+            </a:extLst>
+          </p:cNvPr>
+          <p:cNvSpPr>
+            <a:spLocks noGrp="1"/>
+          </p:cNvSpPr>
+          <p:nvPr>
+            <p:ph idx="1"/>
+          </p:nvPr>
+        </p:nvSpPr>
+        <p:spPr/>
+        <p:txBody>
+          <a:bodyPr/>
+          <a:lstStyle/>
+          <a:p>
+            <a:r>
+              <a:rPr lang="en-US" dirty="0"/>
+              <a:t>Ideal DSM is lower</a:t>
+            </a:r>
+            <a:r>
+              <a:rPr lang="en-US" baseline="0" dirty="0"/>
+              <a:t> diagonal</a:t>
+            </a:r>
+          </a:p>
+          <a:p>
+            <a:r>
+              <a:rPr lang="en-US" baseline="0" dirty="0"/>
+              <a:t>DSMs can be used to determine</a:t>
+            </a:r>
+          </a:p>
+          <a:p>
+            <a:pPr lvl="1"/>
+            <a:r>
+              <a:rPr lang="en-US" dirty="0"/>
+              <a:t>A cyclic relation between two modules</a:t>
+            </a:r>
+          </a:p>
+          <a:p>
+            <a:pPr lvl="1"/>
+            <a:r>
+              <a:rPr lang="en-US" dirty="0"/>
+              <a:t>A relation against the expected layering.</a:t>
+            </a:r>
+          </a:p>
+          <a:p>
+            <a:pPr lvl="1"/>
+            <a:r>
+              <a:rPr lang="en-US" dirty="0"/>
+              <a:t>A relationship that skips a layer.</a:t>
+            </a:r>
+          </a:p>
+          <a:p>
+            <a:pPr lvl="1"/>
+            <a:r>
+              <a:rPr lang="en-US" dirty="0"/>
+              <a:t>An unused module without incoming relationships.</a:t>
+            </a:r>
+          </a:p>
+          <a:p>
+            <a:pPr lvl="1"/>
+            <a:r>
+              <a:rPr lang="en-US" dirty="0"/>
+              <a:t>A module with many in and outgoing relationships </a:t>
+            </a:r>
+          </a:p>
+        </p:txBody>
+      </p:sp>
+    </p:spTree>
+    <p:extLst>
+      <p:ext uri="{BB962C8B-B14F-4D97-AF65-F5344CB8AC3E}">
+        <p14:creationId xmlns:p14="http://schemas.microsoft.com/office/powerpoint/2010/main" val="1288396573"/>
+      </p:ext>
+    </p:extLst>
+  </p:cSld>
+  <p:clrMapOvr>
+    <a:masterClrMapping/>
+  </p:clrMapOvr>
+</p:sld>
+</file>
+
 <file path=ppt/slides/slide12.xml><?xml version="1.0" encoding="utf-8"?>
 <p:sld xmlns:a="http://schemas.openxmlformats.org/drawingml/2006/main" xmlns:r="http://schemas.openxmlformats.org/officeDocument/2006/relationships" xmlns:p="http://schemas.openxmlformats.org/presentationml/2006/main">
   <p:cSld>
@@ -3646,7 +3637,7 @@
           <p:cNvPr id="2" name="Title 1">
             <a:extLst>
               <a:ext uri="{FF2B5EF4-FFF2-40B4-BE49-F238E27FC236}">
-                <a16:creationId xmlns:a16="http://schemas.microsoft.com/office/drawing/2014/main" id="{35DBC9F4-3872-79A1-8E9A-A43ECD79BA0E}"/>
+                <a16:creationId xmlns:a16="http://schemas.microsoft.com/office/drawing/2014/main" id="{00F1F559-A8A6-E17F-89C1-FE5D583CC7F8}"/>
               </a:ext>
             </a:extLst>
           </p:cNvPr>
@@ -3664,13 +3655,8 @@
           <a:p>
             <a:r>
               <a:rPr lang="en-US" dirty="0"/>
-              <a:t>Uses of a</a:t>
-            </a:r>
-            <a:r>
-              <a:rPr lang="en-US" baseline="0" dirty="0"/>
-              <a:t> DSM</a:t>
-            </a:r>
-            <a:endParaRPr lang="en-US" dirty="0"/>
+              <a:t>Determining architecture debt hotspots</a:t>
+            </a:r>
           </a:p>
         </p:txBody>
       </p:sp>
@@ -3679,7 +3665,7 @@
           <p:cNvPr id="3" name="Content Placeholder 2">
             <a:extLst>
               <a:ext uri="{FF2B5EF4-FFF2-40B4-BE49-F238E27FC236}">
-                <a16:creationId xmlns:a16="http://schemas.microsoft.com/office/drawing/2014/main" id="{C0249483-3A3B-6410-E5F3-D1367CADEBEC}"/>
+                <a16:creationId xmlns:a16="http://schemas.microsoft.com/office/drawing/2014/main" id="{21141C2B-8325-2F8B-4B5D-697A9392DEBB}"/>
               </a:ext>
             </a:extLst>
           </p:cNvPr>
@@ -3697,52 +3683,33 @@
           <a:p>
             <a:r>
               <a:rPr lang="en-US" dirty="0"/>
-              <a:t>Ideal DSM is lower</a:t>
-            </a:r>
-            <a:r>
-              <a:rPr lang="en-US" baseline="0" dirty="0"/>
-              <a:t> diagonal</a:t>
-            </a:r>
-          </a:p>
-          <a:p>
-            <a:r>
-              <a:rPr lang="en-US" baseline="0" dirty="0"/>
-              <a:t>DSMs can be used to determine</a:t>
+              <a:t>Begin with a DSM</a:t>
+            </a:r>
+          </a:p>
+          <a:p>
+            <a:r>
+              <a:rPr lang="en-US" dirty="0"/>
+              <a:t>Add marks to cells from modules that change simultaneously. </a:t>
             </a:r>
           </a:p>
           <a:p>
             <a:pPr lvl="1"/>
             <a:r>
               <a:rPr lang="en-US" dirty="0"/>
-              <a:t>A cyclic relation between two modules</a:t>
+              <a:t>This information is available from a version control system.</a:t>
             </a:r>
           </a:p>
           <a:p>
             <a:pPr lvl="1"/>
             <a:r>
               <a:rPr lang="en-US" dirty="0"/>
-              <a:t>A relation against the expected layering.</a:t>
-            </a:r>
-          </a:p>
-          <a:p>
-            <a:pPr lvl="1"/>
-            <a:r>
-              <a:rPr lang="en-US" dirty="0"/>
-              <a:t>A relationship that skips a layer.</a:t>
-            </a:r>
-          </a:p>
-          <a:p>
-            <a:pPr lvl="1"/>
-            <a:r>
-              <a:rPr lang="en-US" dirty="0"/>
-              <a:t>An unused module without incoming relationships.</a:t>
-            </a:r>
-          </a:p>
-          <a:p>
-            <a:pPr lvl="1"/>
-            <a:r>
-              <a:rPr lang="en-US" dirty="0"/>
-              <a:t>A module with many in and outgoing relationships </a:t>
+              <a:t>Focus on bug fixes, not new functionality (available from issue control system)</a:t>
+            </a:r>
+          </a:p>
+          <a:p>
+            <a:r>
+              <a:rPr lang="en-US" dirty="0"/>
+              <a:t>Cells in upper diagonal with marks represent modules with architecture debt</a:t>
             </a:r>
           </a:p>
         </p:txBody>
@@ -3750,7 +3717,7 @@
     </p:spTree>
     <p:extLst>
       <p:ext uri="{BB962C8B-B14F-4D97-AF65-F5344CB8AC3E}">
-        <p14:creationId xmlns:p14="http://schemas.microsoft.com/office/powerpoint/2010/main" val="1288396573"/>
+        <p14:creationId xmlns:p14="http://schemas.microsoft.com/office/powerpoint/2010/main" val="2080100509"/>
       </p:ext>
     </p:extLst>
   </p:cSld>
@@ -3782,7 +3749,7 @@
           <p:cNvPr id="2" name="Title 1">
             <a:extLst>
               <a:ext uri="{FF2B5EF4-FFF2-40B4-BE49-F238E27FC236}">
-                <a16:creationId xmlns:a16="http://schemas.microsoft.com/office/drawing/2014/main" id="{00F1F559-A8A6-E17F-89C1-FE5D583CC7F8}"/>
+                <a16:creationId xmlns:a16="http://schemas.microsoft.com/office/drawing/2014/main" id="{6B65BFDA-CBE7-E5FB-E2B9-EEE8BFA60770}"/>
               </a:ext>
             </a:extLst>
           </p:cNvPr>
@@ -3800,7 +3767,7 @@
           <a:p>
             <a:r>
               <a:rPr lang="en-US" dirty="0"/>
-              <a:t>Determining architecture debt hotspots</a:t>
+              <a:t>Reducing coupling</a:t>
             </a:r>
           </a:p>
         </p:txBody>
@@ -3810,7 +3777,7 @@
           <p:cNvPr id="3" name="Content Placeholder 2">
             <a:extLst>
               <a:ext uri="{FF2B5EF4-FFF2-40B4-BE49-F238E27FC236}">
-                <a16:creationId xmlns:a16="http://schemas.microsoft.com/office/drawing/2014/main" id="{21141C2B-8325-2F8B-4B5D-697A9392DEBB}"/>
+                <a16:creationId xmlns:a16="http://schemas.microsoft.com/office/drawing/2014/main" id="{FF46BC8E-A8C4-EF12-2FD5-FC5A3A29491C}"/>
               </a:ext>
             </a:extLst>
           </p:cNvPr>
@@ -3828,33 +3795,13 @@
           <a:p>
             <a:r>
               <a:rPr lang="en-US" dirty="0"/>
-              <a:t>Begin with a DSM</a:t>
-            </a:r>
-          </a:p>
-          <a:p>
-            <a:r>
-              <a:rPr lang="en-US" dirty="0"/>
-              <a:t>Add marks to cells from modules that change simultaneously. </a:t>
-            </a:r>
-          </a:p>
-          <a:p>
-            <a:pPr lvl="1"/>
-            <a:r>
-              <a:rPr lang="en-US" dirty="0"/>
-              <a:t>This information is available from a version control system.</a:t>
-            </a:r>
-          </a:p>
-          <a:p>
-            <a:pPr lvl="1"/>
-            <a:r>
-              <a:rPr lang="en-US" dirty="0"/>
-              <a:t>Focus on bug fixes, not new functionality (available from issue control system)</a:t>
-            </a:r>
-          </a:p>
-          <a:p>
-            <a:r>
-              <a:rPr lang="en-US" dirty="0"/>
-              <a:t>Cells in upper diagonal with marks represent modules with architecture debt</a:t>
+              <a:t>Refactor</a:t>
+            </a:r>
+          </a:p>
+          <a:p>
+            <a:r>
+              <a:rPr lang="en-US" dirty="0"/>
+              <a:t>Use an intermediary</a:t>
             </a:r>
           </a:p>
         </p:txBody>
@@ -3862,7 +3809,7 @@
     </p:spTree>
     <p:extLst>
       <p:ext uri="{BB962C8B-B14F-4D97-AF65-F5344CB8AC3E}">
-        <p14:creationId xmlns:p14="http://schemas.microsoft.com/office/powerpoint/2010/main" val="2080100509"/>
+        <p14:creationId xmlns:p14="http://schemas.microsoft.com/office/powerpoint/2010/main" val="2244509322"/>
       </p:ext>
     </p:extLst>
   </p:cSld>
@@ -3894,98 +3841,6 @@
           <p:cNvPr id="2" name="Title 1">
             <a:extLst>
               <a:ext uri="{FF2B5EF4-FFF2-40B4-BE49-F238E27FC236}">
-                <a16:creationId xmlns:a16="http://schemas.microsoft.com/office/drawing/2014/main" id="{6B65BFDA-CBE7-E5FB-E2B9-EEE8BFA60770}"/>
-              </a:ext>
-            </a:extLst>
-          </p:cNvPr>
-          <p:cNvSpPr>
-            <a:spLocks noGrp="1"/>
-          </p:cNvSpPr>
-          <p:nvPr>
-            <p:ph type="title"/>
-          </p:nvPr>
-        </p:nvSpPr>
-        <p:spPr/>
-        <p:txBody>
-          <a:bodyPr/>
-          <a:lstStyle/>
-          <a:p>
-            <a:r>
-              <a:rPr lang="en-US" dirty="0"/>
-              <a:t>Reducing coupling</a:t>
-            </a:r>
-          </a:p>
-        </p:txBody>
-      </p:sp>
-      <p:sp>
-        <p:nvSpPr>
-          <p:cNvPr id="3" name="Content Placeholder 2">
-            <a:extLst>
-              <a:ext uri="{FF2B5EF4-FFF2-40B4-BE49-F238E27FC236}">
-                <a16:creationId xmlns:a16="http://schemas.microsoft.com/office/drawing/2014/main" id="{FF46BC8E-A8C4-EF12-2FD5-FC5A3A29491C}"/>
-              </a:ext>
-            </a:extLst>
-          </p:cNvPr>
-          <p:cNvSpPr>
-            <a:spLocks noGrp="1"/>
-          </p:cNvSpPr>
-          <p:nvPr>
-            <p:ph idx="1"/>
-          </p:nvPr>
-        </p:nvSpPr>
-        <p:spPr/>
-        <p:txBody>
-          <a:bodyPr/>
-          <a:lstStyle/>
-          <a:p>
-            <a:r>
-              <a:rPr lang="en-US" dirty="0"/>
-              <a:t>Refactor</a:t>
-            </a:r>
-          </a:p>
-          <a:p>
-            <a:r>
-              <a:rPr lang="en-US" dirty="0"/>
-              <a:t>Use an intermediary</a:t>
-            </a:r>
-          </a:p>
-        </p:txBody>
-      </p:sp>
-    </p:spTree>
-    <p:extLst>
-      <p:ext uri="{BB962C8B-B14F-4D97-AF65-F5344CB8AC3E}">
-        <p14:creationId xmlns:p14="http://schemas.microsoft.com/office/powerpoint/2010/main" val="2244509322"/>
-      </p:ext>
-    </p:extLst>
-  </p:cSld>
-  <p:clrMapOvr>
-    <a:masterClrMapping/>
-  </p:clrMapOvr>
-</p:sld>
-</file>
-
-<file path=ppt/slides/slide15.xml><?xml version="1.0" encoding="utf-8"?>
-<p:sld xmlns:a="http://schemas.openxmlformats.org/drawingml/2006/main" xmlns:r="http://schemas.openxmlformats.org/officeDocument/2006/relationships" xmlns:p="http://schemas.openxmlformats.org/presentationml/2006/main">
-  <p:cSld>
-    <p:spTree>
-      <p:nvGrpSpPr>
-        <p:cNvPr id="1" name=""/>
-        <p:cNvGrpSpPr/>
-        <p:nvPr/>
-      </p:nvGrpSpPr>
-      <p:grpSpPr>
-        <a:xfrm>
-          <a:off x="0" y="0"/>
-          <a:ext cx="0" cy="0"/>
-          <a:chOff x="0" y="0"/>
-          <a:chExt cx="0" cy="0"/>
-        </a:xfrm>
-      </p:grpSpPr>
-      <p:sp>
-        <p:nvSpPr>
-          <p:cNvPr id="2" name="Title 1">
-            <a:extLst>
-              <a:ext uri="{FF2B5EF4-FFF2-40B4-BE49-F238E27FC236}">
                 <a16:creationId xmlns:a16="http://schemas.microsoft.com/office/drawing/2014/main" id="{B0D4658F-14D3-4E19-F108-30E74770BEAC}"/>
               </a:ext>
             </a:extLst>
@@ -4098,7 +3953,7 @@
           <a:effectLst/>
           <a:extLst>
             <a:ext uri="{AF507438-7753-43e0-B8FC-AC1667EBCBE1}">
-              <a14:hiddenEffects xmlns="" xmlns:a14="http://schemas.microsoft.com/office/drawing/2010/main">
+              <a14:hiddenEffects xmlns:a14="http://schemas.microsoft.com/office/drawing/2010/main" xmlns="">
                 <a:effectLst>
                   <a:outerShdw blurRad="63500" dist="38099" dir="2700000" algn="ctr" rotWithShape="0">
                     <a:schemeClr val="bg2">
@@ -4169,7 +4024,7 @@
           <a:effectLst/>
           <a:extLst>
             <a:ext uri="{AF507438-7753-43e0-B8FC-AC1667EBCBE1}">
-              <a14:hiddenEffects xmlns="" xmlns:a14="http://schemas.microsoft.com/office/drawing/2010/main">
+              <a14:hiddenEffects xmlns:a14="http://schemas.microsoft.com/office/drawing/2010/main" xmlns="">
                 <a:effectLst>
                   <a:outerShdw blurRad="63500" dist="38099" dir="2700000" algn="ctr" rotWithShape="0">
                     <a:schemeClr val="bg2">
@@ -4260,7 +4115,7 @@
           <a:effectLst/>
           <a:extLst>
             <a:ext uri="{AF507438-7753-43e0-B8FC-AC1667EBCBE1}">
-              <a14:hiddenEffects xmlns="" xmlns:a14="http://schemas.microsoft.com/office/drawing/2010/main">
+              <a14:hiddenEffects xmlns:a14="http://schemas.microsoft.com/office/drawing/2010/main" xmlns="">
                 <a:effectLst>
                   <a:outerShdw blurRad="63500" dist="38099" dir="2700000" algn="ctr" rotWithShape="0">
                     <a:schemeClr val="bg2">
@@ -4390,7 +4245,7 @@
           <a:effectLst/>
           <a:extLst>
             <a:ext uri="{AF507438-7753-43e0-B8FC-AC1667EBCBE1}">
-              <a14:hiddenEffects xmlns="" xmlns:a14="http://schemas.microsoft.com/office/drawing/2010/main">
+              <a14:hiddenEffects xmlns:a14="http://schemas.microsoft.com/office/drawing/2010/main" xmlns="">
                 <a:effectLst>
                   <a:outerShdw blurRad="63500" dist="38099" dir="2700000" algn="ctr" rotWithShape="0">
                     <a:schemeClr val="bg2">
@@ -4440,7 +4295,7 @@
           <a:effectLst/>
           <a:extLst>
             <a:ext uri="{AF507438-7753-43e0-B8FC-AC1667EBCBE1}">
-              <a14:hiddenEffects xmlns="" xmlns:a14="http://schemas.microsoft.com/office/drawing/2010/main">
+              <a14:hiddenEffects xmlns:a14="http://schemas.microsoft.com/office/drawing/2010/main" xmlns="">
                 <a:effectLst>
                   <a:outerShdw blurRad="63500" dist="38099" dir="2700000" algn="ctr" rotWithShape="0">
                     <a:schemeClr val="bg2">
@@ -4466,7 +4321,7 @@
 </p:sld>
 </file>
 
-<file path=ppt/slides/slide16.xml><?xml version="1.0" encoding="utf-8"?>
+<file path=ppt/slides/slide15.xml><?xml version="1.0" encoding="utf-8"?>
 <p:sld xmlns:a="http://schemas.openxmlformats.org/drawingml/2006/main" xmlns:r="http://schemas.openxmlformats.org/officeDocument/2006/relationships" xmlns:p="http://schemas.openxmlformats.org/presentationml/2006/main">
   <p:cSld>
     <p:spTree>
@@ -4553,7 +4408,7 @@
           <a:effectLst/>
           <a:extLst>
             <a:ext uri="{AF507438-7753-43e0-B8FC-AC1667EBCBE1}">
-              <a14:hiddenEffects xmlns="" xmlns:a14="http://schemas.microsoft.com/office/drawing/2010/main">
+              <a14:hiddenEffects xmlns:a14="http://schemas.microsoft.com/office/drawing/2010/main" xmlns="">
                 <a:effectLst>
                   <a:outerShdw blurRad="63500" dist="38099" dir="2700000" algn="ctr" rotWithShape="0">
                     <a:schemeClr val="bg2">
@@ -4624,7 +4479,7 @@
           <a:effectLst/>
           <a:extLst>
             <a:ext uri="{AF507438-7753-43e0-B8FC-AC1667EBCBE1}">
-              <a14:hiddenEffects xmlns="" xmlns:a14="http://schemas.microsoft.com/office/drawing/2010/main">
+              <a14:hiddenEffects xmlns:a14="http://schemas.microsoft.com/office/drawing/2010/main" xmlns="">
                 <a:effectLst>
                   <a:outerShdw blurRad="63500" dist="38099" dir="2700000" algn="ctr" rotWithShape="0">
                     <a:schemeClr val="bg2">
@@ -4715,7 +4570,7 @@
           <a:effectLst/>
           <a:extLst>
             <a:ext uri="{AF507438-7753-43e0-B8FC-AC1667EBCBE1}">
-              <a14:hiddenEffects xmlns="" xmlns:a14="http://schemas.microsoft.com/office/drawing/2010/main">
+              <a14:hiddenEffects xmlns:a14="http://schemas.microsoft.com/office/drawing/2010/main" xmlns="">
                 <a:effectLst>
                   <a:outerShdw blurRad="63500" dist="38099" dir="2700000" algn="ctr" rotWithShape="0">
                     <a:schemeClr val="bg2">
@@ -4765,7 +4620,7 @@
           <a:effectLst/>
           <a:extLst>
             <a:ext uri="{AF507438-7753-43e0-B8FC-AC1667EBCBE1}">
-              <a14:hiddenEffects xmlns="" xmlns:a14="http://schemas.microsoft.com/office/drawing/2010/main">
+              <a14:hiddenEffects xmlns:a14="http://schemas.microsoft.com/office/drawing/2010/main" xmlns="">
                 <a:effectLst>
                   <a:outerShdw blurRad="63500" dist="38099" dir="2700000" algn="ctr" rotWithShape="0">
                     <a:schemeClr val="bg2">
@@ -4895,7 +4750,7 @@
           <a:effectLst/>
           <a:extLst>
             <a:ext uri="{AF507438-7753-43e0-B8FC-AC1667EBCBE1}">
-              <a14:hiddenEffects xmlns="" xmlns:a14="http://schemas.microsoft.com/office/drawing/2010/main">
+              <a14:hiddenEffects xmlns:a14="http://schemas.microsoft.com/office/drawing/2010/main" xmlns="">
                 <a:effectLst>
                   <a:outerShdw blurRad="63500" dist="38099" dir="2700000" algn="ctr" rotWithShape="0">
                     <a:schemeClr val="bg2">
@@ -4961,6 +4816,131 @@
     <p:extLst>
       <p:ext uri="{BB962C8B-B14F-4D97-AF65-F5344CB8AC3E}">
         <p14:creationId xmlns:p14="http://schemas.microsoft.com/office/powerpoint/2010/main" val="4251706529"/>
+      </p:ext>
+    </p:extLst>
+  </p:cSld>
+  <p:clrMapOvr>
+    <a:masterClrMapping/>
+  </p:clrMapOvr>
+</p:sld>
+</file>
+
+<file path=ppt/slides/slide16.xml><?xml version="1.0" encoding="utf-8"?>
+<p:sld xmlns:a="http://schemas.openxmlformats.org/drawingml/2006/main" xmlns:r="http://schemas.openxmlformats.org/officeDocument/2006/relationships" xmlns:p="http://schemas.openxmlformats.org/presentationml/2006/main">
+  <p:cSld>
+    <p:spTree>
+      <p:nvGrpSpPr>
+        <p:cNvPr id="1" name=""/>
+        <p:cNvGrpSpPr/>
+        <p:nvPr/>
+      </p:nvGrpSpPr>
+      <p:grpSpPr>
+        <a:xfrm>
+          <a:off x="0" y="0"/>
+          <a:ext cx="0" cy="0"/>
+          <a:chOff x="0" y="0"/>
+          <a:chExt cx="0" cy="0"/>
+        </a:xfrm>
+      </p:grpSpPr>
+      <p:sp>
+        <p:nvSpPr>
+          <p:cNvPr id="2" name="Title 1">
+            <a:extLst>
+              <a:ext uri="{FF2B5EF4-FFF2-40B4-BE49-F238E27FC236}">
+                <a16:creationId xmlns:a16="http://schemas.microsoft.com/office/drawing/2014/main" id="{95067248-D0C9-951C-5018-B9D02F1CB0B6}"/>
+              </a:ext>
+            </a:extLst>
+          </p:cNvPr>
+          <p:cNvSpPr>
+            <a:spLocks noGrp="1"/>
+          </p:cNvSpPr>
+          <p:nvPr>
+            <p:ph type="title"/>
+          </p:nvPr>
+        </p:nvSpPr>
+        <p:spPr/>
+        <p:txBody>
+          <a:bodyPr/>
+          <a:lstStyle/>
+          <a:p>
+            <a:r>
+              <a:rPr lang="en-US" dirty="0"/>
+              <a:t>Outline</a:t>
+            </a:r>
+          </a:p>
+        </p:txBody>
+      </p:sp>
+      <p:sp>
+        <p:nvSpPr>
+          <p:cNvPr id="3" name="Content Placeholder 2">
+            <a:extLst>
+              <a:ext uri="{FF2B5EF4-FFF2-40B4-BE49-F238E27FC236}">
+                <a16:creationId xmlns:a16="http://schemas.microsoft.com/office/drawing/2014/main" id="{787A5C4D-5480-817C-854A-EF5172E1F91B}"/>
+              </a:ext>
+            </a:extLst>
+          </p:cNvPr>
+          <p:cNvSpPr>
+            <a:spLocks noGrp="1"/>
+          </p:cNvSpPr>
+          <p:nvPr>
+            <p:ph idx="1"/>
+          </p:nvPr>
+        </p:nvSpPr>
+        <p:spPr/>
+        <p:txBody>
+          <a:bodyPr/>
+          <a:lstStyle/>
+          <a:p>
+            <a:r>
+              <a:rPr lang="en-US" dirty="0"/>
+              <a:t>Introduction</a:t>
+            </a:r>
+          </a:p>
+          <a:p>
+            <a:r>
+              <a:rPr lang="en-US" dirty="0"/>
+              <a:t>Compile time changes</a:t>
+            </a:r>
+          </a:p>
+          <a:p>
+            <a:r>
+              <a:rPr lang="en-US" b="1" dirty="0"/>
+              <a:t>Build time changes</a:t>
+            </a:r>
+          </a:p>
+          <a:p>
+            <a:r>
+              <a:rPr lang="en-US" dirty="0"/>
+              <a:t>Installation time changes</a:t>
+            </a:r>
+          </a:p>
+          <a:p>
+            <a:r>
+              <a:rPr lang="en-US" dirty="0"/>
+              <a:t>Run time changes</a:t>
+            </a:r>
+          </a:p>
+          <a:p>
+            <a:r>
+              <a:rPr lang="en-US" dirty="0"/>
+              <a:t>Application to microservices</a:t>
+            </a:r>
+          </a:p>
+          <a:p>
+            <a:r>
+              <a:rPr lang="en-US" dirty="0"/>
+              <a:t>Key questions</a:t>
+            </a:r>
+          </a:p>
+          <a:p>
+            <a:endParaRPr lang="en-US" dirty="0"/>
+          </a:p>
+        </p:txBody>
+      </p:sp>
+    </p:spTree>
+    <p:extLst>
+      <p:ext uri="{BB962C8B-B14F-4D97-AF65-F5344CB8AC3E}">
+        <p14:creationId xmlns:p14="http://schemas.microsoft.com/office/powerpoint/2010/main" val="1610380782"/>
       </p:ext>
     </p:extLst>
   </p:cSld>
@@ -4992,7 +4972,7 @@
           <p:cNvPr id="2" name="Title 1">
             <a:extLst>
               <a:ext uri="{FF2B5EF4-FFF2-40B4-BE49-F238E27FC236}">
-                <a16:creationId xmlns:a16="http://schemas.microsoft.com/office/drawing/2014/main" id="{95067248-D0C9-951C-5018-B9D02F1CB0B6}"/>
+                <a16:creationId xmlns:a16="http://schemas.microsoft.com/office/drawing/2014/main" id="{618E7472-05AF-46BA-5160-A640EE8F9295}"/>
               </a:ext>
             </a:extLst>
           </p:cNvPr>
@@ -5010,7 +4990,7 @@
           <a:p>
             <a:r>
               <a:rPr lang="en-US" dirty="0"/>
-              <a:t>Outline</a:t>
+              <a:t>Discovery</a:t>
             </a:r>
           </a:p>
         </p:txBody>
@@ -5020,7 +5000,7 @@
           <p:cNvPr id="3" name="Content Placeholder 2">
             <a:extLst>
               <a:ext uri="{FF2B5EF4-FFF2-40B4-BE49-F238E27FC236}">
-                <a16:creationId xmlns:a16="http://schemas.microsoft.com/office/drawing/2014/main" id="{787A5C4D-5480-817C-854A-EF5172E1F91B}"/>
+                <a16:creationId xmlns:a16="http://schemas.microsoft.com/office/drawing/2014/main" id="{040B0394-BB50-1596-7C03-8342D7BB91E5}"/>
               </a:ext>
             </a:extLst>
           </p:cNvPr>
@@ -5038,37 +5018,34 @@
           <a:p>
             <a:r>
               <a:rPr lang="en-US" dirty="0"/>
-              <a:t>Introduction</a:t>
-            </a:r>
-          </a:p>
-          <a:p>
-            <a:r>
-              <a:rPr lang="en-US" dirty="0"/>
-              <a:t>Compile time changes</a:t>
-            </a:r>
-          </a:p>
-          <a:p>
-            <a:r>
-              <a:rPr lang="en-US" b="1" dirty="0"/>
-              <a:t>Build time changes</a:t>
-            </a:r>
-          </a:p>
-          <a:p>
-            <a:r>
-              <a:rPr lang="en-US" dirty="0"/>
-              <a:t>Installation time changes</a:t>
-            </a:r>
-          </a:p>
-          <a:p>
-            <a:r>
-              <a:rPr lang="en-US" dirty="0"/>
-              <a:t>Run time changes</a:t>
-            </a:r>
-          </a:p>
-          <a:p>
-            <a:r>
-              <a:rPr lang="en-US" dirty="0"/>
-              <a:t>Application to microservices</a:t>
+              <a:t>In a distributed system, the location of a component can change and must be discovered</a:t>
+            </a:r>
+          </a:p>
+          <a:p>
+            <a:r>
+              <a:rPr lang="en-US" dirty="0"/>
+              <a:t>Mechanisms for discovery include</a:t>
+            </a:r>
+          </a:p>
+          <a:p>
+            <a:pPr lvl="1"/>
+            <a:r>
+              <a:rPr lang="en-US" dirty="0"/>
+              <a:t>Domain Name System</a:t>
+            </a:r>
+          </a:p>
+          <a:p>
+            <a:pPr lvl="1"/>
+            <a:r>
+              <a:rPr lang="en-US" dirty="0"/>
+              <a:t>Service Mesh</a:t>
+            </a:r>
+          </a:p>
+          <a:p>
+            <a:pPr lvl="1"/>
+            <a:r>
+              <a:rPr lang="en-US" dirty="0"/>
+              <a:t>Load balancer</a:t>
             </a:r>
           </a:p>
         </p:txBody>
@@ -5076,7 +5053,7 @@
     </p:spTree>
     <p:extLst>
       <p:ext uri="{BB962C8B-B14F-4D97-AF65-F5344CB8AC3E}">
-        <p14:creationId xmlns:p14="http://schemas.microsoft.com/office/powerpoint/2010/main" val="1610380782"/>
+        <p14:creationId xmlns:p14="http://schemas.microsoft.com/office/powerpoint/2010/main" val="3716669784"/>
       </p:ext>
     </p:extLst>
   </p:cSld>
@@ -5108,7 +5085,7 @@
           <p:cNvPr id="2" name="Title 1">
             <a:extLst>
               <a:ext uri="{FF2B5EF4-FFF2-40B4-BE49-F238E27FC236}">
-                <a16:creationId xmlns:a16="http://schemas.microsoft.com/office/drawing/2014/main" id="{618E7472-05AF-46BA-5160-A640EE8F9295}"/>
+                <a16:creationId xmlns:a16="http://schemas.microsoft.com/office/drawing/2014/main" id="{C1370CCE-DA19-3242-7A6B-125103C6DE0D}"/>
               </a:ext>
             </a:extLst>
           </p:cNvPr>
@@ -5126,7 +5103,7 @@
           <a:p>
             <a:r>
               <a:rPr lang="en-US" dirty="0"/>
-              <a:t>Discovery</a:t>
+              <a:t>Component replacement</a:t>
             </a:r>
           </a:p>
         </p:txBody>
@@ -5136,7 +5113,7 @@
           <p:cNvPr id="3" name="Content Placeholder 2">
             <a:extLst>
               <a:ext uri="{FF2B5EF4-FFF2-40B4-BE49-F238E27FC236}">
-                <a16:creationId xmlns:a16="http://schemas.microsoft.com/office/drawing/2014/main" id="{040B0394-BB50-1596-7C03-8342D7BB91E5}"/>
+                <a16:creationId xmlns:a16="http://schemas.microsoft.com/office/drawing/2014/main" id="{93F0409C-306C-AB4B-78BE-75974E7E83D9}"/>
               </a:ext>
             </a:extLst>
           </p:cNvPr>
@@ -5154,42 +5131,32 @@
           <a:p>
             <a:r>
               <a:rPr lang="en-US" dirty="0"/>
-              <a:t>In a distributed system, the location of a component can change and must be discovered</a:t>
-            </a:r>
-          </a:p>
-          <a:p>
-            <a:r>
-              <a:rPr lang="en-US" dirty="0"/>
-              <a:t>Mechanisms for discovery include</a:t>
+              <a:t>Performed at build time</a:t>
             </a:r>
           </a:p>
           <a:p>
             <a:pPr lvl="1"/>
             <a:r>
               <a:rPr lang="en-US" dirty="0"/>
-              <a:t>Domain Name System</a:t>
+              <a:t>Replace one component with another offering similar functionality. </a:t>
             </a:r>
           </a:p>
           <a:p>
             <a:pPr lvl="1"/>
             <a:r>
               <a:rPr lang="en-US" dirty="0"/>
-              <a:t>Service Mesh</a:t>
-            </a:r>
-          </a:p>
-          <a:p>
-            <a:pPr lvl="1"/>
-            <a:r>
-              <a:rPr lang="en-US" dirty="0"/>
-              <a:t>Load balancer</a:t>
-            </a:r>
+              <a:t>Use translator to reduce dependencies</a:t>
+            </a:r>
+          </a:p>
+          <a:p>
+            <a:endParaRPr lang="en-US" dirty="0"/>
           </a:p>
         </p:txBody>
       </p:sp>
     </p:spTree>
     <p:extLst>
       <p:ext uri="{BB962C8B-B14F-4D97-AF65-F5344CB8AC3E}">
-        <p14:creationId xmlns:p14="http://schemas.microsoft.com/office/powerpoint/2010/main" val="3716669784"/>
+        <p14:creationId xmlns:p14="http://schemas.microsoft.com/office/powerpoint/2010/main" val="2214640376"/>
       </p:ext>
     </p:extLst>
   </p:cSld>
@@ -5221,7 +5188,7 @@
           <p:cNvPr id="2" name="Title 1">
             <a:extLst>
               <a:ext uri="{FF2B5EF4-FFF2-40B4-BE49-F238E27FC236}">
-                <a16:creationId xmlns:a16="http://schemas.microsoft.com/office/drawing/2014/main" id="{C1370CCE-DA19-3242-7A6B-125103C6DE0D}"/>
+                <a16:creationId xmlns:a16="http://schemas.microsoft.com/office/drawing/2014/main" id="{95067248-D0C9-951C-5018-B9D02F1CB0B6}"/>
               </a:ext>
             </a:extLst>
           </p:cNvPr>
@@ -5239,7 +5206,7 @@
           <a:p>
             <a:r>
               <a:rPr lang="en-US" dirty="0"/>
-              <a:t>Component replacement</a:t>
+              <a:t>Outline</a:t>
             </a:r>
           </a:p>
         </p:txBody>
@@ -5249,7 +5216,7 @@
           <p:cNvPr id="3" name="Content Placeholder 2">
             <a:extLst>
               <a:ext uri="{FF2B5EF4-FFF2-40B4-BE49-F238E27FC236}">
-                <a16:creationId xmlns:a16="http://schemas.microsoft.com/office/drawing/2014/main" id="{93F0409C-306C-AB4B-78BE-75974E7E83D9}"/>
+                <a16:creationId xmlns:a16="http://schemas.microsoft.com/office/drawing/2014/main" id="{787A5C4D-5480-817C-854A-EF5172E1F91B}"/>
               </a:ext>
             </a:extLst>
           </p:cNvPr>
@@ -5267,21 +5234,43 @@
           <a:p>
             <a:r>
               <a:rPr lang="en-US" dirty="0"/>
-              <a:t>Performed at build time</a:t>
-            </a:r>
-          </a:p>
-          <a:p>
-            <a:pPr lvl="1"/>
-            <a:r>
-              <a:rPr lang="en-US" dirty="0"/>
-              <a:t>Replace one component with another offering similar functionality. </a:t>
-            </a:r>
-          </a:p>
-          <a:p>
-            <a:pPr lvl="1"/>
-            <a:r>
-              <a:rPr lang="en-US" dirty="0"/>
-              <a:t>Use translator to reduce dependencies</a:t>
+              <a:t>Introduction</a:t>
+            </a:r>
+          </a:p>
+          <a:p>
+            <a:r>
+              <a:rPr lang="en-US" dirty="0"/>
+              <a:t>Compile time changes</a:t>
+            </a:r>
+          </a:p>
+          <a:p>
+            <a:r>
+              <a:rPr lang="en-US" dirty="0"/>
+              <a:t>Build time changes</a:t>
+            </a:r>
+          </a:p>
+          <a:p>
+            <a:r>
+              <a:rPr lang="en-US" b="1" dirty="0"/>
+              <a:t>Installation time changes</a:t>
+            </a:r>
+          </a:p>
+          <a:p>
+            <a:r>
+              <a:rPr lang="en-US" dirty="0"/>
+              <a:t>Run time changes</a:t>
+            </a:r>
+          </a:p>
+          <a:p>
+            <a:r>
+              <a:rPr lang="en-US" dirty="0"/>
+              <a:t>Application to microservices</a:t>
+            </a:r>
+          </a:p>
+          <a:p>
+            <a:r>
+              <a:rPr lang="en-US" dirty="0"/>
+              <a:t>Key questions</a:t>
             </a:r>
           </a:p>
           <a:p>
@@ -5292,7 +5281,7 @@
     </p:spTree>
     <p:extLst>
       <p:ext uri="{BB962C8B-B14F-4D97-AF65-F5344CB8AC3E}">
-        <p14:creationId xmlns:p14="http://schemas.microsoft.com/office/powerpoint/2010/main" val="2214640376"/>
+        <p14:creationId xmlns:p14="http://schemas.microsoft.com/office/powerpoint/2010/main" val="3279834612"/>
       </p:ext>
     </p:extLst>
   </p:cSld>
@@ -5324,7 +5313,7 @@
           <p:cNvPr id="2" name="Title 1">
             <a:extLst>
               <a:ext uri="{FF2B5EF4-FFF2-40B4-BE49-F238E27FC236}">
-                <a16:creationId xmlns:a16="http://schemas.microsoft.com/office/drawing/2014/main" id="{47E7FE2B-E561-F0CA-B6B8-12FC3BC7AE0D}"/>
+                <a16:creationId xmlns:a16="http://schemas.microsoft.com/office/drawing/2014/main" id="{95067248-D0C9-951C-5018-B9D02F1CB0B6}"/>
               </a:ext>
             </a:extLst>
           </p:cNvPr>
@@ -5342,7 +5331,7 @@
           <a:p>
             <a:r>
               <a:rPr lang="en-US" dirty="0"/>
-              <a:t>TO DO</a:t>
+              <a:t>Outline</a:t>
             </a:r>
           </a:p>
         </p:txBody>
@@ -5352,7 +5341,7 @@
           <p:cNvPr id="3" name="Content Placeholder 2">
             <a:extLst>
               <a:ext uri="{FF2B5EF4-FFF2-40B4-BE49-F238E27FC236}">
-                <a16:creationId xmlns:a16="http://schemas.microsoft.com/office/drawing/2014/main" id="{D6D4EF02-4971-1DFD-9AA2-11651C230DEC}"/>
+                <a16:creationId xmlns:a16="http://schemas.microsoft.com/office/drawing/2014/main" id="{787A5C4D-5480-817C-854A-EF5172E1F91B}"/>
               </a:ext>
             </a:extLst>
           </p:cNvPr>
@@ -5369,8 +5358,44 @@
           <a:lstStyle/>
           <a:p>
             <a:r>
-              <a:rPr lang="en-US" dirty="0"/>
-              <a:t>DSM</a:t>
+              <a:rPr lang="en-US" b="1" dirty="0"/>
+              <a:t>Introduction</a:t>
+            </a:r>
+          </a:p>
+          <a:p>
+            <a:r>
+              <a:rPr lang="en-US" dirty="0"/>
+              <a:t>Compile time changes</a:t>
+            </a:r>
+          </a:p>
+          <a:p>
+            <a:r>
+              <a:rPr lang="en-US" dirty="0"/>
+              <a:t>Build time changes</a:t>
+            </a:r>
+          </a:p>
+          <a:p>
+            <a:r>
+              <a:rPr lang="en-US" dirty="0"/>
+              <a:t>Installation time changes</a:t>
+            </a:r>
+          </a:p>
+          <a:p>
+            <a:r>
+              <a:rPr lang="en-US" dirty="0"/>
+              <a:t>Run time changes</a:t>
+            </a:r>
+          </a:p>
+          <a:p>
+            <a:r>
+              <a:rPr lang="en-US" dirty="0"/>
+              <a:t>Application to microservices</a:t>
+            </a:r>
+          </a:p>
+          <a:p>
+            <a:r>
+              <a:rPr lang="en-US" dirty="0"/>
+              <a:t>Key questions</a:t>
             </a:r>
           </a:p>
         </p:txBody>
@@ -5378,7 +5403,7 @@
     </p:spTree>
     <p:extLst>
       <p:ext uri="{BB962C8B-B14F-4D97-AF65-F5344CB8AC3E}">
-        <p14:creationId xmlns:p14="http://schemas.microsoft.com/office/powerpoint/2010/main" val="3215238462"/>
+        <p14:creationId xmlns:p14="http://schemas.microsoft.com/office/powerpoint/2010/main" val="1306959949"/>
       </p:ext>
     </p:extLst>
   </p:cSld>
@@ -5410,7 +5435,7 @@
           <p:cNvPr id="2" name="Title 1">
             <a:extLst>
               <a:ext uri="{FF2B5EF4-FFF2-40B4-BE49-F238E27FC236}">
-                <a16:creationId xmlns:a16="http://schemas.microsoft.com/office/drawing/2014/main" id="{95067248-D0C9-951C-5018-B9D02F1CB0B6}"/>
+                <a16:creationId xmlns:a16="http://schemas.microsoft.com/office/drawing/2014/main" id="{14E85942-3354-CB46-295C-E9C32E09EE07}"/>
               </a:ext>
             </a:extLst>
           </p:cNvPr>
@@ -5426,9 +5451,19 @@
           <a:bodyPr/>
           <a:lstStyle/>
           <a:p>
-            <a:r>
-              <a:rPr lang="en-US" dirty="0"/>
-              <a:t>Outline</a:t>
+            <a:pPr marL="0" lvl="0" indent="0" rtl="0" eaLnBrk="1" fontAlgn="base" hangingPunct="1">
+              <a:buNone/>
+            </a:pPr>
+            <a:r>
+              <a:rPr lang="en-US" sz="4400" dirty="0">
+                <a:solidFill>
+                  <a:schemeClr val="tx2"/>
+                </a:solidFill>
+                <a:latin typeface="+mj-lt"/>
+                <a:ea typeface="+mj-ea"/>
+                <a:cs typeface="+mj-cs"/>
+              </a:rPr>
+              <a:t>Configuration parameters</a:t>
             </a:r>
           </a:p>
         </p:txBody>
@@ -5438,7 +5473,7 @@
           <p:cNvPr id="3" name="Content Placeholder 2">
             <a:extLst>
               <a:ext uri="{FF2B5EF4-FFF2-40B4-BE49-F238E27FC236}">
-                <a16:creationId xmlns:a16="http://schemas.microsoft.com/office/drawing/2014/main" id="{787A5C4D-5480-817C-854A-EF5172E1F91B}"/>
+                <a16:creationId xmlns:a16="http://schemas.microsoft.com/office/drawing/2014/main" id="{9F1C1373-16AE-B384-EFC9-AD7363BB6DE6}"/>
               </a:ext>
             </a:extLst>
           </p:cNvPr>
@@ -5456,37 +5491,41 @@
           <a:p>
             <a:r>
               <a:rPr lang="en-US" dirty="0"/>
-              <a:t>Introduction</a:t>
-            </a:r>
-          </a:p>
-          <a:p>
-            <a:r>
-              <a:rPr lang="en-US" dirty="0"/>
-              <a:t>Compile time changes</a:t>
-            </a:r>
-          </a:p>
-          <a:p>
-            <a:r>
-              <a:rPr lang="en-US" dirty="0"/>
-              <a:t>Build time changes</a:t>
-            </a:r>
-          </a:p>
-          <a:p>
-            <a:r>
-              <a:rPr lang="en-US" b="1" dirty="0"/>
-              <a:t>Installation time changes</a:t>
-            </a:r>
-          </a:p>
-          <a:p>
-            <a:r>
-              <a:rPr lang="en-US" dirty="0"/>
-              <a:t>Run time changes</a:t>
-            </a:r>
-          </a:p>
-          <a:p>
-            <a:r>
-              <a:rPr lang="en-US" dirty="0"/>
-              <a:t>Application to microservices</a:t>
+              <a:t>When system is invoked it acquires configuration parameters</a:t>
+            </a:r>
+          </a:p>
+          <a:p>
+            <a:pPr lvl="1"/>
+            <a:r>
+              <a:rPr lang="en-US" dirty="0"/>
+              <a:t>From a special file in a known location</a:t>
+            </a:r>
+          </a:p>
+          <a:p>
+            <a:pPr lvl="1"/>
+            <a:r>
+              <a:rPr lang="en-US" dirty="0"/>
+              <a:t>From OS environment variables</a:t>
+            </a:r>
+          </a:p>
+          <a:p>
+            <a:pPr lvl="1"/>
+            <a:r>
+              <a:rPr lang="en-US" dirty="0"/>
+              <a:t>From configuration database</a:t>
+            </a:r>
+          </a:p>
+          <a:p>
+            <a:pPr lvl="1"/>
+            <a:r>
+              <a:rPr lang="en-US" dirty="0"/>
+              <a:t>From a special tool</a:t>
+            </a:r>
+          </a:p>
+          <a:p>
+            <a:r>
+              <a:rPr lang="en-US" dirty="0"/>
+              <a:t>Values of configuration parameters will affect the behavior of a system.</a:t>
             </a:r>
           </a:p>
         </p:txBody>
@@ -5494,7 +5533,7 @@
     </p:spTree>
     <p:extLst>
       <p:ext uri="{BB962C8B-B14F-4D97-AF65-F5344CB8AC3E}">
-        <p14:creationId xmlns:p14="http://schemas.microsoft.com/office/powerpoint/2010/main" val="3279834612"/>
+        <p14:creationId xmlns:p14="http://schemas.microsoft.com/office/powerpoint/2010/main" val="3890575921"/>
       </p:ext>
     </p:extLst>
   </p:cSld>
@@ -5526,7 +5565,7 @@
           <p:cNvPr id="2" name="Title 1">
             <a:extLst>
               <a:ext uri="{FF2B5EF4-FFF2-40B4-BE49-F238E27FC236}">
-                <a16:creationId xmlns:a16="http://schemas.microsoft.com/office/drawing/2014/main" id="{14E85942-3354-CB46-295C-E9C32E09EE07}"/>
+                <a16:creationId xmlns:a16="http://schemas.microsoft.com/office/drawing/2014/main" id="{70A43DF5-B4FF-6932-F3D9-E7A5AC6C90C4}"/>
               </a:ext>
             </a:extLst>
           </p:cNvPr>
@@ -5537,24 +5576,19 @@
             <p:ph type="title"/>
           </p:nvPr>
         </p:nvSpPr>
-        <p:spPr/>
+        <p:spPr>
+          <a:xfrm>
+            <a:off x="717468" y="457200"/>
+            <a:ext cx="7772400" cy="1143000"/>
+          </a:xfrm>
+        </p:spPr>
         <p:txBody>
           <a:bodyPr/>
           <a:lstStyle/>
           <a:p>
-            <a:pPr marL="0" lvl="0" indent="0" rtl="0" eaLnBrk="1" fontAlgn="base" hangingPunct="1">
-              <a:buNone/>
-            </a:pPr>
-            <a:r>
-              <a:rPr lang="en-US" sz="4400" dirty="0">
-                <a:solidFill>
-                  <a:schemeClr val="tx2"/>
-                </a:solidFill>
-                <a:latin typeface="+mj-lt"/>
-                <a:ea typeface="+mj-ea"/>
-                <a:cs typeface="+mj-cs"/>
-              </a:rPr>
-              <a:t>Configuration parameters</a:t>
+            <a:r>
+              <a:rPr lang="en-US" dirty="0"/>
+              <a:t>Configuration parameters - example</a:t>
             </a:r>
           </a:p>
         </p:txBody>
@@ -5564,7 +5598,7 @@
           <p:cNvPr id="3" name="Content Placeholder 2">
             <a:extLst>
               <a:ext uri="{FF2B5EF4-FFF2-40B4-BE49-F238E27FC236}">
-                <a16:creationId xmlns:a16="http://schemas.microsoft.com/office/drawing/2014/main" id="{9F1C1373-16AE-B384-EFC9-AD7363BB6DE6}"/>
+                <a16:creationId xmlns:a16="http://schemas.microsoft.com/office/drawing/2014/main" id="{A32E4D7E-D01B-AE32-BCA5-D22453E66CBC}"/>
               </a:ext>
             </a:extLst>
           </p:cNvPr>
@@ -5582,41 +5616,13 @@
           <a:p>
             <a:r>
               <a:rPr lang="en-US" dirty="0"/>
-              <a:t>When system is invoked it acquires configuration parameters</a:t>
-            </a:r>
-          </a:p>
-          <a:p>
-            <a:pPr lvl="1"/>
-            <a:r>
-              <a:rPr lang="en-US" dirty="0"/>
-              <a:t>From a special file in a known location</a:t>
-            </a:r>
-          </a:p>
-          <a:p>
-            <a:pPr lvl="1"/>
-            <a:r>
-              <a:rPr lang="en-US" dirty="0"/>
-              <a:t>From OS environment variables</a:t>
-            </a:r>
-          </a:p>
-          <a:p>
-            <a:pPr lvl="1"/>
-            <a:r>
-              <a:rPr lang="en-US" dirty="0"/>
-              <a:t>From configuration database</a:t>
-            </a:r>
-          </a:p>
-          <a:p>
-            <a:pPr lvl="1"/>
-            <a:r>
-              <a:rPr lang="en-US" dirty="0"/>
-              <a:t>From a special tool</a:t>
-            </a:r>
-          </a:p>
-          <a:p>
-            <a:r>
-              <a:rPr lang="en-US" dirty="0"/>
-              <a:t>Values of configuration parameters will affect the behavior of a system.</a:t>
+              <a:t>Configuration parameters allow a system to operate in different environments. </a:t>
+            </a:r>
+          </a:p>
+          <a:p>
+            <a:r>
+              <a:rPr lang="en-US" dirty="0"/>
+              <a:t>E.g. make database URL a configuration parameter. This allows a different database to be used during development than during production.</a:t>
             </a:r>
           </a:p>
         </p:txBody>
@@ -5624,7 +5630,7 @@
     </p:spTree>
     <p:extLst>
       <p:ext uri="{BB962C8B-B14F-4D97-AF65-F5344CB8AC3E}">
-        <p14:creationId xmlns:p14="http://schemas.microsoft.com/office/powerpoint/2010/main" val="3890575921"/>
+        <p14:creationId xmlns:p14="http://schemas.microsoft.com/office/powerpoint/2010/main" val="1386119244"/>
       </p:ext>
     </p:extLst>
   </p:cSld>
@@ -5656,7 +5662,7 @@
           <p:cNvPr id="2" name="Title 1">
             <a:extLst>
               <a:ext uri="{FF2B5EF4-FFF2-40B4-BE49-F238E27FC236}">
-                <a16:creationId xmlns:a16="http://schemas.microsoft.com/office/drawing/2014/main" id="{70A43DF5-B4FF-6932-F3D9-E7A5AC6C90C4}"/>
+                <a16:creationId xmlns:a16="http://schemas.microsoft.com/office/drawing/2014/main" id="{95067248-D0C9-951C-5018-B9D02F1CB0B6}"/>
               </a:ext>
             </a:extLst>
           </p:cNvPr>
@@ -5667,19 +5673,14 @@
             <p:ph type="title"/>
           </p:nvPr>
         </p:nvSpPr>
-        <p:spPr>
-          <a:xfrm>
-            <a:off x="717468" y="457200"/>
-            <a:ext cx="7772400" cy="1143000"/>
-          </a:xfrm>
-        </p:spPr>
+        <p:spPr/>
         <p:txBody>
           <a:bodyPr/>
           <a:lstStyle/>
           <a:p>
             <a:r>
               <a:rPr lang="en-US" dirty="0"/>
-              <a:t>Configuration parameters - example</a:t>
+              <a:t>Outline</a:t>
             </a:r>
           </a:p>
         </p:txBody>
@@ -5689,7 +5690,7 @@
           <p:cNvPr id="3" name="Content Placeholder 2">
             <a:extLst>
               <a:ext uri="{FF2B5EF4-FFF2-40B4-BE49-F238E27FC236}">
-                <a16:creationId xmlns:a16="http://schemas.microsoft.com/office/drawing/2014/main" id="{A32E4D7E-D01B-AE32-BCA5-D22453E66CBC}"/>
+                <a16:creationId xmlns:a16="http://schemas.microsoft.com/office/drawing/2014/main" id="{787A5C4D-5480-817C-854A-EF5172E1F91B}"/>
               </a:ext>
             </a:extLst>
           </p:cNvPr>
@@ -5707,21 +5708,54 @@
           <a:p>
             <a:r>
               <a:rPr lang="en-US" dirty="0"/>
-              <a:t>Configuration parameters allow a system to operate in different environments. </a:t>
-            </a:r>
-          </a:p>
-          <a:p>
-            <a:r>
-              <a:rPr lang="en-US" dirty="0"/>
-              <a:t>E.g. make database URL a configuration parameter. This allows a different database to be used during development than during production.</a:t>
-            </a:r>
+              <a:t>Introduction</a:t>
+            </a:r>
+          </a:p>
+          <a:p>
+            <a:r>
+              <a:rPr lang="en-US" dirty="0"/>
+              <a:t>Compile time changes</a:t>
+            </a:r>
+          </a:p>
+          <a:p>
+            <a:r>
+              <a:rPr lang="en-US" dirty="0"/>
+              <a:t>Build time changes</a:t>
+            </a:r>
+          </a:p>
+          <a:p>
+            <a:r>
+              <a:rPr lang="en-US" dirty="0"/>
+              <a:t>Installation time changes</a:t>
+            </a:r>
+          </a:p>
+          <a:p>
+            <a:r>
+              <a:rPr lang="en-US" b="1" dirty="0"/>
+              <a:t>Run time changes</a:t>
+            </a:r>
+          </a:p>
+          <a:p>
+            <a:r>
+              <a:rPr lang="en-US" dirty="0"/>
+              <a:t>Application to microservices</a:t>
+            </a:r>
+          </a:p>
+          <a:p>
+            <a:r>
+              <a:rPr lang="en-US" dirty="0"/>
+              <a:t>Key questions</a:t>
+            </a:r>
+          </a:p>
+          <a:p>
+            <a:endParaRPr lang="en-US" dirty="0"/>
           </a:p>
         </p:txBody>
       </p:sp>
     </p:spTree>
     <p:extLst>
       <p:ext uri="{BB962C8B-B14F-4D97-AF65-F5344CB8AC3E}">
-        <p14:creationId xmlns:p14="http://schemas.microsoft.com/office/powerpoint/2010/main" val="1386119244"/>
+        <p14:creationId xmlns:p14="http://schemas.microsoft.com/office/powerpoint/2010/main" val="568823492"/>
       </p:ext>
     </p:extLst>
   </p:cSld>
@@ -5753,7 +5787,7 @@
           <p:cNvPr id="2" name="Title 1">
             <a:extLst>
               <a:ext uri="{FF2B5EF4-FFF2-40B4-BE49-F238E27FC236}">
-                <a16:creationId xmlns:a16="http://schemas.microsoft.com/office/drawing/2014/main" id="{95067248-D0C9-951C-5018-B9D02F1CB0B6}"/>
+                <a16:creationId xmlns:a16="http://schemas.microsoft.com/office/drawing/2014/main" id="{C9B4F73E-E36C-2FFA-B3C6-4B11EBFC8E07}"/>
               </a:ext>
             </a:extLst>
           </p:cNvPr>
@@ -5771,8 +5805,13 @@
           <a:p>
             <a:r>
               <a:rPr lang="en-US" dirty="0"/>
-              <a:t>Outline</a:t>
-            </a:r>
+              <a:t>Changes possible during</a:t>
+            </a:r>
+            <a:r>
+              <a:rPr lang="en-US" baseline="0" dirty="0"/>
+              <a:t> runtime</a:t>
+            </a:r>
+            <a:endParaRPr lang="en-US" dirty="0"/>
           </a:p>
         </p:txBody>
       </p:sp>
@@ -5781,7 +5820,7 @@
           <p:cNvPr id="3" name="Content Placeholder 2">
             <a:extLst>
               <a:ext uri="{FF2B5EF4-FFF2-40B4-BE49-F238E27FC236}">
-                <a16:creationId xmlns:a16="http://schemas.microsoft.com/office/drawing/2014/main" id="{787A5C4D-5480-817C-854A-EF5172E1F91B}"/>
+                <a16:creationId xmlns:a16="http://schemas.microsoft.com/office/drawing/2014/main" id="{538DC785-D36D-7986-444A-31346BD9ACCD}"/>
               </a:ext>
             </a:extLst>
           </p:cNvPr>
@@ -5799,45 +5838,36 @@
           <a:p>
             <a:r>
               <a:rPr lang="en-US" dirty="0"/>
-              <a:t>Introduction</a:t>
-            </a:r>
-          </a:p>
-          <a:p>
-            <a:r>
-              <a:rPr lang="en-US" dirty="0"/>
-              <a:t>Compile time changes</a:t>
-            </a:r>
-          </a:p>
-          <a:p>
-            <a:r>
-              <a:rPr lang="en-US" dirty="0"/>
-              <a:t>Build time changes</a:t>
-            </a:r>
-          </a:p>
-          <a:p>
-            <a:r>
-              <a:rPr lang="en-US" dirty="0"/>
-              <a:t>Installation time changes</a:t>
-            </a:r>
-          </a:p>
-          <a:p>
-            <a:r>
-              <a:rPr lang="en-US" b="1" dirty="0"/>
-              <a:t>Run time changes</a:t>
-            </a:r>
-          </a:p>
-          <a:p>
-            <a:r>
-              <a:rPr lang="en-US" dirty="0"/>
-              <a:t>Application to microservices</a:t>
-            </a:r>
+              <a:t>Location of and number of instances</a:t>
+            </a:r>
+          </a:p>
+          <a:p>
+            <a:r>
+              <a:rPr lang="en-US" dirty="0"/>
+              <a:t>Sequence of events can be changed by orchestrator or as a result of failure</a:t>
+            </a:r>
+          </a:p>
+          <a:p>
+            <a:r>
+              <a:rPr lang="en-US" dirty="0"/>
+              <a:t>Control information for embedded systems (e.g. production floor) can be changed by orchestrator</a:t>
+            </a:r>
+          </a:p>
+          <a:p>
+            <a:pPr marL="0" indent="0">
+              <a:buNone/>
+            </a:pPr>
+            <a:endParaRPr lang="en-US" dirty="0"/>
+          </a:p>
+          <a:p>
+            <a:endParaRPr lang="en-US" dirty="0"/>
           </a:p>
         </p:txBody>
       </p:sp>
     </p:spTree>
     <p:extLst>
       <p:ext uri="{BB962C8B-B14F-4D97-AF65-F5344CB8AC3E}">
-        <p14:creationId xmlns:p14="http://schemas.microsoft.com/office/powerpoint/2010/main" val="568823492"/>
+        <p14:creationId xmlns:p14="http://schemas.microsoft.com/office/powerpoint/2010/main" val="1812845078"/>
       </p:ext>
     </p:extLst>
   </p:cSld>
@@ -5869,7 +5899,7 @@
           <p:cNvPr id="2" name="Title 1">
             <a:extLst>
               <a:ext uri="{FF2B5EF4-FFF2-40B4-BE49-F238E27FC236}">
-                <a16:creationId xmlns:a16="http://schemas.microsoft.com/office/drawing/2014/main" id="{C9B4F73E-E36C-2FFA-B3C6-4B11EBFC8E07}"/>
+                <a16:creationId xmlns:a16="http://schemas.microsoft.com/office/drawing/2014/main" id="{95067248-D0C9-951C-5018-B9D02F1CB0B6}"/>
               </a:ext>
             </a:extLst>
           </p:cNvPr>
@@ -5887,13 +5917,8 @@
           <a:p>
             <a:r>
               <a:rPr lang="en-US" dirty="0"/>
-              <a:t>Changes possible during</a:t>
-            </a:r>
-            <a:r>
-              <a:rPr lang="en-US" baseline="0" dirty="0"/>
-              <a:t> runtime</a:t>
-            </a:r>
-            <a:endParaRPr lang="en-US" dirty="0"/>
+              <a:t>Outline</a:t>
+            </a:r>
           </a:p>
         </p:txBody>
       </p:sp>
@@ -5902,7 +5927,7 @@
           <p:cNvPr id="3" name="Content Placeholder 2">
             <a:extLst>
               <a:ext uri="{FF2B5EF4-FFF2-40B4-BE49-F238E27FC236}">
-                <a16:creationId xmlns:a16="http://schemas.microsoft.com/office/drawing/2014/main" id="{538DC785-D36D-7986-444A-31346BD9ACCD}"/>
+                <a16:creationId xmlns:a16="http://schemas.microsoft.com/office/drawing/2014/main" id="{787A5C4D-5480-817C-854A-EF5172E1F91B}"/>
               </a:ext>
             </a:extLst>
           </p:cNvPr>
@@ -5920,36 +5945,54 @@
           <a:p>
             <a:r>
               <a:rPr lang="en-US" dirty="0"/>
-              <a:t>Location of and number of instances</a:t>
-            </a:r>
-          </a:p>
-          <a:p>
-            <a:r>
-              <a:rPr lang="en-US" dirty="0"/>
-              <a:t>Sequence of events can be changed by orchestrator or as a result of failure</a:t>
-            </a:r>
-          </a:p>
-          <a:p>
-            <a:r>
-              <a:rPr lang="en-US" dirty="0"/>
-              <a:t>Control information for embedded systems (e.g. production floor) can be changed by orchestrator</a:t>
-            </a:r>
-          </a:p>
-          <a:p>
-            <a:pPr marL="0" indent="0">
-              <a:buNone/>
-            </a:pPr>
-            <a:endParaRPr lang="en-US" dirty="0"/>
-          </a:p>
-          <a:p>
-            <a:endParaRPr lang="en-US" dirty="0"/>
+              <a:t>Introduction</a:t>
+            </a:r>
+          </a:p>
+          <a:p>
+            <a:r>
+              <a:rPr lang="en-US" dirty="0"/>
+              <a:t>Compile time changes</a:t>
+            </a:r>
+          </a:p>
+          <a:p>
+            <a:r>
+              <a:rPr lang="en-US" dirty="0"/>
+              <a:t>Build time changes</a:t>
+            </a:r>
+          </a:p>
+          <a:p>
+            <a:r>
+              <a:rPr lang="en-US" dirty="0"/>
+              <a:t>Installation time changes</a:t>
+            </a:r>
+          </a:p>
+          <a:p>
+            <a:r>
+              <a:rPr lang="en-US" dirty="0"/>
+              <a:t>Run time changes</a:t>
+            </a:r>
+          </a:p>
+          <a:p>
+            <a:r>
+              <a:rPr lang="en-US" b="1" dirty="0"/>
+              <a:t>Application to microservices</a:t>
+            </a:r>
+          </a:p>
+          <a:p>
+            <a:r>
+              <a:rPr lang="en-US" dirty="0"/>
+              <a:t>Key questions</a:t>
+            </a:r>
+          </a:p>
+          <a:p>
+            <a:endParaRPr lang="en-US" b="1" dirty="0"/>
           </a:p>
         </p:txBody>
       </p:sp>
     </p:spTree>
     <p:extLst>
       <p:ext uri="{BB962C8B-B14F-4D97-AF65-F5344CB8AC3E}">
-        <p14:creationId xmlns:p14="http://schemas.microsoft.com/office/powerpoint/2010/main" val="1812845078"/>
+        <p14:creationId xmlns:p14="http://schemas.microsoft.com/office/powerpoint/2010/main" val="3406419636"/>
       </p:ext>
     </p:extLst>
   </p:cSld>
@@ -5981,7 +6024,7 @@
           <p:cNvPr id="2" name="Title 1">
             <a:extLst>
               <a:ext uri="{FF2B5EF4-FFF2-40B4-BE49-F238E27FC236}">
-                <a16:creationId xmlns:a16="http://schemas.microsoft.com/office/drawing/2014/main" id="{95067248-D0C9-951C-5018-B9D02F1CB0B6}"/>
+                <a16:creationId xmlns:a16="http://schemas.microsoft.com/office/drawing/2014/main" id="{3BEBCB04-1F1C-D855-156B-40849D2646AA}"/>
               </a:ext>
             </a:extLst>
           </p:cNvPr>
@@ -5999,7 +6042,7 @@
           <a:p>
             <a:r>
               <a:rPr lang="en-US" dirty="0"/>
-              <a:t>Outline</a:t>
+              <a:t>Microservices</a:t>
             </a:r>
           </a:p>
         </p:txBody>
@@ -6009,7 +6052,7 @@
           <p:cNvPr id="3" name="Content Placeholder 2">
             <a:extLst>
               <a:ext uri="{FF2B5EF4-FFF2-40B4-BE49-F238E27FC236}">
-                <a16:creationId xmlns:a16="http://schemas.microsoft.com/office/drawing/2014/main" id="{787A5C4D-5480-817C-854A-EF5172E1F91B}"/>
+                <a16:creationId xmlns:a16="http://schemas.microsoft.com/office/drawing/2014/main" id="{057F387A-100F-D19D-1452-22EB46BF45BC}"/>
               </a:ext>
             </a:extLst>
           </p:cNvPr>
@@ -6025,39 +6068,35 @@
           <a:bodyPr/>
           <a:lstStyle/>
           <a:p>
-            <a:r>
-              <a:rPr lang="en-US" dirty="0"/>
-              <a:t>Introduction</a:t>
-            </a:r>
-          </a:p>
-          <a:p>
-            <a:r>
-              <a:rPr lang="en-US" dirty="0"/>
-              <a:t>Compile time changes</a:t>
-            </a:r>
-          </a:p>
-          <a:p>
-            <a:r>
-              <a:rPr lang="en-US" dirty="0"/>
-              <a:t>Build time changes</a:t>
-            </a:r>
-          </a:p>
-          <a:p>
-            <a:r>
-              <a:rPr lang="en-US" dirty="0"/>
-              <a:t>Installation time changes</a:t>
-            </a:r>
-          </a:p>
-          <a:p>
-            <a:r>
-              <a:rPr lang="en-US" dirty="0"/>
-              <a:t>Run time changes</a:t>
-            </a:r>
-          </a:p>
-          <a:p>
+            <a:pPr marL="0" indent="0">
+              <a:buNone/>
+            </a:pPr>
+            <a:r>
+              <a:rPr lang="en-US" dirty="0"/>
+              <a:t>“”Microservices architecture consists of collections of light-weight, loosely-coupled services. </a:t>
+            </a:r>
             <a:r>
               <a:rPr lang="en-US" b="1" dirty="0"/>
-              <a:t>Application to microservices</a:t>
+              <a:t>Each service implements a single business capability.</a:t>
+            </a:r>
+            <a:r>
+              <a:rPr lang="en-US" dirty="0"/>
+              <a:t> ”</a:t>
+            </a:r>
+          </a:p>
+          <a:p>
+            <a:pPr marL="0" indent="0">
+              <a:buNone/>
+            </a:pPr>
+            <a:endParaRPr lang="en-US" dirty="0"/>
+          </a:p>
+          <a:p>
+            <a:pPr marL="0" indent="0">
+              <a:buNone/>
+            </a:pPr>
+            <a:r>
+              <a:rPr lang="en-US" dirty="0"/>
+              <a:t>Well, sort of.</a:t>
             </a:r>
           </a:p>
         </p:txBody>
@@ -6065,7 +6104,7 @@
     </p:spTree>
     <p:extLst>
       <p:ext uri="{BB962C8B-B14F-4D97-AF65-F5344CB8AC3E}">
-        <p14:creationId xmlns:p14="http://schemas.microsoft.com/office/powerpoint/2010/main" val="3406419636"/>
+        <p14:creationId xmlns:p14="http://schemas.microsoft.com/office/powerpoint/2010/main" val="4136675068"/>
       </p:ext>
     </p:extLst>
   </p:cSld>
@@ -6097,7 +6136,7 @@
           <p:cNvPr id="2" name="Title 1">
             <a:extLst>
               <a:ext uri="{FF2B5EF4-FFF2-40B4-BE49-F238E27FC236}">
-                <a16:creationId xmlns:a16="http://schemas.microsoft.com/office/drawing/2014/main" id="{3BEBCB04-1F1C-D855-156B-40849D2646AA}"/>
+                <a16:creationId xmlns:a16="http://schemas.microsoft.com/office/drawing/2014/main" id="{356FBF70-F47F-20B2-6BAD-D1191EF6A003}"/>
               </a:ext>
             </a:extLst>
           </p:cNvPr>
@@ -6115,8 +6154,13 @@
           <a:p>
             <a:r>
               <a:rPr lang="en-US" dirty="0"/>
-              <a:t>Microservices</a:t>
-            </a:r>
+              <a:t>Designing</a:t>
+            </a:r>
+            <a:r>
+              <a:rPr lang="en-US" baseline="0" dirty="0"/>
+              <a:t> microservices</a:t>
+            </a:r>
+            <a:endParaRPr lang="en-US" dirty="0"/>
           </a:p>
         </p:txBody>
       </p:sp>
@@ -6125,7 +6169,7 @@
           <p:cNvPr id="3" name="Content Placeholder 2">
             <a:extLst>
               <a:ext uri="{FF2B5EF4-FFF2-40B4-BE49-F238E27FC236}">
-                <a16:creationId xmlns:a16="http://schemas.microsoft.com/office/drawing/2014/main" id="{057F387A-100F-D19D-1452-22EB46BF45BC}"/>
+                <a16:creationId xmlns:a16="http://schemas.microsoft.com/office/drawing/2014/main" id="{A0D51A1C-9A76-1A8F-BD03-8292A60A2A39}"/>
               </a:ext>
             </a:extLst>
           </p:cNvPr>
@@ -6141,35 +6185,25 @@
           <a:bodyPr/>
           <a:lstStyle/>
           <a:p>
-            <a:pPr marL="0" indent="0">
-              <a:buNone/>
-            </a:pPr>
-            <a:r>
-              <a:rPr lang="en-US" dirty="0"/>
-              <a:t>“”Microservices architecture consists of collections of light-weight, loosely-coupled services. </a:t>
-            </a:r>
-            <a:r>
-              <a:rPr lang="en-US" b="1" dirty="0"/>
-              <a:t>Each service implements a single business capability.</a:t>
-            </a:r>
-            <a:r>
-              <a:rPr lang="en-US" dirty="0"/>
-              <a:t> ”</a:t>
-            </a:r>
-          </a:p>
-          <a:p>
-            <a:pPr marL="0" indent="0">
-              <a:buNone/>
-            </a:pPr>
-            <a:endParaRPr lang="en-US" dirty="0"/>
-          </a:p>
-          <a:p>
-            <a:pPr marL="0" indent="0">
-              <a:buNone/>
-            </a:pPr>
-            <a:r>
-              <a:rPr lang="en-US" dirty="0"/>
-              <a:t>Well, sort of.</a:t>
+            <a:r>
+              <a:rPr lang="en-US" dirty="0"/>
+              <a:t>Start with each</a:t>
+            </a:r>
+            <a:r>
+              <a:rPr lang="en-US" baseline="0" dirty="0"/>
+              <a:t> microservice implementing a single business capability</a:t>
+            </a:r>
+          </a:p>
+          <a:p>
+            <a:r>
+              <a:rPr lang="en-US" dirty="0"/>
+              <a:t>Identify microservices with high coupling using DSM.</a:t>
+            </a:r>
+          </a:p>
+          <a:p>
+            <a:r>
+              <a:rPr lang="en-US" dirty="0"/>
+              <a:t> Reduce coupling either through refactoring or introduction of intermediaries</a:t>
             </a:r>
           </a:p>
         </p:txBody>
@@ -6177,7 +6211,7 @@
     </p:spTree>
     <p:extLst>
       <p:ext uri="{BB962C8B-B14F-4D97-AF65-F5344CB8AC3E}">
-        <p14:creationId xmlns:p14="http://schemas.microsoft.com/office/powerpoint/2010/main" val="4136675068"/>
+        <p14:creationId xmlns:p14="http://schemas.microsoft.com/office/powerpoint/2010/main" val="3941505446"/>
       </p:ext>
     </p:extLst>
   </p:cSld>
@@ -6209,7 +6243,7 @@
           <p:cNvPr id="2" name="Title 1">
             <a:extLst>
               <a:ext uri="{FF2B5EF4-FFF2-40B4-BE49-F238E27FC236}">
-                <a16:creationId xmlns:a16="http://schemas.microsoft.com/office/drawing/2014/main" id="{356FBF70-F47F-20B2-6BAD-D1191EF6A003}"/>
+                <a16:creationId xmlns:a16="http://schemas.microsoft.com/office/drawing/2014/main" id="{F5D16B28-54D6-C3B2-5751-B972E16E2C69}"/>
               </a:ext>
             </a:extLst>
           </p:cNvPr>
@@ -6227,13 +6261,8 @@
           <a:p>
             <a:r>
               <a:rPr lang="en-US" dirty="0"/>
-              <a:t>Designing</a:t>
-            </a:r>
-            <a:r>
-              <a:rPr lang="en-US" baseline="0" dirty="0"/>
-              <a:t> microservices</a:t>
-            </a:r>
-            <a:endParaRPr lang="en-US" dirty="0"/>
+              <a:t>Packaging microservices</a:t>
+            </a:r>
           </a:p>
         </p:txBody>
       </p:sp>
@@ -6242,7 +6271,7 @@
           <p:cNvPr id="3" name="Content Placeholder 2">
             <a:extLst>
               <a:ext uri="{FF2B5EF4-FFF2-40B4-BE49-F238E27FC236}">
-                <a16:creationId xmlns:a16="http://schemas.microsoft.com/office/drawing/2014/main" id="{A0D51A1C-9A76-1A8F-BD03-8292A60A2A39}"/>
+                <a16:creationId xmlns:a16="http://schemas.microsoft.com/office/drawing/2014/main" id="{2F33A1D6-5C4B-1691-2AAD-5347FFA8B903}"/>
               </a:ext>
             </a:extLst>
           </p:cNvPr>
@@ -6260,31 +6289,24 @@
           <a:p>
             <a:r>
               <a:rPr lang="en-US" dirty="0"/>
-              <a:t>Start with each</a:t>
-            </a:r>
-            <a:r>
-              <a:rPr lang="en-US" baseline="0" dirty="0"/>
-              <a:t> microservice implementing a single business capability</a:t>
-            </a:r>
-          </a:p>
-          <a:p>
-            <a:r>
-              <a:rPr lang="en-US" dirty="0"/>
-              <a:t>Identify microservices with high coupling using DSM.</a:t>
-            </a:r>
-          </a:p>
-          <a:p>
-            <a:r>
-              <a:rPr lang="en-US" dirty="0"/>
-              <a:t> Reduce coupling either through refactoring or introduction of intermediaries</a:t>
-            </a:r>
+              <a:t>Each microservice becomes a container</a:t>
+            </a:r>
+          </a:p>
+          <a:p>
+            <a:r>
+              <a:rPr lang="en-US" dirty="0"/>
+              <a:t>Place containers with high intercommunication needs into a pod.</a:t>
+            </a:r>
+          </a:p>
+          <a:p>
+            <a:endParaRPr lang="en-US" dirty="0"/>
           </a:p>
         </p:txBody>
       </p:sp>
     </p:spTree>
     <p:extLst>
       <p:ext uri="{BB962C8B-B14F-4D97-AF65-F5344CB8AC3E}">
-        <p14:creationId xmlns:p14="http://schemas.microsoft.com/office/powerpoint/2010/main" val="3941505446"/>
+        <p14:creationId xmlns:p14="http://schemas.microsoft.com/office/powerpoint/2010/main" val="2797595005"/>
       </p:ext>
     </p:extLst>
   </p:cSld>
@@ -6316,7 +6338,7 @@
           <p:cNvPr id="2" name="Title 1">
             <a:extLst>
               <a:ext uri="{FF2B5EF4-FFF2-40B4-BE49-F238E27FC236}">
-                <a16:creationId xmlns:a16="http://schemas.microsoft.com/office/drawing/2014/main" id="{F5D16B28-54D6-C3B2-5751-B972E16E2C69}"/>
+                <a16:creationId xmlns:a16="http://schemas.microsoft.com/office/drawing/2014/main" id="{95067248-D0C9-951C-5018-B9D02F1CB0B6}"/>
               </a:ext>
             </a:extLst>
           </p:cNvPr>
@@ -6334,7 +6356,7 @@
           <a:p>
             <a:r>
               <a:rPr lang="en-US" dirty="0"/>
-              <a:t>Packaging microservices</a:t>
+              <a:t>Outline</a:t>
             </a:r>
           </a:p>
         </p:txBody>
@@ -6344,7 +6366,7 @@
           <p:cNvPr id="3" name="Content Placeholder 2">
             <a:extLst>
               <a:ext uri="{FF2B5EF4-FFF2-40B4-BE49-F238E27FC236}">
-                <a16:creationId xmlns:a16="http://schemas.microsoft.com/office/drawing/2014/main" id="{2F33A1D6-5C4B-1691-2AAD-5347FFA8B903}"/>
+                <a16:creationId xmlns:a16="http://schemas.microsoft.com/office/drawing/2014/main" id="{787A5C4D-5480-817C-854A-EF5172E1F91B}"/>
               </a:ext>
             </a:extLst>
           </p:cNvPr>
@@ -6362,13 +6384,43 @@
           <a:p>
             <a:r>
               <a:rPr lang="en-US" dirty="0"/>
-              <a:t>Each microservice becomes a container</a:t>
-            </a:r>
-          </a:p>
-          <a:p>
-            <a:r>
-              <a:rPr lang="en-US" dirty="0"/>
-              <a:t>Place containers with high intercommunication needs into a pod.</a:t>
+              <a:t>Introduction</a:t>
+            </a:r>
+          </a:p>
+          <a:p>
+            <a:r>
+              <a:rPr lang="en-US" dirty="0"/>
+              <a:t>Compile time changes</a:t>
+            </a:r>
+          </a:p>
+          <a:p>
+            <a:r>
+              <a:rPr lang="en-US" dirty="0"/>
+              <a:t>Build time changes</a:t>
+            </a:r>
+          </a:p>
+          <a:p>
+            <a:r>
+              <a:rPr lang="en-US" dirty="0"/>
+              <a:t>Installation time changes</a:t>
+            </a:r>
+          </a:p>
+          <a:p>
+            <a:r>
+              <a:rPr lang="en-US" dirty="0"/>
+              <a:t>Run time changes</a:t>
+            </a:r>
+          </a:p>
+          <a:p>
+            <a:r>
+              <a:rPr lang="en-US" dirty="0"/>
+              <a:t>Application to microservices</a:t>
+            </a:r>
+          </a:p>
+          <a:p>
+            <a:r>
+              <a:rPr lang="en-US" b="1" dirty="0"/>
+              <a:t>Key questions</a:t>
             </a:r>
           </a:p>
         </p:txBody>
@@ -6376,7 +6428,7 @@
     </p:spTree>
     <p:extLst>
       <p:ext uri="{BB962C8B-B14F-4D97-AF65-F5344CB8AC3E}">
-        <p14:creationId xmlns:p14="http://schemas.microsoft.com/office/powerpoint/2010/main" val="2797595005"/>
+        <p14:creationId xmlns:p14="http://schemas.microsoft.com/office/powerpoint/2010/main" val="2391950918"/>
       </p:ext>
     </p:extLst>
   </p:cSld>
@@ -6408,7 +6460,7 @@
           <p:cNvPr id="2" name="Title 1">
             <a:extLst>
               <a:ext uri="{FF2B5EF4-FFF2-40B4-BE49-F238E27FC236}">
-                <a16:creationId xmlns:a16="http://schemas.microsoft.com/office/drawing/2014/main" id="{755D9365-4993-8C9A-E74E-79EB68AD70EC}"/>
+                <a16:creationId xmlns:a16="http://schemas.microsoft.com/office/drawing/2014/main" id="{FF9EB111-A910-A792-84BF-388FDFBA8710}"/>
               </a:ext>
             </a:extLst>
           </p:cNvPr>
@@ -6426,7 +6478,7 @@
           <a:p>
             <a:r>
               <a:rPr lang="en-US" dirty="0"/>
-              <a:t>Summary</a:t>
+              <a:t>Key questions</a:t>
             </a:r>
           </a:p>
         </p:txBody>
@@ -6436,7 +6488,7 @@
           <p:cNvPr id="3" name="Content Placeholder 2">
             <a:extLst>
               <a:ext uri="{FF2B5EF4-FFF2-40B4-BE49-F238E27FC236}">
-                <a16:creationId xmlns:a16="http://schemas.microsoft.com/office/drawing/2014/main" id="{2CC12C62-1819-6519-56BE-01F72D679B25}"/>
+                <a16:creationId xmlns:a16="http://schemas.microsoft.com/office/drawing/2014/main" id="{6E7E27C7-27A0-F567-97EB-DC4D62E9E598}"/>
               </a:ext>
             </a:extLst>
           </p:cNvPr>
@@ -6447,150 +6499,28 @@
             <p:ph idx="1"/>
           </p:nvPr>
         </p:nvSpPr>
-        <p:spPr>
-          <a:xfrm>
-            <a:off x="685800" y="1752600"/>
-            <a:ext cx="7772400" cy="4038600"/>
-          </a:xfrm>
-        </p:spPr>
+        <p:spPr/>
         <p:txBody>
           <a:bodyPr/>
           <a:lstStyle/>
           <a:p>
-            <a:pPr rtl="0" eaLnBrk="1" fontAlgn="base" hangingPunct="1"/>
-            <a:r>
-              <a:rPr lang="en-US" sz="2800" dirty="0">
-                <a:solidFill>
-                  <a:schemeClr val="tx1"/>
-                </a:solidFill>
-                <a:effectLst/>
-                <a:latin typeface="+mn-lt"/>
-                <a:ea typeface="+mn-ea"/>
-                <a:cs typeface="+mn-cs"/>
-              </a:rPr>
-              <a:t>Modifiability is the ability to make a change to the behavior of a system.</a:t>
-            </a:r>
-            <a:endParaRPr lang="en-US" sz="2800" dirty="0">
-              <a:effectLst/>
-            </a:endParaRPr>
-          </a:p>
-          <a:p>
-            <a:pPr rtl="0" eaLnBrk="1" fontAlgn="base" hangingPunct="1"/>
-            <a:r>
-              <a:rPr lang="en-US" sz="2800" dirty="0">
-                <a:solidFill>
-                  <a:schemeClr val="tx1"/>
-                </a:solidFill>
-                <a:effectLst/>
-                <a:latin typeface="+mn-lt"/>
-                <a:ea typeface="+mn-ea"/>
-                <a:cs typeface="+mn-cs"/>
-              </a:rPr>
-              <a:t>The changes can occur at</a:t>
-            </a:r>
-            <a:endParaRPr lang="en-US" dirty="0">
-              <a:effectLst/>
-            </a:endParaRPr>
-          </a:p>
-          <a:p>
             <a:pPr lvl="1"/>
             <a:r>
-              <a:rPr lang="en-US" dirty="0">
-                <a:solidFill>
-                  <a:schemeClr val="tx1"/>
-                </a:solidFill>
-                <a:effectLst/>
-                <a:latin typeface="+mn-lt"/>
-                <a:ea typeface="+mn-ea"/>
-                <a:cs typeface="+mn-cs"/>
-              </a:rPr>
-              <a:t>Compile time through code changes</a:t>
-            </a:r>
-            <a:endParaRPr lang="en-US" dirty="0">
-              <a:effectLst/>
-            </a:endParaRPr>
+              <a:rPr lang="en-US" dirty="0"/>
+              <a:t>What are the expected modifications to the system?</a:t>
+            </a:r>
           </a:p>
           <a:p>
             <a:pPr lvl="1"/>
             <a:r>
-              <a:rPr lang="en-US" dirty="0">
-                <a:solidFill>
-                  <a:schemeClr val="tx1"/>
-                </a:solidFill>
-                <a:effectLst/>
-                <a:latin typeface="+mn-lt"/>
-                <a:ea typeface="+mn-ea"/>
-                <a:cs typeface="+mn-cs"/>
-              </a:rPr>
-              <a:t>Build time through incorporation of different dependencies</a:t>
-            </a:r>
-            <a:endParaRPr lang="en-US" dirty="0">
-              <a:effectLst/>
-            </a:endParaRPr>
-          </a:p>
-          <a:p>
-            <a:pPr lvl="1"/>
-            <a:r>
-              <a:rPr lang="en-US" dirty="0">
-                <a:solidFill>
-                  <a:schemeClr val="tx1"/>
-                </a:solidFill>
-                <a:effectLst/>
-                <a:latin typeface="+mn-lt"/>
-                <a:ea typeface="+mn-ea"/>
-                <a:cs typeface="+mn-cs"/>
-              </a:rPr>
-              <a:t>Initialization time through configuration parameters </a:t>
-            </a:r>
-            <a:endParaRPr lang="en-US" dirty="0"/>
-          </a:p>
-          <a:p>
-            <a:pPr lvl="1"/>
-            <a:r>
-              <a:rPr lang="en-US" dirty="0">
-                <a:solidFill>
-                  <a:schemeClr val="tx1"/>
-                </a:solidFill>
-                <a:effectLst/>
-                <a:latin typeface="+mn-lt"/>
-                <a:ea typeface="+mn-ea"/>
-                <a:cs typeface="+mn-cs"/>
-              </a:rPr>
-              <a:t>Run time </a:t>
-            </a:r>
-            <a:r>
-              <a:rPr lang="en-US">
-                <a:solidFill>
-                  <a:schemeClr val="tx1"/>
-                </a:solidFill>
-                <a:effectLst/>
-                <a:latin typeface="+mn-lt"/>
-                <a:ea typeface="+mn-ea"/>
-                <a:cs typeface="+mn-cs"/>
-              </a:rPr>
-              <a:t>through discovery</a:t>
-            </a:r>
-            <a:endParaRPr lang="en-US" dirty="0">
-              <a:solidFill>
-                <a:schemeClr val="tx1"/>
-              </a:solidFill>
-              <a:effectLst/>
-              <a:latin typeface="+mn-lt"/>
-              <a:ea typeface="+mn-ea"/>
-              <a:cs typeface="+mn-cs"/>
-            </a:endParaRPr>
-          </a:p>
-          <a:p>
-            <a:pPr rtl="0" eaLnBrk="1" fontAlgn="base" hangingPunct="1"/>
-            <a:r>
-              <a:rPr lang="en-US" dirty="0"/>
-              <a:t>Ensure microservices are not highly coupled</a:t>
-            </a:r>
-            <a:endParaRPr lang="en-US" dirty="0">
-              <a:effectLst/>
-            </a:endParaRPr>
-          </a:p>
-          <a:p>
+              <a:rPr lang="en-US" dirty="0"/>
+              <a:t>Do the expected modifications involve multiple components?</a:t>
+            </a:r>
+          </a:p>
+          <a:p>
+            <a:pPr marL="0" indent="0">
+              <a:buNone/>
+            </a:pPr>
             <a:endParaRPr lang="en-US" dirty="0"/>
           </a:p>
         </p:txBody>
@@ -6598,7 +6528,7 @@
     </p:spTree>
     <p:extLst>
       <p:ext uri="{BB962C8B-B14F-4D97-AF65-F5344CB8AC3E}">
-        <p14:creationId xmlns:p14="http://schemas.microsoft.com/office/powerpoint/2010/main" val="2282532488"/>
+        <p14:creationId xmlns:p14="http://schemas.microsoft.com/office/powerpoint/2010/main" val="1050062002"/>
       </p:ext>
     </p:extLst>
   </p:cSld>
@@ -6630,7 +6560,7 @@
           <p:cNvPr id="2" name="Title 1">
             <a:extLst>
               <a:ext uri="{FF2B5EF4-FFF2-40B4-BE49-F238E27FC236}">
-                <a16:creationId xmlns:a16="http://schemas.microsoft.com/office/drawing/2014/main" id="{95067248-D0C9-951C-5018-B9D02F1CB0B6}"/>
+                <a16:creationId xmlns:a16="http://schemas.microsoft.com/office/drawing/2014/main" id="{CE32338D-457A-0149-76D0-43FE2DDCD603}"/>
               </a:ext>
             </a:extLst>
           </p:cNvPr>
@@ -6648,7 +6578,7 @@
           <a:p>
             <a:r>
               <a:rPr lang="en-US" dirty="0"/>
-              <a:t>Outline</a:t>
+              <a:t>Modifiability</a:t>
             </a:r>
           </a:p>
         </p:txBody>
@@ -6658,7 +6588,7 @@
           <p:cNvPr id="3" name="Content Placeholder 2">
             <a:extLst>
               <a:ext uri="{FF2B5EF4-FFF2-40B4-BE49-F238E27FC236}">
-                <a16:creationId xmlns:a16="http://schemas.microsoft.com/office/drawing/2014/main" id="{787A5C4D-5480-817C-854A-EF5172E1F91B}"/>
+                <a16:creationId xmlns:a16="http://schemas.microsoft.com/office/drawing/2014/main" id="{4809B053-74E8-5C5F-0856-34FCB62BE328}"/>
               </a:ext>
             </a:extLst>
           </p:cNvPr>
@@ -6675,46 +6605,284 @@
           <a:lstStyle/>
           <a:p>
             <a:r>
-              <a:rPr lang="en-US" b="1" dirty="0"/>
-              <a:t>Introduction</a:t>
-            </a:r>
-          </a:p>
-          <a:p>
-            <a:r>
-              <a:rPr lang="en-US" dirty="0"/>
-              <a:t>Compile time changes</a:t>
-            </a:r>
-          </a:p>
-          <a:p>
-            <a:r>
-              <a:rPr lang="en-US" dirty="0"/>
-              <a:t>Build time changes</a:t>
-            </a:r>
-          </a:p>
-          <a:p>
-            <a:r>
-              <a:rPr lang="en-US" dirty="0"/>
-              <a:t>Installation time changes</a:t>
-            </a:r>
-          </a:p>
-          <a:p>
-            <a:r>
-              <a:rPr lang="en-US" dirty="0"/>
-              <a:t>Run time changes</a:t>
-            </a:r>
-          </a:p>
-          <a:p>
-            <a:r>
-              <a:rPr lang="en-US" dirty="0"/>
-              <a:t>Application to microservices</a:t>
-            </a:r>
+              <a:rPr lang="en-US" dirty="0"/>
+              <a:t>Modifiability is the ability to make a change to the behavior of a system.</a:t>
+            </a:r>
+            <a:endParaRPr lang="en-US" sz="2400" dirty="0">
+              <a:effectLst/>
+            </a:endParaRPr>
+          </a:p>
+          <a:p>
+            <a:pPr indent="-285750"/>
+            <a:r>
+              <a:rPr lang="en-US" dirty="0"/>
+              <a:t>The changes can occur at</a:t>
+            </a:r>
+          </a:p>
+          <a:p>
+            <a:pPr lvl="1"/>
+            <a:r>
+              <a:rPr lang="en-US" dirty="0">
+                <a:effectLst/>
+              </a:rPr>
+              <a:t>Compile time through code changes</a:t>
+            </a:r>
+          </a:p>
+          <a:p>
+            <a:pPr lvl="1"/>
+            <a:r>
+              <a:rPr lang="en-US" dirty="0"/>
+              <a:t>Build time through incorporation of different dependencies</a:t>
+            </a:r>
+          </a:p>
+          <a:p>
+            <a:pPr lvl="1"/>
+            <a:r>
+              <a:rPr lang="en-US" dirty="0"/>
+              <a:t>Initialization time through configuration parameters or discovery</a:t>
+            </a:r>
+          </a:p>
+          <a:p>
+            <a:pPr lvl="1"/>
+            <a:r>
+              <a:rPr lang="en-US" dirty="0"/>
+              <a:t>Run time through either configuration parameters or particular types of input.</a:t>
+            </a:r>
+          </a:p>
+          <a:p>
+            <a:pPr lvl="1"/>
+            <a:endParaRPr lang="en-US" dirty="0">
+              <a:effectLst/>
+            </a:endParaRPr>
           </a:p>
         </p:txBody>
       </p:sp>
     </p:spTree>
     <p:extLst>
       <p:ext uri="{BB962C8B-B14F-4D97-AF65-F5344CB8AC3E}">
-        <p14:creationId xmlns:p14="http://schemas.microsoft.com/office/powerpoint/2010/main" val="1306959949"/>
+        <p14:creationId xmlns:p14="http://schemas.microsoft.com/office/powerpoint/2010/main" val="3497663658"/>
+      </p:ext>
+    </p:extLst>
+  </p:cSld>
+  <p:clrMapOvr>
+    <a:masterClrMapping/>
+  </p:clrMapOvr>
+</p:sld>
+</file>
+
+<file path=ppt/slides/slide30.xml><?xml version="1.0" encoding="utf-8"?>
+<p:sld xmlns:a="http://schemas.openxmlformats.org/drawingml/2006/main" xmlns:r="http://schemas.openxmlformats.org/officeDocument/2006/relationships" xmlns:p="http://schemas.openxmlformats.org/presentationml/2006/main">
+  <p:cSld>
+    <p:spTree>
+      <p:nvGrpSpPr>
+        <p:cNvPr id="1" name=""/>
+        <p:cNvGrpSpPr/>
+        <p:nvPr/>
+      </p:nvGrpSpPr>
+      <p:grpSpPr>
+        <a:xfrm>
+          <a:off x="0" y="0"/>
+          <a:ext cx="0" cy="0"/>
+          <a:chOff x="0" y="0"/>
+          <a:chExt cx="0" cy="0"/>
+        </a:xfrm>
+      </p:grpSpPr>
+      <p:sp>
+        <p:nvSpPr>
+          <p:cNvPr id="2" name="Title 1">
+            <a:extLst>
+              <a:ext uri="{FF2B5EF4-FFF2-40B4-BE49-F238E27FC236}">
+                <a16:creationId xmlns:a16="http://schemas.microsoft.com/office/drawing/2014/main" id="{755D9365-4993-8C9A-E74E-79EB68AD70EC}"/>
+              </a:ext>
+            </a:extLst>
+          </p:cNvPr>
+          <p:cNvSpPr>
+            <a:spLocks noGrp="1"/>
+          </p:cNvSpPr>
+          <p:nvPr>
+            <p:ph type="title"/>
+          </p:nvPr>
+        </p:nvSpPr>
+        <p:spPr/>
+        <p:txBody>
+          <a:bodyPr/>
+          <a:lstStyle/>
+          <a:p>
+            <a:r>
+              <a:rPr lang="en-US" dirty="0"/>
+              <a:t>Summary</a:t>
+            </a:r>
+          </a:p>
+        </p:txBody>
+      </p:sp>
+      <p:sp>
+        <p:nvSpPr>
+          <p:cNvPr id="3" name="Content Placeholder 2">
+            <a:extLst>
+              <a:ext uri="{FF2B5EF4-FFF2-40B4-BE49-F238E27FC236}">
+                <a16:creationId xmlns:a16="http://schemas.microsoft.com/office/drawing/2014/main" id="{2CC12C62-1819-6519-56BE-01F72D679B25}"/>
+              </a:ext>
+            </a:extLst>
+          </p:cNvPr>
+          <p:cNvSpPr>
+            <a:spLocks noGrp="1"/>
+          </p:cNvSpPr>
+          <p:nvPr>
+            <p:ph idx="1"/>
+          </p:nvPr>
+        </p:nvSpPr>
+        <p:spPr>
+          <a:xfrm>
+            <a:off x="685800" y="1752600"/>
+            <a:ext cx="7772400" cy="4038600"/>
+          </a:xfrm>
+        </p:spPr>
+        <p:txBody>
+          <a:bodyPr/>
+          <a:lstStyle/>
+          <a:p>
+            <a:pPr rtl="0" eaLnBrk="1" fontAlgn="base" hangingPunct="1"/>
+            <a:r>
+              <a:rPr lang="en-US" sz="2800" dirty="0">
+                <a:solidFill>
+                  <a:schemeClr val="tx1"/>
+                </a:solidFill>
+                <a:effectLst/>
+                <a:latin typeface="+mn-lt"/>
+                <a:ea typeface="+mn-ea"/>
+                <a:cs typeface="+mn-cs"/>
+              </a:rPr>
+              <a:t>Modifiability is the ability to make a change to the behavior of a system.</a:t>
+            </a:r>
+            <a:endParaRPr lang="en-US" sz="2800" dirty="0">
+              <a:effectLst/>
+            </a:endParaRPr>
+          </a:p>
+          <a:p>
+            <a:pPr rtl="0" eaLnBrk="1" fontAlgn="base" hangingPunct="1"/>
+            <a:r>
+              <a:rPr lang="en-US" sz="2800" dirty="0">
+                <a:solidFill>
+                  <a:schemeClr val="tx1"/>
+                </a:solidFill>
+                <a:effectLst/>
+                <a:latin typeface="+mn-lt"/>
+                <a:ea typeface="+mn-ea"/>
+                <a:cs typeface="+mn-cs"/>
+              </a:rPr>
+              <a:t>The changes can occur at</a:t>
+            </a:r>
+            <a:endParaRPr lang="en-US" dirty="0">
+              <a:effectLst/>
+            </a:endParaRPr>
+          </a:p>
+          <a:p>
+            <a:pPr lvl="1"/>
+            <a:r>
+              <a:rPr lang="en-US" dirty="0">
+                <a:solidFill>
+                  <a:schemeClr val="tx1"/>
+                </a:solidFill>
+                <a:effectLst/>
+                <a:latin typeface="+mn-lt"/>
+                <a:ea typeface="+mn-ea"/>
+                <a:cs typeface="+mn-cs"/>
+              </a:rPr>
+              <a:t>Compile time through code changes</a:t>
+            </a:r>
+            <a:endParaRPr lang="en-US" dirty="0">
+              <a:effectLst/>
+            </a:endParaRPr>
+          </a:p>
+          <a:p>
+            <a:pPr lvl="1"/>
+            <a:r>
+              <a:rPr lang="en-US" dirty="0">
+                <a:solidFill>
+                  <a:schemeClr val="tx1"/>
+                </a:solidFill>
+                <a:effectLst/>
+                <a:latin typeface="+mn-lt"/>
+                <a:ea typeface="+mn-ea"/>
+                <a:cs typeface="+mn-cs"/>
+              </a:rPr>
+              <a:t>Build time through incorporation of different dependencies</a:t>
+            </a:r>
+            <a:endParaRPr lang="en-US" dirty="0">
+              <a:effectLst/>
+            </a:endParaRPr>
+          </a:p>
+          <a:p>
+            <a:pPr lvl="1"/>
+            <a:r>
+              <a:rPr lang="en-US" dirty="0">
+                <a:solidFill>
+                  <a:schemeClr val="tx1"/>
+                </a:solidFill>
+                <a:effectLst/>
+                <a:latin typeface="+mn-lt"/>
+                <a:ea typeface="+mn-ea"/>
+                <a:cs typeface="+mn-cs"/>
+              </a:rPr>
+              <a:t>Initialization time through configuration parameters </a:t>
+            </a:r>
+            <a:endParaRPr lang="en-US" dirty="0"/>
+          </a:p>
+          <a:p>
+            <a:pPr lvl="1"/>
+            <a:r>
+              <a:rPr lang="en-US" dirty="0">
+                <a:solidFill>
+                  <a:schemeClr val="tx1"/>
+                </a:solidFill>
+                <a:effectLst/>
+                <a:latin typeface="+mn-lt"/>
+                <a:ea typeface="+mn-ea"/>
+                <a:cs typeface="+mn-cs"/>
+              </a:rPr>
+              <a:t>Run time </a:t>
+            </a:r>
+            <a:r>
+              <a:rPr lang="en-US">
+                <a:solidFill>
+                  <a:schemeClr val="tx1"/>
+                </a:solidFill>
+                <a:effectLst/>
+                <a:latin typeface="+mn-lt"/>
+                <a:ea typeface="+mn-ea"/>
+                <a:cs typeface="+mn-cs"/>
+              </a:rPr>
+              <a:t>through discovery</a:t>
+            </a:r>
+            <a:endParaRPr lang="en-US" dirty="0">
+              <a:solidFill>
+                <a:schemeClr val="tx1"/>
+              </a:solidFill>
+              <a:effectLst/>
+              <a:latin typeface="+mn-lt"/>
+              <a:ea typeface="+mn-ea"/>
+              <a:cs typeface="+mn-cs"/>
+            </a:endParaRPr>
+          </a:p>
+          <a:p>
+            <a:pPr rtl="0" eaLnBrk="1" fontAlgn="base" hangingPunct="1"/>
+            <a:r>
+              <a:rPr lang="en-US" dirty="0"/>
+              <a:t>Ensure microservices are not highly coupled</a:t>
+            </a:r>
+            <a:endParaRPr lang="en-US" dirty="0">
+              <a:effectLst/>
+            </a:endParaRPr>
+          </a:p>
+          <a:p>
+            <a:endParaRPr lang="en-US" dirty="0"/>
+          </a:p>
+        </p:txBody>
+      </p:sp>
+    </p:spTree>
+    <p:extLst>
+      <p:ext uri="{BB962C8B-B14F-4D97-AF65-F5344CB8AC3E}">
+        <p14:creationId xmlns:p14="http://schemas.microsoft.com/office/powerpoint/2010/main" val="2282532488"/>
       </p:ext>
     </p:extLst>
   </p:cSld>
@@ -6746,7 +6914,7 @@
           <p:cNvPr id="2" name="Title 1">
             <a:extLst>
               <a:ext uri="{FF2B5EF4-FFF2-40B4-BE49-F238E27FC236}">
-                <a16:creationId xmlns:a16="http://schemas.microsoft.com/office/drawing/2014/main" id="{CE32338D-457A-0149-76D0-43FE2DDCD603}"/>
+                <a16:creationId xmlns:a16="http://schemas.microsoft.com/office/drawing/2014/main" id="{95067248-D0C9-951C-5018-B9D02F1CB0B6}"/>
               </a:ext>
             </a:extLst>
           </p:cNvPr>
@@ -6764,7 +6932,7 @@
           <a:p>
             <a:r>
               <a:rPr lang="en-US" dirty="0"/>
-              <a:t>Modifiability</a:t>
+              <a:t>Outline</a:t>
             </a:r>
           </a:p>
         </p:txBody>
@@ -6774,7 +6942,7 @@
           <p:cNvPr id="3" name="Content Placeholder 2">
             <a:extLst>
               <a:ext uri="{FF2B5EF4-FFF2-40B4-BE49-F238E27FC236}">
-                <a16:creationId xmlns:a16="http://schemas.microsoft.com/office/drawing/2014/main" id="{4809B053-74E8-5C5F-0856-34FCB62BE328}"/>
+                <a16:creationId xmlns:a16="http://schemas.microsoft.com/office/drawing/2014/main" id="{787A5C4D-5480-817C-854A-EF5172E1F91B}"/>
               </a:ext>
             </a:extLst>
           </p:cNvPr>
@@ -6792,61 +6960,54 @@
           <a:p>
             <a:r>
               <a:rPr lang="en-US" dirty="0"/>
-              <a:t>Modifiability is the ability to make a change to the behavior of a system.</a:t>
-            </a:r>
-            <a:endParaRPr lang="en-US" sz="2400" dirty="0">
-              <a:effectLst/>
-            </a:endParaRPr>
-          </a:p>
-          <a:p>
-            <a:pPr indent="-285750"/>
-            <a:r>
-              <a:rPr lang="en-US" dirty="0"/>
-              <a:t>The changes can occur at</a:t>
-            </a:r>
-          </a:p>
-          <a:p>
-            <a:pPr lvl="1"/>
-            <a:r>
-              <a:rPr lang="en-US" dirty="0">
-                <a:effectLst/>
-              </a:rPr>
-              <a:t>Compile time through code changes</a:t>
-            </a:r>
-          </a:p>
-          <a:p>
-            <a:pPr lvl="1"/>
-            <a:r>
-              <a:rPr lang="en-US" dirty="0"/>
-              <a:t>Build time through incorporation of different dependencies</a:t>
-            </a:r>
-          </a:p>
-          <a:p>
-            <a:pPr lvl="1"/>
-            <a:r>
-              <a:rPr lang="en-US" dirty="0"/>
-              <a:t>Initialization time through configuration parameters or discovery</a:t>
-            </a:r>
-          </a:p>
-          <a:p>
-            <a:pPr lvl="1"/>
-            <a:r>
-              <a:rPr lang="en-US" dirty="0"/>
-              <a:t>Run time through either configuration parameters or particular types of input.</a:t>
-            </a:r>
-          </a:p>
-          <a:p>
-            <a:pPr lvl="1"/>
-            <a:endParaRPr lang="en-US" dirty="0">
-              <a:effectLst/>
-            </a:endParaRPr>
+              <a:t>Introduction</a:t>
+            </a:r>
+          </a:p>
+          <a:p>
+            <a:r>
+              <a:rPr lang="en-US" b="1" dirty="0"/>
+              <a:t>Compile time changes</a:t>
+            </a:r>
+          </a:p>
+          <a:p>
+            <a:r>
+              <a:rPr lang="en-US" dirty="0"/>
+              <a:t>Build time changes</a:t>
+            </a:r>
+          </a:p>
+          <a:p>
+            <a:r>
+              <a:rPr lang="en-US" dirty="0"/>
+              <a:t>Installation time changes</a:t>
+            </a:r>
+          </a:p>
+          <a:p>
+            <a:r>
+              <a:rPr lang="en-US" dirty="0"/>
+              <a:t>Run time changes</a:t>
+            </a:r>
+          </a:p>
+          <a:p>
+            <a:r>
+              <a:rPr lang="en-US" dirty="0"/>
+              <a:t>Application to microservices</a:t>
+            </a:r>
+          </a:p>
+          <a:p>
+            <a:r>
+              <a:rPr lang="en-US" dirty="0"/>
+              <a:t>Key questions</a:t>
+            </a:r>
+          </a:p>
+          <a:p>
+            <a:endParaRPr lang="en-US" dirty="0"/>
           </a:p>
         </p:txBody>
       </p:sp>
     </p:spTree>
     <p:extLst>
       <p:ext uri="{BB962C8B-B14F-4D97-AF65-F5344CB8AC3E}">
-        <p14:creationId xmlns:p14="http://schemas.microsoft.com/office/powerpoint/2010/main" val="3497663658"/>
+        <p14:creationId xmlns:p14="http://schemas.microsoft.com/office/powerpoint/2010/main" val="81358419"/>
       </p:ext>
     </p:extLst>
   </p:cSld>
@@ -6878,7 +7039,7 @@
           <p:cNvPr id="2" name="Title 1">
             <a:extLst>
               <a:ext uri="{FF2B5EF4-FFF2-40B4-BE49-F238E27FC236}">
-                <a16:creationId xmlns:a16="http://schemas.microsoft.com/office/drawing/2014/main" id="{95067248-D0C9-951C-5018-B9D02F1CB0B6}"/>
+                <a16:creationId xmlns:a16="http://schemas.microsoft.com/office/drawing/2014/main" id="{228D3A4C-A888-000B-EBDD-FBC048C3C415}"/>
               </a:ext>
             </a:extLst>
           </p:cNvPr>
@@ -6896,7 +7057,7 @@
           <a:p>
             <a:r>
               <a:rPr lang="en-US" dirty="0"/>
-              <a:t>Outline</a:t>
+              <a:t>Compile time changes</a:t>
             </a:r>
           </a:p>
         </p:txBody>
@@ -6906,7 +7067,7 @@
           <p:cNvPr id="3" name="Content Placeholder 2">
             <a:extLst>
               <a:ext uri="{FF2B5EF4-FFF2-40B4-BE49-F238E27FC236}">
-                <a16:creationId xmlns:a16="http://schemas.microsoft.com/office/drawing/2014/main" id="{787A5C4D-5480-817C-854A-EF5172E1F91B}"/>
+                <a16:creationId xmlns:a16="http://schemas.microsoft.com/office/drawing/2014/main" id="{61D9B2D0-FFA4-B4F3-CFFC-6E4E1BE0C99C}"/>
               </a:ext>
             </a:extLst>
           </p:cNvPr>
@@ -6922,39 +7083,34 @@
           <a:bodyPr/>
           <a:lstStyle/>
           <a:p>
-            <a:r>
-              <a:rPr lang="en-US" dirty="0"/>
-              <a:t>Introduction</a:t>
-            </a:r>
-          </a:p>
-          <a:p>
-            <a:r>
-              <a:rPr lang="en-US" b="1" dirty="0"/>
-              <a:t>Compile time changes</a:t>
-            </a:r>
-          </a:p>
-          <a:p>
-            <a:r>
-              <a:rPr lang="en-US" dirty="0"/>
-              <a:t>Build time changes</a:t>
-            </a:r>
-          </a:p>
-          <a:p>
-            <a:r>
-              <a:rPr lang="en-US" dirty="0"/>
-              <a:t>Installation time changes</a:t>
-            </a:r>
-          </a:p>
-          <a:p>
-            <a:r>
-              <a:rPr lang="en-US" dirty="0"/>
-              <a:t>Run time changes</a:t>
-            </a:r>
-          </a:p>
-          <a:p>
-            <a:r>
-              <a:rPr lang="en-US" dirty="0"/>
-              <a:t>Application to microservices</a:t>
+            <a:pPr marL="0" indent="0">
+              <a:buNone/>
+            </a:pPr>
+            <a:r>
+              <a:rPr lang="en-US" dirty="0"/>
+              <a:t>Key concepts are coupling</a:t>
+            </a:r>
+            <a:r>
+              <a:rPr lang="en-US" baseline="0" dirty="0"/>
+              <a:t> and cohesion.</a:t>
+            </a:r>
+          </a:p>
+          <a:p>
+            <a:pPr marL="0" indent="0">
+              <a:buNone/>
+            </a:pPr>
+            <a:r>
+              <a:rPr lang="en-US" baseline="0" dirty="0"/>
+              <a:t>Coupling: An overlap in responsibilities among modules.</a:t>
+            </a:r>
+          </a:p>
+          <a:p>
+            <a:pPr marL="0" indent="0">
+              <a:buNone/>
+            </a:pPr>
+            <a:r>
+              <a:rPr lang="en-US" dirty="0"/>
+              <a:t>Cohesion: The relation between the responsibilities in one module.</a:t>
             </a:r>
           </a:p>
         </p:txBody>
@@ -6962,7 +7118,7 @@
     </p:spTree>
     <p:extLst>
       <p:ext uri="{BB962C8B-B14F-4D97-AF65-F5344CB8AC3E}">
-        <p14:creationId xmlns:p14="http://schemas.microsoft.com/office/powerpoint/2010/main" val="81358419"/>
+        <p14:creationId xmlns:p14="http://schemas.microsoft.com/office/powerpoint/2010/main" val="2467326934"/>
       </p:ext>
     </p:extLst>
   </p:cSld>
@@ -6994,7 +7150,7 @@
           <p:cNvPr id="2" name="Title 1">
             <a:extLst>
               <a:ext uri="{FF2B5EF4-FFF2-40B4-BE49-F238E27FC236}">
-                <a16:creationId xmlns:a16="http://schemas.microsoft.com/office/drawing/2014/main" id="{228D3A4C-A888-000B-EBDD-FBC048C3C415}"/>
+                <a16:creationId xmlns:a16="http://schemas.microsoft.com/office/drawing/2014/main" id="{2549555F-E674-A4F9-1F9C-D1D20A78E9EA}"/>
               </a:ext>
             </a:extLst>
           </p:cNvPr>
@@ -7012,8 +7168,13 @@
           <a:p>
             <a:r>
               <a:rPr lang="en-US" dirty="0"/>
-              <a:t>Compile time changes</a:t>
-            </a:r>
+              <a:t>Make</a:t>
+            </a:r>
+            <a:r>
+              <a:rPr lang="en-US" baseline="0" dirty="0"/>
+              <a:t> modifications easier</a:t>
+            </a:r>
+            <a:endParaRPr lang="en-US" dirty="0"/>
           </a:p>
         </p:txBody>
       </p:sp>
@@ -7022,7 +7183,7 @@
           <p:cNvPr id="3" name="Content Placeholder 2">
             <a:extLst>
               <a:ext uri="{FF2B5EF4-FFF2-40B4-BE49-F238E27FC236}">
-                <a16:creationId xmlns:a16="http://schemas.microsoft.com/office/drawing/2014/main" id="{61D9B2D0-FFA4-B4F3-CFFC-6E4E1BE0C99C}"/>
+                <a16:creationId xmlns:a16="http://schemas.microsoft.com/office/drawing/2014/main" id="{199EFCAA-26C8-9207-5C77-93743E1C59BE}"/>
               </a:ext>
             </a:extLst>
           </p:cNvPr>
@@ -7038,42 +7199,38 @@
           <a:bodyPr/>
           <a:lstStyle/>
           <a:p>
-            <a:pPr marL="0" indent="0">
-              <a:buNone/>
-            </a:pPr>
-            <a:r>
-              <a:rPr lang="en-US" dirty="0"/>
-              <a:t>Key concepts are coupling</a:t>
-            </a:r>
-            <a:r>
-              <a:rPr lang="en-US" baseline="0" dirty="0"/>
-              <a:t> and cohesion.</a:t>
-            </a:r>
-          </a:p>
-          <a:p>
-            <a:pPr marL="0" indent="0">
-              <a:buNone/>
-            </a:pPr>
-            <a:r>
-              <a:rPr lang="en-US" baseline="0" dirty="0"/>
-              <a:t>Coupling: An overlap in responsibilities among modules.</a:t>
-            </a:r>
-          </a:p>
-          <a:p>
-            <a:pPr marL="0" indent="0">
-              <a:buNone/>
-            </a:pPr>
-            <a:r>
-              <a:rPr lang="en-US" dirty="0"/>
-              <a:t>Cohesion: The relation between the responsibilities in one module.</a:t>
-            </a:r>
+            <a:r>
+              <a:rPr lang="en-US" dirty="0"/>
+              <a:t>Modifications localized to one module are easier.</a:t>
+            </a:r>
+          </a:p>
+          <a:p>
+            <a:r>
+              <a:rPr lang="en-US" dirty="0"/>
+              <a:t>Strive for high cohesion and low coupling.</a:t>
+            </a:r>
+          </a:p>
+          <a:p>
+            <a:r>
+              <a:rPr lang="en-US" dirty="0"/>
+              <a:t>Makes it more likely that changes are localized to one module.</a:t>
+            </a:r>
+          </a:p>
+          <a:p>
+            <a:r>
+              <a:rPr lang="en-US" dirty="0"/>
+              <a:t>Test with change scenarios</a:t>
+            </a:r>
+          </a:p>
+          <a:p>
+            <a:endParaRPr lang="en-US" dirty="0"/>
           </a:p>
         </p:txBody>
       </p:sp>
     </p:spTree>
     <p:extLst>
       <p:ext uri="{BB962C8B-B14F-4D97-AF65-F5344CB8AC3E}">
-        <p14:creationId xmlns:p14="http://schemas.microsoft.com/office/powerpoint/2010/main" val="2467326934"/>
+        <p14:creationId xmlns:p14="http://schemas.microsoft.com/office/powerpoint/2010/main" val="1343341013"/>
       </p:ext>
     </p:extLst>
   </p:cSld>
@@ -7105,7 +7262,7 @@
           <p:cNvPr id="2" name="Title 1">
             <a:extLst>
               <a:ext uri="{FF2B5EF4-FFF2-40B4-BE49-F238E27FC236}">
-                <a16:creationId xmlns:a16="http://schemas.microsoft.com/office/drawing/2014/main" id="{2549555F-E674-A4F9-1F9C-D1D20A78E9EA}"/>
+                <a16:creationId xmlns:a16="http://schemas.microsoft.com/office/drawing/2014/main" id="{457195AF-BD72-BEEF-4A2D-F4E3A080D5CF}"/>
               </a:ext>
             </a:extLst>
           </p:cNvPr>
@@ -7123,69 +7280,232 @@
           <a:p>
             <a:r>
               <a:rPr lang="en-US" dirty="0"/>
-              <a:t>Make</a:t>
-            </a:r>
-            <a:r>
-              <a:rPr lang="en-US" baseline="0" dirty="0"/>
-              <a:t> modifications easier</a:t>
-            </a:r>
-            <a:endParaRPr lang="en-US" dirty="0"/>
-          </a:p>
-        </p:txBody>
-      </p:sp>
-      <p:sp>
-        <p:nvSpPr>
-          <p:cNvPr id="3" name="Content Placeholder 2">
+              <a:t>Coupling</a:t>
+            </a:r>
+          </a:p>
+        </p:txBody>
+      </p:sp>
+      <p:sp>
+        <p:nvSpPr>
+          <p:cNvPr id="4" name="Oval 3">
             <a:extLst>
               <a:ext uri="{FF2B5EF4-FFF2-40B4-BE49-F238E27FC236}">
-                <a16:creationId xmlns:a16="http://schemas.microsoft.com/office/drawing/2014/main" id="{199EFCAA-26C8-9207-5C77-93743E1C59BE}"/>
+                <a16:creationId xmlns:a16="http://schemas.microsoft.com/office/drawing/2014/main" id="{DB0E99F1-2598-723F-9CE8-C0D75B626792}"/>
               </a:ext>
             </a:extLst>
           </p:cNvPr>
-          <p:cNvSpPr>
-            <a:spLocks noGrp="1"/>
-          </p:cNvSpPr>
-          <p:nvPr>
-            <p:ph idx="1"/>
-          </p:nvPr>
-        </p:nvSpPr>
-        <p:spPr/>
-        <p:txBody>
-          <a:bodyPr/>
+          <p:cNvSpPr/>
+          <p:nvPr/>
+        </p:nvSpPr>
+        <p:spPr bwMode="auto">
+          <a:xfrm>
+            <a:off x="3657600" y="2614056"/>
+            <a:ext cx="3124200" cy="1905000"/>
+          </a:xfrm>
+          <a:prstGeom prst="ellipse">
+            <a:avLst/>
+          </a:prstGeom>
+          <a:solidFill>
+            <a:srgbClr val="FF0000">
+              <a:alpha val="54902"/>
+            </a:srgbClr>
+          </a:solidFill>
+          <a:ln w="9525" cap="flat" cmpd="sng" algn="ctr">
+            <a:solidFill>
+              <a:schemeClr val="tx1"/>
+            </a:solidFill>
+            <a:prstDash val="solid"/>
+            <a:round/>
+            <a:headEnd type="none" w="med" len="med"/>
+            <a:tailEnd type="none" w="med" len="med"/>
+          </a:ln>
+          <a:effectLst/>
+          <a:extLst>
+            <a:ext uri="{AF507438-7753-43e0-B8FC-AC1667EBCBE1}">
+              <a14:hiddenEffects xmlns:a14="http://schemas.microsoft.com/office/drawing/2010/main" xmlns="">
+                <a:effectLst>
+                  <a:outerShdw blurRad="63500" dist="38099" dir="2700000" algn="ctr" rotWithShape="0">
+                    <a:schemeClr val="bg2">
+                      <a:alpha val="74998"/>
+                    </a:schemeClr>
+                  </a:outerShdw>
+                </a:effectLst>
+              </a14:hiddenEffects>
+            </a:ext>
+          </a:extLst>
+        </p:spPr>
+        <p:txBody>
+          <a:bodyPr vert="horz" wrap="square" lIns="91440" tIns="45720" rIns="91440" bIns="45720" numCol="1" rtlCol="0" anchor="t" anchorCtr="0" compatLnSpc="1">
+            <a:prstTxWarp prst="textNoShape">
+              <a:avLst/>
+            </a:prstTxWarp>
+          </a:bodyPr>
           <a:lstStyle/>
           <a:p>
-            <a:r>
-              <a:rPr lang="en-US" dirty="0"/>
-              <a:t>Modifications localized to one module are easier.</a:t>
-            </a:r>
-          </a:p>
-          <a:p>
-            <a:r>
-              <a:rPr lang="en-US" dirty="0"/>
-              <a:t>Strive for high cohesion and low coupling.</a:t>
-            </a:r>
-          </a:p>
-          <a:p>
-            <a:r>
-              <a:rPr lang="en-US" dirty="0"/>
-              <a:t>Makes it more likely that changes are localized to one module.</a:t>
-            </a:r>
-          </a:p>
-          <a:p>
-            <a:r>
-              <a:rPr lang="en-US" dirty="0"/>
-              <a:t>Test with change scenarios</a:t>
-            </a:r>
-          </a:p>
-          <a:p>
-            <a:endParaRPr lang="en-US" dirty="0"/>
+            <a:pPr marL="0" marR="0" indent="0" algn="l" defTabSz="914400" rtl="0" eaLnBrk="0" fontAlgn="base" latinLnBrk="0" hangingPunct="0">
+              <a:lnSpc>
+                <a:spcPct val="100000"/>
+              </a:lnSpc>
+              <a:spcBef>
+                <a:spcPct val="0"/>
+              </a:spcBef>
+              <a:spcAft>
+                <a:spcPct val="0"/>
+              </a:spcAft>
+              <a:buClrTx/>
+              <a:buSzTx/>
+              <a:buFontTx/>
+              <a:buNone/>
+              <a:tabLst/>
+            </a:pPr>
+            <a:r>
+              <a:rPr kumimoji="0" lang="en-US" sz="2400" b="0" i="0" u="none" strike="noStrike" cap="none" normalizeH="0" baseline="0" dirty="0">
+                <a:ln>
+                  <a:noFill/>
+                </a:ln>
+                <a:solidFill>
+                  <a:srgbClr val="000000"/>
+                </a:solidFill>
+                <a:effectLst/>
+                <a:latin typeface="Times" charset="0"/>
+                <a:ea typeface="Osaka" charset="0"/>
+                <a:cs typeface="Osaka" charset="0"/>
+              </a:rPr>
+              <a:t>           Module 2</a:t>
+            </a:r>
+          </a:p>
+        </p:txBody>
+      </p:sp>
+      <p:sp>
+        <p:nvSpPr>
+          <p:cNvPr id="5" name="Oval 4">
+            <a:extLst>
+              <a:ext uri="{FF2B5EF4-FFF2-40B4-BE49-F238E27FC236}">
+                <a16:creationId xmlns:a16="http://schemas.microsoft.com/office/drawing/2014/main" id="{5F514F9E-D8B1-8E6C-92C5-B6B939681DA8}"/>
+              </a:ext>
+            </a:extLst>
+          </p:cNvPr>
+          <p:cNvSpPr/>
+          <p:nvPr/>
+        </p:nvSpPr>
+        <p:spPr bwMode="auto">
+          <a:xfrm>
+            <a:off x="1943100" y="2743200"/>
+            <a:ext cx="3124200" cy="1905000"/>
+          </a:xfrm>
+          <a:prstGeom prst="ellipse">
+            <a:avLst/>
+          </a:prstGeom>
+          <a:solidFill>
+            <a:schemeClr val="bg2">
+              <a:alpha val="65882"/>
+            </a:schemeClr>
+          </a:solidFill>
+          <a:ln w="9525" cap="flat" cmpd="sng" algn="ctr">
+            <a:solidFill>
+              <a:schemeClr val="tx1"/>
+            </a:solidFill>
+            <a:prstDash val="solid"/>
+            <a:round/>
+            <a:headEnd type="none" w="med" len="med"/>
+            <a:tailEnd type="none" w="med" len="med"/>
+          </a:ln>
+          <a:effectLst/>
+          <a:extLst>
+            <a:ext uri="{AF507438-7753-43e0-B8FC-AC1667EBCBE1}">
+              <a14:hiddenEffects xmlns:a14="http://schemas.microsoft.com/office/drawing/2010/main" xmlns="">
+                <a:effectLst>
+                  <a:outerShdw blurRad="63500" dist="38099" dir="2700000" algn="ctr" rotWithShape="0">
+                    <a:schemeClr val="bg2">
+                      <a:alpha val="74998"/>
+                    </a:schemeClr>
+                  </a:outerShdw>
+                </a:effectLst>
+              </a14:hiddenEffects>
+            </a:ext>
+          </a:extLst>
+        </p:spPr>
+        <p:txBody>
+          <a:bodyPr vert="horz" wrap="square" lIns="91440" tIns="45720" rIns="91440" bIns="45720" numCol="1" rtlCol="0" anchor="t" anchorCtr="0" compatLnSpc="1">
+            <a:prstTxWarp prst="textNoShape">
+              <a:avLst/>
+            </a:prstTxWarp>
+          </a:bodyPr>
+          <a:lstStyle/>
+          <a:p>
+            <a:pPr marL="0" marR="0" indent="0" algn="l" defTabSz="914400" rtl="0" eaLnBrk="0" fontAlgn="base" latinLnBrk="0" hangingPunct="0">
+              <a:lnSpc>
+                <a:spcPct val="100000"/>
+              </a:lnSpc>
+              <a:spcBef>
+                <a:spcPct val="0"/>
+              </a:spcBef>
+              <a:spcAft>
+                <a:spcPct val="0"/>
+              </a:spcAft>
+              <a:buClrTx/>
+              <a:buSzTx/>
+              <a:buFontTx/>
+              <a:buNone/>
+              <a:tabLst/>
+            </a:pPr>
+            <a:r>
+              <a:rPr kumimoji="0" lang="en-US" sz="2400" b="0" i="0" u="none" strike="noStrike" cap="none" normalizeH="0" baseline="0" dirty="0">
+                <a:ln>
+                  <a:noFill/>
+                </a:ln>
+                <a:solidFill>
+                  <a:srgbClr val="000000"/>
+                </a:solidFill>
+                <a:effectLst/>
+                <a:latin typeface="Times" charset="0"/>
+                <a:ea typeface="Osaka" charset="0"/>
+                <a:cs typeface="Osaka" charset="0"/>
+              </a:rPr>
+              <a:t>Module 1</a:t>
+            </a:r>
+          </a:p>
+        </p:txBody>
+      </p:sp>
+      <p:sp>
+        <p:nvSpPr>
+          <p:cNvPr id="6" name="TextBox 5">
+            <a:extLst>
+              <a:ext uri="{FF2B5EF4-FFF2-40B4-BE49-F238E27FC236}">
+                <a16:creationId xmlns:a16="http://schemas.microsoft.com/office/drawing/2014/main" id="{4B089B68-4ACA-1D88-F777-0B6898684E09}"/>
+              </a:ext>
+            </a:extLst>
+          </p:cNvPr>
+          <p:cNvSpPr txBox="1"/>
+          <p:nvPr/>
+        </p:nvSpPr>
+        <p:spPr>
+          <a:xfrm>
+            <a:off x="2133600" y="4953000"/>
+            <a:ext cx="5562600" cy="954107"/>
+          </a:xfrm>
+          <a:prstGeom prst="rect">
+            <a:avLst/>
+          </a:prstGeom>
+          <a:noFill/>
+        </p:spPr>
+        <p:txBody>
+          <a:bodyPr wrap="square" rtlCol="0">
+            <a:spAutoFit/>
+          </a:bodyPr>
+          <a:lstStyle/>
+          <a:p>
+            <a:r>
+              <a:rPr lang="en-US" sz="2800" dirty="0"/>
+              <a:t>Strong dependency of one module on another</a:t>
+            </a:r>
           </a:p>
         </p:txBody>
       </p:sp>
     </p:spTree>
     <p:extLst>
       <p:ext uri="{BB962C8B-B14F-4D97-AF65-F5344CB8AC3E}">
-        <p14:creationId xmlns:p14="http://schemas.microsoft.com/office/powerpoint/2010/main" val="1343341013"/>
+        <p14:creationId xmlns:p14="http://schemas.microsoft.com/office/powerpoint/2010/main" val="3072752217"/>
       </p:ext>
     </p:extLst>
   </p:cSld>
@@ -7217,7 +7537,7 @@
           <p:cNvPr id="2" name="Title 1">
             <a:extLst>
               <a:ext uri="{FF2B5EF4-FFF2-40B4-BE49-F238E27FC236}">
-                <a16:creationId xmlns:a16="http://schemas.microsoft.com/office/drawing/2014/main" id="{457195AF-BD72-BEEF-4A2D-F4E3A080D5CF}"/>
+                <a16:creationId xmlns:a16="http://schemas.microsoft.com/office/drawing/2014/main" id="{0253D78E-1B4A-D8B3-0459-D47CB612601D}"/>
               </a:ext>
             </a:extLst>
           </p:cNvPr>
@@ -7235,232 +7555,52 @@
           <a:p>
             <a:r>
               <a:rPr lang="en-US" dirty="0"/>
-              <a:t>Coupling</a:t>
-            </a:r>
-          </a:p>
-        </p:txBody>
-      </p:sp>
-      <p:sp>
-        <p:nvSpPr>
-          <p:cNvPr id="4" name="Oval 3">
+              <a:t>Determining high coupling</a:t>
+            </a:r>
+          </a:p>
+        </p:txBody>
+      </p:sp>
+      <p:sp>
+        <p:nvSpPr>
+          <p:cNvPr id="3" name="Content Placeholder 2">
             <a:extLst>
               <a:ext uri="{FF2B5EF4-FFF2-40B4-BE49-F238E27FC236}">
-                <a16:creationId xmlns:a16="http://schemas.microsoft.com/office/drawing/2014/main" id="{DB0E99F1-2598-723F-9CE8-C0D75B626792}"/>
+                <a16:creationId xmlns:a16="http://schemas.microsoft.com/office/drawing/2014/main" id="{F656D562-DC96-15BE-45A8-1F974450CD0A}"/>
               </a:ext>
             </a:extLst>
           </p:cNvPr>
-          <p:cNvSpPr/>
-          <p:nvPr/>
-        </p:nvSpPr>
-        <p:spPr bwMode="auto">
-          <a:xfrm>
-            <a:off x="3657600" y="2614056"/>
-            <a:ext cx="3124200" cy="1905000"/>
-          </a:xfrm>
-          <a:prstGeom prst="ellipse">
-            <a:avLst/>
-          </a:prstGeom>
-          <a:solidFill>
-            <a:srgbClr val="FF0000">
-              <a:alpha val="54902"/>
-            </a:srgbClr>
-          </a:solidFill>
-          <a:ln w="9525" cap="flat" cmpd="sng" algn="ctr">
-            <a:solidFill>
-              <a:schemeClr val="tx1"/>
-            </a:solidFill>
-            <a:prstDash val="solid"/>
-            <a:round/>
-            <a:headEnd type="none" w="med" len="med"/>
-            <a:tailEnd type="none" w="med" len="med"/>
-          </a:ln>
-          <a:effectLst/>
-          <a:extLst>
-            <a:ext uri="{AF507438-7753-43e0-B8FC-AC1667EBCBE1}">
-              <a14:hiddenEffects xmlns="" xmlns:a14="http://schemas.microsoft.com/office/drawing/2010/main">
-                <a:effectLst>
-                  <a:outerShdw blurRad="63500" dist="38099" dir="2700000" algn="ctr" rotWithShape="0">
-                    <a:schemeClr val="bg2">
-                      <a:alpha val="74998"/>
-                    </a:schemeClr>
-                  </a:outerShdw>
-                </a:effectLst>
-              </a14:hiddenEffects>
-            </a:ext>
-          </a:extLst>
-        </p:spPr>
-        <p:txBody>
-          <a:bodyPr vert="horz" wrap="square" lIns="91440" tIns="45720" rIns="91440" bIns="45720" numCol="1" rtlCol="0" anchor="t" anchorCtr="0" compatLnSpc="1">
-            <a:prstTxWarp prst="textNoShape">
-              <a:avLst/>
-            </a:prstTxWarp>
-          </a:bodyPr>
+          <p:cNvSpPr>
+            <a:spLocks noGrp="1"/>
+          </p:cNvSpPr>
+          <p:nvPr>
+            <p:ph idx="1"/>
+          </p:nvPr>
+        </p:nvSpPr>
+        <p:spPr/>
+        <p:txBody>
+          <a:bodyPr/>
           <a:lstStyle/>
           <a:p>
-            <a:pPr marL="0" marR="0" indent="0" algn="l" defTabSz="914400" rtl="0" eaLnBrk="0" fontAlgn="base" latinLnBrk="0" hangingPunct="0">
-              <a:lnSpc>
-                <a:spcPct val="100000"/>
-              </a:lnSpc>
-              <a:spcBef>
-                <a:spcPct val="0"/>
-              </a:spcBef>
-              <a:spcAft>
-                <a:spcPct val="0"/>
-              </a:spcAft>
-              <a:buClrTx/>
-              <a:buSzTx/>
-              <a:buFontTx/>
-              <a:buNone/>
-              <a:tabLst/>
-            </a:pPr>
-            <a:r>
-              <a:rPr kumimoji="0" lang="en-US" sz="2400" b="0" i="0" u="none" strike="noStrike" cap="none" normalizeH="0" baseline="0" dirty="0">
-                <a:ln>
-                  <a:noFill/>
-                </a:ln>
-                <a:solidFill>
-                  <a:srgbClr val="000000"/>
-                </a:solidFill>
-                <a:effectLst/>
-                <a:latin typeface="Times" charset="0"/>
-                <a:ea typeface="Osaka" charset="0"/>
-                <a:cs typeface="Osaka" charset="0"/>
-              </a:rPr>
-              <a:t>           Module 2</a:t>
-            </a:r>
-          </a:p>
-        </p:txBody>
-      </p:sp>
-      <p:sp>
-        <p:nvSpPr>
-          <p:cNvPr id="5" name="Oval 4">
-            <a:extLst>
-              <a:ext uri="{FF2B5EF4-FFF2-40B4-BE49-F238E27FC236}">
-                <a16:creationId xmlns:a16="http://schemas.microsoft.com/office/drawing/2014/main" id="{5F514F9E-D8B1-8E6C-92C5-B6B939681DA8}"/>
-              </a:ext>
-            </a:extLst>
-          </p:cNvPr>
-          <p:cNvSpPr/>
-          <p:nvPr/>
-        </p:nvSpPr>
-        <p:spPr bwMode="auto">
-          <a:xfrm>
-            <a:off x="1943100" y="2743200"/>
-            <a:ext cx="3124200" cy="1905000"/>
-          </a:xfrm>
-          <a:prstGeom prst="ellipse">
-            <a:avLst/>
-          </a:prstGeom>
-          <a:solidFill>
-            <a:schemeClr val="bg2">
-              <a:alpha val="65882"/>
-            </a:schemeClr>
-          </a:solidFill>
-          <a:ln w="9525" cap="flat" cmpd="sng" algn="ctr">
-            <a:solidFill>
-              <a:schemeClr val="tx1"/>
-            </a:solidFill>
-            <a:prstDash val="solid"/>
-            <a:round/>
-            <a:headEnd type="none" w="med" len="med"/>
-            <a:tailEnd type="none" w="med" len="med"/>
-          </a:ln>
-          <a:effectLst/>
-          <a:extLst>
-            <a:ext uri="{AF507438-7753-43e0-B8FC-AC1667EBCBE1}">
-              <a14:hiddenEffects xmlns="" xmlns:a14="http://schemas.microsoft.com/office/drawing/2010/main">
-                <a:effectLst>
-                  <a:outerShdw blurRad="63500" dist="38099" dir="2700000" algn="ctr" rotWithShape="0">
-                    <a:schemeClr val="bg2">
-                      <a:alpha val="74998"/>
-                    </a:schemeClr>
-                  </a:outerShdw>
-                </a:effectLst>
-              </a14:hiddenEffects>
-            </a:ext>
-          </a:extLst>
-        </p:spPr>
-        <p:txBody>
-          <a:bodyPr vert="horz" wrap="square" lIns="91440" tIns="45720" rIns="91440" bIns="45720" numCol="1" rtlCol="0" anchor="t" anchorCtr="0" compatLnSpc="1">
-            <a:prstTxWarp prst="textNoShape">
-              <a:avLst/>
-            </a:prstTxWarp>
-          </a:bodyPr>
-          <a:lstStyle/>
-          <a:p>
-            <a:pPr marL="0" marR="0" indent="0" algn="l" defTabSz="914400" rtl="0" eaLnBrk="0" fontAlgn="base" latinLnBrk="0" hangingPunct="0">
-              <a:lnSpc>
-                <a:spcPct val="100000"/>
-              </a:lnSpc>
-              <a:spcBef>
-                <a:spcPct val="0"/>
-              </a:spcBef>
-              <a:spcAft>
-                <a:spcPct val="0"/>
-              </a:spcAft>
-              <a:buClrTx/>
-              <a:buSzTx/>
-              <a:buFontTx/>
-              <a:buNone/>
-              <a:tabLst/>
-            </a:pPr>
-            <a:r>
-              <a:rPr kumimoji="0" lang="en-US" sz="2400" b="0" i="0" u="none" strike="noStrike" cap="none" normalizeH="0" baseline="0" dirty="0">
-                <a:ln>
-                  <a:noFill/>
-                </a:ln>
-                <a:solidFill>
-                  <a:srgbClr val="000000"/>
-                </a:solidFill>
-                <a:effectLst/>
-                <a:latin typeface="Times" charset="0"/>
-                <a:ea typeface="Osaka" charset="0"/>
-                <a:cs typeface="Osaka" charset="0"/>
-              </a:rPr>
-              <a:t>Module 1</a:t>
-            </a:r>
-          </a:p>
-        </p:txBody>
-      </p:sp>
-      <p:sp>
-        <p:nvSpPr>
-          <p:cNvPr id="6" name="TextBox 5">
-            <a:extLst>
-              <a:ext uri="{FF2B5EF4-FFF2-40B4-BE49-F238E27FC236}">
-                <a16:creationId xmlns:a16="http://schemas.microsoft.com/office/drawing/2014/main" id="{4B089B68-4ACA-1D88-F777-0B6898684E09}"/>
-              </a:ext>
-            </a:extLst>
-          </p:cNvPr>
-          <p:cNvSpPr txBox="1"/>
-          <p:nvPr/>
-        </p:nvSpPr>
-        <p:spPr>
-          <a:xfrm>
-            <a:off x="2133600" y="4953000"/>
-            <a:ext cx="5562600" cy="954107"/>
-          </a:xfrm>
-          <a:prstGeom prst="rect">
-            <a:avLst/>
-          </a:prstGeom>
-          <a:noFill/>
-        </p:spPr>
-        <p:txBody>
-          <a:bodyPr wrap="square" rtlCol="0">
-            <a:spAutoFit/>
-          </a:bodyPr>
-          <a:lstStyle/>
-          <a:p>
-            <a:r>
-              <a:rPr lang="en-US" sz="2800" dirty="0"/>
-              <a:t>Strong dependency of one module on another</a:t>
-            </a:r>
+            <a:r>
+              <a:rPr lang="en-US" dirty="0"/>
+              <a:t>Using code – Design Structure Matrix (DSM)</a:t>
+            </a:r>
+          </a:p>
+          <a:p>
+            <a:r>
+              <a:rPr lang="en-US" dirty="0"/>
+              <a:t>After system in production –architecture debt hotspots</a:t>
+            </a:r>
+          </a:p>
+          <a:p>
+            <a:endParaRPr lang="en-US" dirty="0"/>
           </a:p>
         </p:txBody>
       </p:sp>
     </p:spTree>
     <p:extLst>
       <p:ext uri="{BB962C8B-B14F-4D97-AF65-F5344CB8AC3E}">
-        <p14:creationId xmlns:p14="http://schemas.microsoft.com/office/powerpoint/2010/main" val="3072752217"/>
+        <p14:creationId xmlns:p14="http://schemas.microsoft.com/office/powerpoint/2010/main" val="2837055215"/>
       </p:ext>
     </p:extLst>
   </p:cSld>
@@ -7492,7 +7632,7 @@
           <p:cNvPr id="2" name="Title 1">
             <a:extLst>
               <a:ext uri="{FF2B5EF4-FFF2-40B4-BE49-F238E27FC236}">
-                <a16:creationId xmlns:a16="http://schemas.microsoft.com/office/drawing/2014/main" id="{0253D78E-1B4A-D8B3-0459-D47CB612601D}"/>
+                <a16:creationId xmlns:a16="http://schemas.microsoft.com/office/drawing/2014/main" id="{4BF5D2A3-23B1-7727-8B56-3763D57E82CE}"/>
               </a:ext>
             </a:extLst>
           </p:cNvPr>
@@ -7510,7 +7650,7 @@
           <a:p>
             <a:r>
               <a:rPr lang="en-US" dirty="0"/>
-              <a:t>Determining high coupling</a:t>
+              <a:t>Design Structure Matrix </a:t>
             </a:r>
           </a:p>
         </p:txBody>
@@ -7520,7 +7660,7 @@
           <p:cNvPr id="3" name="Content Placeholder 2">
             <a:extLst>
               <a:ext uri="{FF2B5EF4-FFF2-40B4-BE49-F238E27FC236}">
-                <a16:creationId xmlns:a16="http://schemas.microsoft.com/office/drawing/2014/main" id="{F656D562-DC96-15BE-45A8-1F974450CD0A}"/>
+                <a16:creationId xmlns:a16="http://schemas.microsoft.com/office/drawing/2014/main" id="{98009DD9-E374-3D17-FE8D-42F69D5D06F2}"/>
               </a:ext>
             </a:extLst>
           </p:cNvPr>
@@ -7538,16 +7678,37 @@
           <a:p>
             <a:r>
               <a:rPr lang="en-US" dirty="0"/>
-              <a:t>Using code – Design Structure Matrix (DSM)</a:t>
-            </a:r>
-          </a:p>
-          <a:p>
-            <a:r>
-              <a:rPr lang="en-US" dirty="0"/>
-              <a:t>After system in production –architecture debt hotspots</a:t>
-            </a:r>
-          </a:p>
-          <a:p>
+              <a:t>A Design Structure Matrix (DSM) is a visual representation of dependencies among modules in an architecture</a:t>
+            </a:r>
+          </a:p>
+          <a:p>
+            <a:r>
+              <a:rPr lang="en-US" dirty="0"/>
+              <a:t>Square matrix with</a:t>
+            </a:r>
+            <a:r>
+              <a:rPr lang="en-US" baseline="0" dirty="0"/>
+              <a:t> modules along both axes</a:t>
+            </a:r>
+          </a:p>
+          <a:p>
+            <a:r>
+              <a:rPr lang="en-US" baseline="0" dirty="0"/>
+              <a:t>Place mark in matrix if there is a dependency between module in row and module in column</a:t>
+            </a:r>
+            <a:endParaRPr lang="en-US" dirty="0"/>
+          </a:p>
+          <a:p>
+            <a:r>
+              <a:rPr lang="en-US" dirty="0"/>
+              <a:t> </a:t>
+            </a:r>
+            <a:r>
+              <a:rPr lang="en-US" dirty="0">
+                <a:hlinkClick r:id="rId2"/>
+              </a:rPr>
+              <a:t>https://dsmsuite.github.io/dsm_overview</a:t>
+            </a:r>
             <a:endParaRPr lang="en-US" dirty="0"/>
           </a:p>
         </p:txBody>
@@ -7555,7 +7716,7 @@
     </p:spTree>
     <p:extLst>
       <p:ext uri="{BB962C8B-B14F-4D97-AF65-F5344CB8AC3E}">
-        <p14:creationId xmlns:p14="http://schemas.microsoft.com/office/powerpoint/2010/main" val="2837055215"/>
+        <p14:creationId xmlns:p14="http://schemas.microsoft.com/office/powerpoint/2010/main" val="3891907961"/>
       </p:ext>
     </p:extLst>
   </p:cSld>
@@ -7811,7 +7972,7 @@
         <a:effectLst/>
         <a:extLst>
           <a:ext uri="{AF507438-7753-43e0-B8FC-AC1667EBCBE1}">
-            <a14:hiddenEffects xmlns="" xmlns:a14="http://schemas.microsoft.com/office/drawing/2010/main">
+            <a14:hiddenEffects xmlns:a14="http://schemas.microsoft.com/office/drawing/2010/main" xmlns="">
               <a:effectLst>
                 <a:outerShdw blurRad="63500" dist="38099" dir="2700000" algn="ctr" rotWithShape="0">
                   <a:schemeClr val="bg2">
@@ -7888,7 +8049,7 @@
         <a:effectLst/>
         <a:extLst>
           <a:ext uri="{AF507438-7753-43e0-B8FC-AC1667EBCBE1}">
-            <a14:hiddenEffects xmlns="" xmlns:a14="http://schemas.microsoft.com/office/drawing/2010/main">
+            <a14:hiddenEffects xmlns:a14="http://schemas.microsoft.com/office/drawing/2010/main" xmlns="">
               <a:effectLst>
                 <a:outerShdw blurRad="63500" dist="38099" dir="2700000" algn="ctr" rotWithShape="0">
                   <a:schemeClr val="bg2">
